--- a/PEI.pptx
+++ b/PEI.pptx
@@ -5,19 +5,27 @@
     <p:sldMasterId id="2147483648" r:id="rId4"/>
   </p:sldMasterIdLst>
   <p:notesMasterIdLst>
-    <p:notesMasterId r:id="rId12"/>
+    <p:notesMasterId r:id="rId20"/>
   </p:notesMasterIdLst>
   <p:handoutMasterIdLst>
-    <p:handoutMasterId r:id="rId13"/>
+    <p:handoutMasterId r:id="rId21"/>
   </p:handoutMasterIdLst>
   <p:sldIdLst>
     <p:sldId id="256" r:id="rId5"/>
-    <p:sldId id="258" r:id="rId6"/>
-    <p:sldId id="277" r:id="rId7"/>
-    <p:sldId id="273" r:id="rId8"/>
-    <p:sldId id="278" r:id="rId9"/>
-    <p:sldId id="276" r:id="rId10"/>
-    <p:sldId id="271" r:id="rId11"/>
+    <p:sldId id="276" r:id="rId6"/>
+    <p:sldId id="258" r:id="rId7"/>
+    <p:sldId id="280" r:id="rId8"/>
+    <p:sldId id="281" r:id="rId9"/>
+    <p:sldId id="283" r:id="rId10"/>
+    <p:sldId id="284" r:id="rId11"/>
+    <p:sldId id="271" r:id="rId12"/>
+    <p:sldId id="279" r:id="rId13"/>
+    <p:sldId id="277" r:id="rId14"/>
+    <p:sldId id="286" r:id="rId15"/>
+    <p:sldId id="287" r:id="rId16"/>
+    <p:sldId id="273" r:id="rId17"/>
+    <p:sldId id="278" r:id="rId18"/>
+    <p:sldId id="285" r:id="rId19"/>
   </p:sldIdLst>
   <p:sldSz cx="12192000" cy="6858000"/>
   <p:notesSz cx="6858000" cy="9144000"/>
@@ -609,7 +617,7 @@
           <a:p>
             <a:fld id="{B56F32FC-4BD9-442A-A8C6-51598C909FE3}" type="datetimeFigureOut">
               <a:rPr lang="en-US" smtClean="0"/>
-              <a:t>5/31/2024</a:t>
+              <a:t>6/6/2024</a:t>
             </a:fld>
             <a:endParaRPr lang="en-US" dirty="0"/>
           </a:p>
@@ -786,7 +794,7 @@
           <a:p>
             <a:fld id="{056371FA-A98D-41E8-93F4-09945841298A}" type="datetimeFigureOut">
               <a:rPr lang="en-US" smtClean="0"/>
-              <a:t>5/31/2024</a:t>
+              <a:t>6/6/2024</a:t>
             </a:fld>
             <a:endParaRPr lang="en-US" dirty="0"/>
           </a:p>
@@ -9988,6 +9996,1634 @@
 </p:sld>
 </file>
 
+<file path=ppt/slides/slide10.xml><?xml version="1.0" encoding="utf-8"?>
+<p:sld xmlns:a="http://schemas.openxmlformats.org/drawingml/2006/main" xmlns:r="http://schemas.openxmlformats.org/officeDocument/2006/relationships" xmlns:p="http://schemas.openxmlformats.org/presentationml/2006/main">
+  <p:cSld>
+    <p:spTree>
+      <p:nvGrpSpPr>
+        <p:cNvPr id="1" name=""/>
+        <p:cNvGrpSpPr/>
+        <p:nvPr/>
+      </p:nvGrpSpPr>
+      <p:grpSpPr>
+        <a:xfrm>
+          <a:off x="0" y="0"/>
+          <a:ext cx="0" cy="0"/>
+          <a:chOff x="0" y="0"/>
+          <a:chExt cx="0" cy="0"/>
+        </a:xfrm>
+      </p:grpSpPr>
+      <p:sp>
+        <p:nvSpPr>
+          <p:cNvPr id="3" name="Text Placeholder 2">
+            <a:extLst>
+              <a:ext uri="{FF2B5EF4-FFF2-40B4-BE49-F238E27FC236}">
+                <a16:creationId xmlns:a16="http://schemas.microsoft.com/office/drawing/2014/main" id="{9D5232F9-FD00-464A-9F17-619C91AEF8F3}"/>
+              </a:ext>
+            </a:extLst>
+          </p:cNvPr>
+          <p:cNvSpPr>
+            <a:spLocks noGrp="1"/>
+          </p:cNvSpPr>
+          <p:nvPr>
+            <p:ph type="body" idx="1"/>
+          </p:nvPr>
+        </p:nvSpPr>
+        <p:spPr>
+          <a:xfrm>
+            <a:off x="749516" y="1175656"/>
+            <a:ext cx="10745798" cy="5458409"/>
+          </a:xfrm>
+        </p:spPr>
+        <p:txBody>
+          <a:bodyPr>
+            <a:normAutofit/>
+          </a:bodyPr>
+          <a:lstStyle/>
+          <a:p>
+            <a:pPr>
+              <a:lnSpc>
+                <a:spcPct val="115000"/>
+              </a:lnSpc>
+            </a:pPr>
+            <a:endParaRPr lang="en-US" sz="1200" b="1" dirty="0">
+              <a:latin typeface="Roboto" panose="02000000000000000000" pitchFamily="2" charset="0"/>
+              <a:ea typeface="Roboto" panose="02000000000000000000" pitchFamily="2" charset="0"/>
+              <a:cs typeface="Roboto" panose="02000000000000000000" pitchFamily="2" charset="0"/>
+            </a:endParaRPr>
+          </a:p>
+          <a:p>
+            <a:pPr>
+              <a:lnSpc>
+                <a:spcPct val="115000"/>
+              </a:lnSpc>
+            </a:pPr>
+            <a:r>
+              <a:rPr lang="en-US" sz="1200" b="1" dirty="0">
+                <a:latin typeface="Roboto" panose="02000000000000000000" pitchFamily="2" charset="0"/>
+                <a:ea typeface="Roboto" panose="02000000000000000000" pitchFamily="2" charset="0"/>
+                <a:cs typeface="Roboto" panose="02000000000000000000" pitchFamily="2" charset="0"/>
+              </a:rPr>
+              <a:t>Data Integrity Constraints</a:t>
+            </a:r>
+            <a:r>
+              <a:rPr lang="en-US" sz="1200" dirty="0">
+                <a:latin typeface="Roboto" panose="02000000000000000000" pitchFamily="2" charset="0"/>
+                <a:ea typeface="Roboto" panose="02000000000000000000" pitchFamily="2" charset="0"/>
+                <a:cs typeface="Roboto" panose="02000000000000000000" pitchFamily="2" charset="0"/>
+              </a:rPr>
+              <a:t>: Implement constraints to ensure data integrity, such as ensuring that each order and shipping record has a corresponding customer entry in the Customer Dataset.</a:t>
+            </a:r>
+            <a:endParaRPr lang="en-US" sz="1200" u="none" strike="noStrike" dirty="0">
+              <a:solidFill>
+                <a:schemeClr val="tx1"/>
+              </a:solidFill>
+              <a:effectLst/>
+              <a:latin typeface="Roboto" panose="02000000000000000000" pitchFamily="2" charset="0"/>
+              <a:ea typeface="Roboto" panose="02000000000000000000" pitchFamily="2" charset="0"/>
+              <a:cs typeface="Roboto" panose="02000000000000000000" pitchFamily="2" charset="0"/>
+            </a:endParaRPr>
+          </a:p>
+          <a:p>
+            <a:pPr>
+              <a:lnSpc>
+                <a:spcPct val="115000"/>
+              </a:lnSpc>
+            </a:pPr>
+            <a:r>
+              <a:rPr lang="en-US" sz="1200" dirty="0">
+                <a:latin typeface="Roboto" panose="02000000000000000000" pitchFamily="2" charset="0"/>
+                <a:ea typeface="Roboto" panose="02000000000000000000" pitchFamily="2" charset="0"/>
+                <a:cs typeface="Roboto" panose="02000000000000000000" pitchFamily="2" charset="0"/>
+              </a:rPr>
+              <a:t>Concern :</a:t>
+            </a:r>
+          </a:p>
+          <a:p>
+            <a:pPr>
+              <a:lnSpc>
+                <a:spcPct val="115000"/>
+              </a:lnSpc>
+            </a:pPr>
+            <a:r>
+              <a:rPr lang="en-US" sz="1200" dirty="0">
+                <a:latin typeface="Roboto" panose="02000000000000000000" pitchFamily="2" charset="0"/>
+                <a:ea typeface="Roboto" panose="02000000000000000000" pitchFamily="2" charset="0"/>
+                <a:cs typeface="Roboto" panose="02000000000000000000" pitchFamily="2" charset="0"/>
+              </a:rPr>
+              <a:t>1) Few of the customer has ordered same item with same Order ID. However,  shipping ID differs. Does that mean every individual item gets separate Shipping ID or is that an error in capturing the data?</a:t>
+            </a:r>
+          </a:p>
+          <a:p>
+            <a:pPr>
+              <a:lnSpc>
+                <a:spcPct val="115000"/>
+              </a:lnSpc>
+            </a:pPr>
+            <a:endParaRPr lang="en-US" sz="1200" dirty="0">
+              <a:latin typeface="Roboto" panose="02000000000000000000" pitchFamily="2" charset="0"/>
+              <a:ea typeface="Roboto" panose="02000000000000000000" pitchFamily="2" charset="0"/>
+              <a:cs typeface="Roboto" panose="02000000000000000000" pitchFamily="2" charset="0"/>
+            </a:endParaRPr>
+          </a:p>
+          <a:p>
+            <a:pPr>
+              <a:lnSpc>
+                <a:spcPct val="115000"/>
+              </a:lnSpc>
+            </a:pPr>
+            <a:endParaRPr lang="en-US" sz="1200" dirty="0">
+              <a:latin typeface="Roboto" panose="02000000000000000000" pitchFamily="2" charset="0"/>
+              <a:ea typeface="Roboto" panose="02000000000000000000" pitchFamily="2" charset="0"/>
+              <a:cs typeface="Roboto" panose="02000000000000000000" pitchFamily="2" charset="0"/>
+            </a:endParaRPr>
+          </a:p>
+          <a:p>
+            <a:pPr>
+              <a:lnSpc>
+                <a:spcPct val="115000"/>
+              </a:lnSpc>
+            </a:pPr>
+            <a:endParaRPr lang="en-US" sz="1200" dirty="0">
+              <a:latin typeface="Roboto" panose="02000000000000000000" pitchFamily="2" charset="0"/>
+              <a:ea typeface="Roboto" panose="02000000000000000000" pitchFamily="2" charset="0"/>
+              <a:cs typeface="Roboto" panose="02000000000000000000" pitchFamily="2" charset="0"/>
+            </a:endParaRPr>
+          </a:p>
+          <a:p>
+            <a:pPr>
+              <a:lnSpc>
+                <a:spcPct val="115000"/>
+              </a:lnSpc>
+            </a:pPr>
+            <a:endParaRPr lang="en-US" sz="1200" dirty="0">
+              <a:latin typeface="Roboto" panose="02000000000000000000" pitchFamily="2" charset="0"/>
+              <a:ea typeface="Roboto" panose="02000000000000000000" pitchFamily="2" charset="0"/>
+              <a:cs typeface="Roboto" panose="02000000000000000000" pitchFamily="2" charset="0"/>
+            </a:endParaRPr>
+          </a:p>
+          <a:p>
+            <a:pPr>
+              <a:lnSpc>
+                <a:spcPct val="115000"/>
+              </a:lnSpc>
+            </a:pPr>
+            <a:endParaRPr lang="en-US" sz="1200" dirty="0">
+              <a:latin typeface="Roboto" panose="02000000000000000000" pitchFamily="2" charset="0"/>
+              <a:ea typeface="Roboto" panose="02000000000000000000" pitchFamily="2" charset="0"/>
+              <a:cs typeface="Roboto" panose="02000000000000000000" pitchFamily="2" charset="0"/>
+            </a:endParaRPr>
+          </a:p>
+          <a:p>
+            <a:pPr>
+              <a:lnSpc>
+                <a:spcPct val="115000"/>
+              </a:lnSpc>
+            </a:pPr>
+            <a:endParaRPr lang="en-US" sz="1200" dirty="0">
+              <a:latin typeface="Roboto" panose="02000000000000000000" pitchFamily="2" charset="0"/>
+              <a:ea typeface="Roboto" panose="02000000000000000000" pitchFamily="2" charset="0"/>
+              <a:cs typeface="Roboto" panose="02000000000000000000" pitchFamily="2" charset="0"/>
+            </a:endParaRPr>
+          </a:p>
+          <a:p>
+            <a:pPr>
+              <a:lnSpc>
+                <a:spcPct val="115000"/>
+              </a:lnSpc>
+            </a:pPr>
+            <a:r>
+              <a:rPr lang="en-US" sz="1200" dirty="0">
+                <a:latin typeface="Roboto" panose="02000000000000000000" pitchFamily="2" charset="0"/>
+                <a:ea typeface="Roboto" panose="02000000000000000000" pitchFamily="2" charset="0"/>
+                <a:cs typeface="Roboto" panose="02000000000000000000" pitchFamily="2" charset="0"/>
+              </a:rPr>
+              <a:t>2) Is the Pending delivery amount received ? because it can be COD</a:t>
+            </a:r>
+          </a:p>
+          <a:p>
+            <a:pPr>
+              <a:lnSpc>
+                <a:spcPct val="115000"/>
+              </a:lnSpc>
+            </a:pPr>
+            <a:r>
+              <a:rPr lang="en-US" sz="1200" dirty="0">
+                <a:latin typeface="Roboto" panose="02000000000000000000" pitchFamily="2" charset="0"/>
+                <a:ea typeface="Roboto" panose="02000000000000000000" pitchFamily="2" charset="0"/>
+                <a:cs typeface="Roboto" panose="02000000000000000000" pitchFamily="2" charset="0"/>
+              </a:rPr>
+              <a:t>3) No information on returns hence we cannot exactly calculate sales amount because few items could have been returned</a:t>
+            </a:r>
+          </a:p>
+          <a:p>
+            <a:pPr>
+              <a:lnSpc>
+                <a:spcPct val="115000"/>
+              </a:lnSpc>
+            </a:pPr>
+            <a:r>
+              <a:rPr lang="en-US" sz="1200" dirty="0">
+                <a:latin typeface="Roboto" panose="02000000000000000000" pitchFamily="2" charset="0"/>
+                <a:ea typeface="Roboto" panose="02000000000000000000" pitchFamily="2" charset="0"/>
+                <a:cs typeface="Roboto" panose="02000000000000000000" pitchFamily="2" charset="0"/>
+              </a:rPr>
+              <a:t>4) Mousepad is the item with 2 Cost - 200, 250. Why? any coupon discount or different Mouse pad?</a:t>
+            </a:r>
+          </a:p>
+          <a:p>
+            <a:pPr>
+              <a:lnSpc>
+                <a:spcPct val="115000"/>
+              </a:lnSpc>
+            </a:pPr>
+            <a:r>
+              <a:rPr lang="en-US" sz="1200" dirty="0">
+                <a:latin typeface="Roboto" panose="02000000000000000000" pitchFamily="2" charset="0"/>
+                <a:ea typeface="Roboto" panose="02000000000000000000" pitchFamily="2" charset="0"/>
+                <a:cs typeface="Roboto" panose="02000000000000000000" pitchFamily="2" charset="0"/>
+              </a:rPr>
+              <a:t>5) There is no information on any date field which is big concern like Order Date, Ship Date </a:t>
+            </a:r>
+            <a:r>
+              <a:rPr lang="en-US" sz="1200" dirty="0" err="1">
+                <a:latin typeface="Roboto" panose="02000000000000000000" pitchFamily="2" charset="0"/>
+                <a:ea typeface="Roboto" panose="02000000000000000000" pitchFamily="2" charset="0"/>
+                <a:cs typeface="Roboto" panose="02000000000000000000" pitchFamily="2" charset="0"/>
+              </a:rPr>
+              <a:t>etc</a:t>
+            </a:r>
+            <a:endParaRPr lang="en-US" sz="1200" dirty="0">
+              <a:latin typeface="Roboto" panose="02000000000000000000" pitchFamily="2" charset="0"/>
+              <a:ea typeface="Roboto" panose="02000000000000000000" pitchFamily="2" charset="0"/>
+              <a:cs typeface="Roboto" panose="02000000000000000000" pitchFamily="2" charset="0"/>
+            </a:endParaRPr>
+          </a:p>
+          <a:p>
+            <a:pPr>
+              <a:lnSpc>
+                <a:spcPct val="115000"/>
+              </a:lnSpc>
+            </a:pPr>
+            <a:endParaRPr lang="en-US" sz="1200" dirty="0">
+              <a:latin typeface="Roboto" panose="02000000000000000000" pitchFamily="2" charset="0"/>
+              <a:ea typeface="Roboto" panose="02000000000000000000" pitchFamily="2" charset="0"/>
+              <a:cs typeface="Roboto" panose="02000000000000000000" pitchFamily="2" charset="0"/>
+            </a:endParaRPr>
+          </a:p>
+          <a:p>
+            <a:pPr>
+              <a:lnSpc>
+                <a:spcPct val="115000"/>
+              </a:lnSpc>
+            </a:pPr>
+            <a:endParaRPr lang="en-US" sz="1200" dirty="0">
+              <a:latin typeface="Roboto" panose="02000000000000000000" pitchFamily="2" charset="0"/>
+              <a:ea typeface="Roboto" panose="02000000000000000000" pitchFamily="2" charset="0"/>
+              <a:cs typeface="Roboto" panose="02000000000000000000" pitchFamily="2" charset="0"/>
+            </a:endParaRPr>
+          </a:p>
+        </p:txBody>
+      </p:sp>
+      <p:sp>
+        <p:nvSpPr>
+          <p:cNvPr id="6" name="Slide Number Placeholder 5">
+            <a:extLst>
+              <a:ext uri="{FF2B5EF4-FFF2-40B4-BE49-F238E27FC236}">
+                <a16:creationId xmlns:a16="http://schemas.microsoft.com/office/drawing/2014/main" id="{7BC1787E-7110-4989-B0B8-DD4E0ACC09DF}"/>
+              </a:ext>
+            </a:extLst>
+          </p:cNvPr>
+          <p:cNvSpPr>
+            <a:spLocks noGrp="1"/>
+          </p:cNvSpPr>
+          <p:nvPr>
+            <p:ph type="sldNum" sz="quarter" idx="12"/>
+          </p:nvPr>
+        </p:nvSpPr>
+        <p:spPr>
+          <a:xfrm>
+            <a:off x="8610600" y="6356350"/>
+            <a:ext cx="2743200" cy="365125"/>
+          </a:xfrm>
+        </p:spPr>
+        <p:txBody>
+          <a:bodyPr/>
+          <a:lstStyle/>
+          <a:p>
+            <a:fld id="{A49DFD55-3C28-40EF-9E31-A92D2E4017FF}" type="slidenum">
+              <a:rPr lang="en-US" smtClean="0"/>
+              <a:pPr/>
+              <a:t>10</a:t>
+            </a:fld>
+            <a:endParaRPr lang="en-US" dirty="0"/>
+          </a:p>
+        </p:txBody>
+      </p:sp>
+      <p:pic>
+        <p:nvPicPr>
+          <p:cNvPr id="9" name="Picture 8">
+            <a:extLst>
+              <a:ext uri="{FF2B5EF4-FFF2-40B4-BE49-F238E27FC236}">
+                <a16:creationId xmlns:a16="http://schemas.microsoft.com/office/drawing/2014/main" id="{85E9D4E8-C405-06E2-3860-57345D8C1CFB}"/>
+              </a:ext>
+            </a:extLst>
+          </p:cNvPr>
+          <p:cNvPicPr>
+            <a:picLocks noChangeAspect="1"/>
+          </p:cNvPicPr>
+          <p:nvPr/>
+        </p:nvPicPr>
+        <p:blipFill>
+          <a:blip r:embed="rId2"/>
+          <a:stretch>
+            <a:fillRect/>
+          </a:stretch>
+        </p:blipFill>
+        <p:spPr>
+          <a:xfrm>
+            <a:off x="950017" y="3142794"/>
+            <a:ext cx="7026249" cy="1524132"/>
+          </a:xfrm>
+          <a:prstGeom prst="rect">
+            <a:avLst/>
+          </a:prstGeom>
+        </p:spPr>
+      </p:pic>
+      <p:sp>
+        <p:nvSpPr>
+          <p:cNvPr id="7" name="Title 1">
+            <a:extLst>
+              <a:ext uri="{FF2B5EF4-FFF2-40B4-BE49-F238E27FC236}">
+                <a16:creationId xmlns:a16="http://schemas.microsoft.com/office/drawing/2014/main" id="{6944481B-70AD-7419-A673-DB622C8815EB}"/>
+              </a:ext>
+            </a:extLst>
+          </p:cNvPr>
+          <p:cNvSpPr txBox="1">
+            <a:spLocks/>
+          </p:cNvSpPr>
+          <p:nvPr/>
+        </p:nvSpPr>
+        <p:spPr>
+          <a:xfrm>
+            <a:off x="562630" y="163349"/>
+            <a:ext cx="11261973" cy="1198920"/>
+          </a:xfrm>
+          <a:prstGeom prst="rect">
+            <a:avLst/>
+          </a:prstGeom>
+        </p:spPr>
+        <p:txBody>
+          <a:bodyPr vert="horz" lIns="91440" tIns="45720" rIns="91440" bIns="45720" rtlCol="0" anchor="b">
+            <a:normAutofit fontScale="97500"/>
+          </a:bodyPr>
+          <a:lstStyle>
+            <a:lvl1pPr algn="l" defTabSz="914400" rtl="0" eaLnBrk="1" latinLnBrk="0" hangingPunct="1">
+              <a:lnSpc>
+                <a:spcPct val="90000"/>
+              </a:lnSpc>
+              <a:spcBef>
+                <a:spcPct val="0"/>
+              </a:spcBef>
+              <a:buNone/>
+              <a:defRPr lang="en-US" sz="2800" kern="1200" cap="all" spc="150" baseline="0" dirty="0">
+                <a:solidFill>
+                  <a:schemeClr val="tx1"/>
+                </a:solidFill>
+                <a:latin typeface="+mj-lt"/>
+                <a:ea typeface="+mj-ea"/>
+                <a:cs typeface="+mj-cs"/>
+              </a:defRPr>
+            </a:lvl1pPr>
+          </a:lstStyle>
+          <a:p>
+            <a:pPr algn="ctr" fontAlgn="base">
+              <a:spcBef>
+                <a:spcPts val="0"/>
+              </a:spcBef>
+            </a:pPr>
+            <a:br>
+              <a:rPr lang="en-US" sz="1600" dirty="0">
+                <a:latin typeface="ArialMT"/>
+              </a:rPr>
+            </a:br>
+            <a:r>
+              <a:rPr lang="en-US" sz="1400" dirty="0">
+                <a:latin typeface="ArialMT"/>
+              </a:rPr>
+              <a:t>1) Verify the accuracy, completeness, and reliability of source data. </a:t>
+            </a:r>
+            <a:br>
+              <a:rPr lang="en-US" sz="1400" dirty="0">
+                <a:latin typeface="ArialMT"/>
+              </a:rPr>
+            </a:br>
+            <a:br>
+              <a:rPr lang="en-US" sz="1400" dirty="0">
+                <a:latin typeface="ArialMT"/>
+              </a:rPr>
+            </a:br>
+            <a:r>
+              <a:rPr lang="en-US" sz="1400" dirty="0">
+                <a:latin typeface="ArialMT"/>
+              </a:rPr>
+              <a:t>2) Based on your findings, define and outline the requirements for anticipated datasets, detailing the necessary data components.</a:t>
+            </a:r>
+          </a:p>
+        </p:txBody>
+      </p:sp>
+    </p:spTree>
+    <p:extLst>
+      <p:ext uri="{BB962C8B-B14F-4D97-AF65-F5344CB8AC3E}">
+        <p14:creationId xmlns:p14="http://schemas.microsoft.com/office/powerpoint/2010/main" val="364737974"/>
+      </p:ext>
+    </p:extLst>
+  </p:cSld>
+  <p:clrMapOvr>
+    <a:masterClrMapping/>
+  </p:clrMapOvr>
+</p:sld>
+</file>
+
+<file path=ppt/slides/slide11.xml><?xml version="1.0" encoding="utf-8"?>
+<p:sld xmlns:a="http://schemas.openxmlformats.org/drawingml/2006/main" xmlns:r="http://schemas.openxmlformats.org/officeDocument/2006/relationships" xmlns:p="http://schemas.openxmlformats.org/presentationml/2006/main">
+  <p:cSld>
+    <p:spTree>
+      <p:nvGrpSpPr>
+        <p:cNvPr id="1" name=""/>
+        <p:cNvGrpSpPr/>
+        <p:nvPr/>
+      </p:nvGrpSpPr>
+      <p:grpSpPr>
+        <a:xfrm>
+          <a:off x="0" y="0"/>
+          <a:ext cx="0" cy="0"/>
+          <a:chOff x="0" y="0"/>
+          <a:chExt cx="0" cy="0"/>
+        </a:xfrm>
+      </p:grpSpPr>
+      <p:sp>
+        <p:nvSpPr>
+          <p:cNvPr id="6" name="Slide Number Placeholder 5">
+            <a:extLst>
+              <a:ext uri="{FF2B5EF4-FFF2-40B4-BE49-F238E27FC236}">
+                <a16:creationId xmlns:a16="http://schemas.microsoft.com/office/drawing/2014/main" id="{7BC1787E-7110-4989-B0B8-DD4E0ACC09DF}"/>
+              </a:ext>
+            </a:extLst>
+          </p:cNvPr>
+          <p:cNvSpPr>
+            <a:spLocks noGrp="1"/>
+          </p:cNvSpPr>
+          <p:nvPr>
+            <p:ph type="sldNum" sz="quarter" idx="12"/>
+          </p:nvPr>
+        </p:nvSpPr>
+        <p:spPr>
+          <a:xfrm>
+            <a:off x="8610600" y="6356350"/>
+            <a:ext cx="2743200" cy="365125"/>
+          </a:xfrm>
+        </p:spPr>
+        <p:txBody>
+          <a:bodyPr/>
+          <a:lstStyle/>
+          <a:p>
+            <a:fld id="{A49DFD55-3C28-40EF-9E31-A92D2E4017FF}" type="slidenum">
+              <a:rPr lang="en-US" smtClean="0"/>
+              <a:pPr/>
+              <a:t>11</a:t>
+            </a:fld>
+            <a:endParaRPr lang="en-US" dirty="0"/>
+          </a:p>
+        </p:txBody>
+      </p:sp>
+      <p:sp>
+        <p:nvSpPr>
+          <p:cNvPr id="7" name="Title 1">
+            <a:extLst>
+              <a:ext uri="{FF2B5EF4-FFF2-40B4-BE49-F238E27FC236}">
+                <a16:creationId xmlns:a16="http://schemas.microsoft.com/office/drawing/2014/main" id="{6944481B-70AD-7419-A673-DB622C8815EB}"/>
+              </a:ext>
+            </a:extLst>
+          </p:cNvPr>
+          <p:cNvSpPr txBox="1">
+            <a:spLocks/>
+          </p:cNvSpPr>
+          <p:nvPr/>
+        </p:nvSpPr>
+        <p:spPr>
+          <a:xfrm>
+            <a:off x="562631" y="163349"/>
+            <a:ext cx="11081974" cy="816365"/>
+          </a:xfrm>
+          <a:prstGeom prst="rect">
+            <a:avLst/>
+          </a:prstGeom>
+        </p:spPr>
+        <p:txBody>
+          <a:bodyPr vert="horz" lIns="91440" tIns="45720" rIns="91440" bIns="45720" rtlCol="0" anchor="b">
+            <a:normAutofit fontScale="97500"/>
+          </a:bodyPr>
+          <a:lstStyle>
+            <a:lvl1pPr algn="l" defTabSz="914400" rtl="0" eaLnBrk="1" latinLnBrk="0" hangingPunct="1">
+              <a:lnSpc>
+                <a:spcPct val="90000"/>
+              </a:lnSpc>
+              <a:spcBef>
+                <a:spcPct val="0"/>
+              </a:spcBef>
+              <a:buNone/>
+              <a:defRPr lang="en-US" sz="2800" kern="1200" cap="all" spc="150" baseline="0" dirty="0">
+                <a:solidFill>
+                  <a:schemeClr val="tx1"/>
+                </a:solidFill>
+                <a:latin typeface="+mj-lt"/>
+                <a:ea typeface="+mj-ea"/>
+                <a:cs typeface="+mj-cs"/>
+              </a:defRPr>
+            </a:lvl1pPr>
+          </a:lstStyle>
+          <a:p>
+            <a:pPr algn="ctr" fontAlgn="base">
+              <a:spcBef>
+                <a:spcPts val="0"/>
+              </a:spcBef>
+            </a:pPr>
+            <a:r>
+              <a:rPr lang="en-US" sz="1400" dirty="0">
+                <a:latin typeface="ArialMT"/>
+              </a:rPr>
+              <a:t>3) Develop the data models to effectively </a:t>
+            </a:r>
+            <a:r>
+              <a:rPr lang="en-US" sz="1400" dirty="0" err="1">
+                <a:latin typeface="ArialMT"/>
+              </a:rPr>
+              <a:t>organise</a:t>
+            </a:r>
+            <a:r>
+              <a:rPr lang="en-US" sz="1400" dirty="0">
+                <a:latin typeface="ArialMT"/>
+              </a:rPr>
+              <a:t> and structure the information and provide a detailed mapping of existing data flows, </a:t>
+            </a:r>
+            <a:r>
+              <a:rPr lang="en-US" sz="1400" dirty="0" err="1">
+                <a:latin typeface="ArialMT"/>
+              </a:rPr>
+              <a:t>focussing</a:t>
+            </a:r>
+            <a:r>
+              <a:rPr lang="en-US" sz="1400" dirty="0">
+                <a:latin typeface="ArialMT"/>
+              </a:rPr>
+              <a:t> on the areas of concern.</a:t>
+            </a:r>
+          </a:p>
+        </p:txBody>
+      </p:sp>
+      <p:pic>
+        <p:nvPicPr>
+          <p:cNvPr id="8" name="Picture 7">
+            <a:extLst>
+              <a:ext uri="{FF2B5EF4-FFF2-40B4-BE49-F238E27FC236}">
+                <a16:creationId xmlns:a16="http://schemas.microsoft.com/office/drawing/2014/main" id="{04E5C75A-8216-CBB3-CFF7-FBDB44B07766}"/>
+              </a:ext>
+            </a:extLst>
+          </p:cNvPr>
+          <p:cNvPicPr>
+            <a:picLocks noChangeAspect="1"/>
+          </p:cNvPicPr>
+          <p:nvPr/>
+        </p:nvPicPr>
+        <p:blipFill>
+          <a:blip r:embed="rId2"/>
+          <a:stretch>
+            <a:fillRect/>
+          </a:stretch>
+        </p:blipFill>
+        <p:spPr>
+          <a:xfrm>
+            <a:off x="996820" y="1587854"/>
+            <a:ext cx="9032033" cy="3682291"/>
+          </a:xfrm>
+          <a:prstGeom prst="rect">
+            <a:avLst/>
+          </a:prstGeom>
+        </p:spPr>
+      </p:pic>
+    </p:spTree>
+    <p:extLst>
+      <p:ext uri="{BB962C8B-B14F-4D97-AF65-F5344CB8AC3E}">
+        <p14:creationId xmlns:p14="http://schemas.microsoft.com/office/powerpoint/2010/main" val="1206436909"/>
+      </p:ext>
+    </p:extLst>
+  </p:cSld>
+  <p:clrMapOvr>
+    <a:masterClrMapping/>
+  </p:clrMapOvr>
+</p:sld>
+</file>
+
+<file path=ppt/slides/slide12.xml><?xml version="1.0" encoding="utf-8"?>
+<p:sld xmlns:a="http://schemas.openxmlformats.org/drawingml/2006/main" xmlns:r="http://schemas.openxmlformats.org/officeDocument/2006/relationships" xmlns:p="http://schemas.openxmlformats.org/presentationml/2006/main">
+  <p:cSld>
+    <p:spTree>
+      <p:nvGrpSpPr>
+        <p:cNvPr id="1" name=""/>
+        <p:cNvGrpSpPr/>
+        <p:nvPr/>
+      </p:nvGrpSpPr>
+      <p:grpSpPr>
+        <a:xfrm>
+          <a:off x="0" y="0"/>
+          <a:ext cx="0" cy="0"/>
+          <a:chOff x="0" y="0"/>
+          <a:chExt cx="0" cy="0"/>
+        </a:xfrm>
+      </p:grpSpPr>
+      <p:sp>
+        <p:nvSpPr>
+          <p:cNvPr id="6" name="Slide Number Placeholder 5">
+            <a:extLst>
+              <a:ext uri="{FF2B5EF4-FFF2-40B4-BE49-F238E27FC236}">
+                <a16:creationId xmlns:a16="http://schemas.microsoft.com/office/drawing/2014/main" id="{7BC1787E-7110-4989-B0B8-DD4E0ACC09DF}"/>
+              </a:ext>
+            </a:extLst>
+          </p:cNvPr>
+          <p:cNvSpPr>
+            <a:spLocks noGrp="1"/>
+          </p:cNvSpPr>
+          <p:nvPr>
+            <p:ph type="sldNum" sz="quarter" idx="12"/>
+          </p:nvPr>
+        </p:nvSpPr>
+        <p:spPr>
+          <a:xfrm>
+            <a:off x="8610600" y="6356350"/>
+            <a:ext cx="2743200" cy="365125"/>
+          </a:xfrm>
+        </p:spPr>
+        <p:txBody>
+          <a:bodyPr/>
+          <a:lstStyle/>
+          <a:p>
+            <a:fld id="{A49DFD55-3C28-40EF-9E31-A92D2E4017FF}" type="slidenum">
+              <a:rPr lang="en-US" smtClean="0"/>
+              <a:pPr/>
+              <a:t>12</a:t>
+            </a:fld>
+            <a:endParaRPr lang="en-US" dirty="0"/>
+          </a:p>
+        </p:txBody>
+      </p:sp>
+      <p:sp>
+        <p:nvSpPr>
+          <p:cNvPr id="7" name="Title 1">
+            <a:extLst>
+              <a:ext uri="{FF2B5EF4-FFF2-40B4-BE49-F238E27FC236}">
+                <a16:creationId xmlns:a16="http://schemas.microsoft.com/office/drawing/2014/main" id="{6944481B-70AD-7419-A673-DB622C8815EB}"/>
+              </a:ext>
+            </a:extLst>
+          </p:cNvPr>
+          <p:cNvSpPr txBox="1">
+            <a:spLocks/>
+          </p:cNvSpPr>
+          <p:nvPr/>
+        </p:nvSpPr>
+        <p:spPr>
+          <a:xfrm>
+            <a:off x="562631" y="163349"/>
+            <a:ext cx="11081974" cy="816365"/>
+          </a:xfrm>
+          <a:prstGeom prst="rect">
+            <a:avLst/>
+          </a:prstGeom>
+        </p:spPr>
+        <p:txBody>
+          <a:bodyPr vert="horz" lIns="91440" tIns="45720" rIns="91440" bIns="45720" rtlCol="0" anchor="b">
+            <a:normAutofit fontScale="97500"/>
+          </a:bodyPr>
+          <a:lstStyle>
+            <a:lvl1pPr algn="l" defTabSz="914400" rtl="0" eaLnBrk="1" latinLnBrk="0" hangingPunct="1">
+              <a:lnSpc>
+                <a:spcPct val="90000"/>
+              </a:lnSpc>
+              <a:spcBef>
+                <a:spcPct val="0"/>
+              </a:spcBef>
+              <a:buNone/>
+              <a:defRPr lang="en-US" sz="2800" kern="1200" cap="all" spc="150" baseline="0" dirty="0">
+                <a:solidFill>
+                  <a:schemeClr val="tx1"/>
+                </a:solidFill>
+                <a:latin typeface="+mj-lt"/>
+                <a:ea typeface="+mj-ea"/>
+                <a:cs typeface="+mj-cs"/>
+              </a:defRPr>
+            </a:lvl1pPr>
+          </a:lstStyle>
+          <a:p>
+            <a:pPr algn="ctr" fontAlgn="base">
+              <a:spcBef>
+                <a:spcPts val="0"/>
+              </a:spcBef>
+            </a:pPr>
+            <a:r>
+              <a:rPr lang="en-US" sz="1400" dirty="0">
+                <a:latin typeface="ArialMT"/>
+              </a:rPr>
+              <a:t>4) Communicate the findings and insights to stakeholders in a visually comprehensive manner..</a:t>
+            </a:r>
+          </a:p>
+        </p:txBody>
+      </p:sp>
+      <p:pic>
+        <p:nvPicPr>
+          <p:cNvPr id="2" name="Picture 1">
+            <a:extLst>
+              <a:ext uri="{FF2B5EF4-FFF2-40B4-BE49-F238E27FC236}">
+                <a16:creationId xmlns:a16="http://schemas.microsoft.com/office/drawing/2014/main" id="{042F7A40-AAF7-E851-D76C-04CC396EE7AC}"/>
+              </a:ext>
+            </a:extLst>
+          </p:cNvPr>
+          <p:cNvPicPr>
+            <a:picLocks noChangeAspect="1"/>
+          </p:cNvPicPr>
+          <p:nvPr/>
+        </p:nvPicPr>
+        <p:blipFill>
+          <a:blip r:embed="rId2"/>
+          <a:stretch>
+            <a:fillRect/>
+          </a:stretch>
+        </p:blipFill>
+        <p:spPr>
+          <a:xfrm>
+            <a:off x="1362269" y="1309862"/>
+            <a:ext cx="9265612" cy="5046488"/>
+          </a:xfrm>
+          <a:prstGeom prst="rect">
+            <a:avLst/>
+          </a:prstGeom>
+        </p:spPr>
+      </p:pic>
+    </p:spTree>
+    <p:extLst>
+      <p:ext uri="{BB962C8B-B14F-4D97-AF65-F5344CB8AC3E}">
+        <p14:creationId xmlns:p14="http://schemas.microsoft.com/office/powerpoint/2010/main" val="4235552095"/>
+      </p:ext>
+    </p:extLst>
+  </p:cSld>
+  <p:clrMapOvr>
+    <a:masterClrMapping/>
+  </p:clrMapOvr>
+</p:sld>
+</file>
+
+<file path=ppt/slides/slide13.xml><?xml version="1.0" encoding="utf-8"?>
+<p:sld xmlns:a="http://schemas.openxmlformats.org/drawingml/2006/main" xmlns:r="http://schemas.openxmlformats.org/officeDocument/2006/relationships" xmlns:p="http://schemas.openxmlformats.org/presentationml/2006/main">
+  <p:cSld>
+    <p:spTree>
+      <p:nvGrpSpPr>
+        <p:cNvPr id="1" name=""/>
+        <p:cNvGrpSpPr/>
+        <p:nvPr/>
+      </p:nvGrpSpPr>
+      <p:grpSpPr>
+        <a:xfrm>
+          <a:off x="0" y="0"/>
+          <a:ext cx="0" cy="0"/>
+          <a:chOff x="0" y="0"/>
+          <a:chExt cx="0" cy="0"/>
+        </a:xfrm>
+      </p:grpSpPr>
+      <p:sp>
+        <p:nvSpPr>
+          <p:cNvPr id="2" name="Title 1">
+            <a:extLst>
+              <a:ext uri="{FF2B5EF4-FFF2-40B4-BE49-F238E27FC236}">
+                <a16:creationId xmlns:a16="http://schemas.microsoft.com/office/drawing/2014/main" id="{0A32731C-311B-46F7-A865-6C3AF6B09A47}"/>
+              </a:ext>
+            </a:extLst>
+          </p:cNvPr>
+          <p:cNvSpPr>
+            <a:spLocks noGrp="1"/>
+          </p:cNvSpPr>
+          <p:nvPr>
+            <p:ph type="title"/>
+          </p:nvPr>
+        </p:nvSpPr>
+        <p:spPr>
+          <a:xfrm>
+            <a:off x="571961" y="366673"/>
+            <a:ext cx="11119930" cy="630799"/>
+          </a:xfrm>
+        </p:spPr>
+        <p:txBody>
+          <a:bodyPr>
+            <a:normAutofit/>
+          </a:bodyPr>
+          <a:lstStyle/>
+          <a:p>
+            <a:pPr algn="ctr"/>
+            <a:r>
+              <a:rPr lang="en-US" sz="1400" b="0" i="0" u="none" strike="noStrike" dirty="0">
+                <a:solidFill>
+                  <a:srgbClr val="1D1C1D"/>
+                </a:solidFill>
+                <a:effectLst/>
+                <a:latin typeface="Arial" panose="020B0604020202020204" pitchFamily="34" charset="0"/>
+              </a:rPr>
+              <a:t>5) What will be your insights to other peer teams of Data Engineers, Data Scientists and other technical and non-technical stakeholders?</a:t>
+            </a:r>
+            <a:endParaRPr lang="en-US" sz="1400" dirty="0"/>
+          </a:p>
+        </p:txBody>
+      </p:sp>
+      <p:sp>
+        <p:nvSpPr>
+          <p:cNvPr id="3" name="Text Placeholder 2">
+            <a:extLst>
+              <a:ext uri="{FF2B5EF4-FFF2-40B4-BE49-F238E27FC236}">
+                <a16:creationId xmlns:a16="http://schemas.microsoft.com/office/drawing/2014/main" id="{9D5232F9-FD00-464A-9F17-619C91AEF8F3}"/>
+              </a:ext>
+            </a:extLst>
+          </p:cNvPr>
+          <p:cNvSpPr>
+            <a:spLocks noGrp="1"/>
+          </p:cNvSpPr>
+          <p:nvPr>
+            <p:ph type="body" idx="1"/>
+          </p:nvPr>
+        </p:nvSpPr>
+        <p:spPr>
+          <a:xfrm>
+            <a:off x="749516" y="997473"/>
+            <a:ext cx="10604284" cy="5065976"/>
+          </a:xfrm>
+        </p:spPr>
+        <p:txBody>
+          <a:bodyPr>
+            <a:normAutofit/>
+          </a:bodyPr>
+          <a:lstStyle/>
+          <a:p>
+            <a:endParaRPr lang="en-US" sz="1200" dirty="0"/>
+          </a:p>
+          <a:p>
+            <a:pPr>
+              <a:lnSpc>
+                <a:spcPct val="115000"/>
+              </a:lnSpc>
+            </a:pPr>
+            <a:r>
+              <a:rPr lang="en-US" sz="1200" b="1" dirty="0">
+                <a:latin typeface="Roboto" panose="02000000000000000000" pitchFamily="2" charset="0"/>
+                <a:ea typeface="Roboto" panose="02000000000000000000" pitchFamily="2" charset="0"/>
+                <a:cs typeface="Roboto" panose="02000000000000000000" pitchFamily="2" charset="0"/>
+              </a:rPr>
+              <a:t>Data Integrity and Completeness:</a:t>
+            </a:r>
+          </a:p>
+          <a:p>
+            <a:pPr marL="171450" lvl="1" indent="-171450">
+              <a:lnSpc>
+                <a:spcPct val="115000"/>
+              </a:lnSpc>
+              <a:spcBef>
+                <a:spcPts val="1000"/>
+              </a:spcBef>
+              <a:buFont typeface="Arial" panose="020B0604020202020204" pitchFamily="34" charset="0"/>
+              <a:buChar char="•"/>
+            </a:pPr>
+            <a:r>
+              <a:rPr lang="en-US" sz="1200" spc="50" dirty="0">
+                <a:solidFill>
+                  <a:schemeClr val="tx1"/>
+                </a:solidFill>
+                <a:latin typeface="Roboto" panose="02000000000000000000" pitchFamily="2" charset="0"/>
+                <a:ea typeface="Roboto" panose="02000000000000000000" pitchFamily="2" charset="0"/>
+                <a:cs typeface="Roboto" panose="02000000000000000000" pitchFamily="2" charset="0"/>
+              </a:rPr>
+              <a:t>There are inconsistencies between the Order and Shipping tables, where some customers have placed orders but have no shipping information, and vice versa. </a:t>
+            </a:r>
+          </a:p>
+          <a:p>
+            <a:pPr marL="171450" lvl="1" indent="-171450">
+              <a:lnSpc>
+                <a:spcPct val="115000"/>
+              </a:lnSpc>
+              <a:spcBef>
+                <a:spcPts val="1000"/>
+              </a:spcBef>
+              <a:buFont typeface="Arial" panose="020B0604020202020204" pitchFamily="34" charset="0"/>
+              <a:buChar char="•"/>
+            </a:pPr>
+            <a:r>
+              <a:rPr lang="en-US" sz="1200" spc="50" dirty="0">
+                <a:solidFill>
+                  <a:schemeClr val="tx1"/>
+                </a:solidFill>
+                <a:latin typeface="Roboto" panose="02000000000000000000" pitchFamily="2" charset="0"/>
+                <a:ea typeface="Roboto" panose="02000000000000000000" pitchFamily="2" charset="0"/>
+                <a:cs typeface="Roboto" panose="02000000000000000000" pitchFamily="2" charset="0"/>
+              </a:rPr>
+              <a:t>This indicates potential data integrity issues or gaps in data capture processes. It's essential to investigate and rectify these inconsistencies to ensure the completeness and accuracy of the data.</a:t>
+            </a:r>
+          </a:p>
+          <a:p>
+            <a:pPr>
+              <a:lnSpc>
+                <a:spcPct val="115000"/>
+              </a:lnSpc>
+            </a:pPr>
+            <a:r>
+              <a:rPr lang="en-US" sz="1200" b="1" dirty="0">
+                <a:latin typeface="Roboto" panose="02000000000000000000" pitchFamily="2" charset="0"/>
+                <a:ea typeface="Roboto" panose="02000000000000000000" pitchFamily="2" charset="0"/>
+                <a:cs typeface="Roboto" panose="02000000000000000000" pitchFamily="2" charset="0"/>
+              </a:rPr>
+              <a:t>Data Relationships:</a:t>
+            </a:r>
+          </a:p>
+          <a:p>
+            <a:pPr marL="171450" lvl="1" indent="-171450">
+              <a:lnSpc>
+                <a:spcPct val="115000"/>
+              </a:lnSpc>
+              <a:spcBef>
+                <a:spcPts val="1000"/>
+              </a:spcBef>
+              <a:buFont typeface="Arial" panose="020B0604020202020204" pitchFamily="34" charset="0"/>
+              <a:buChar char="•"/>
+            </a:pPr>
+            <a:r>
+              <a:rPr lang="en-US" sz="1200" spc="50" dirty="0">
+                <a:solidFill>
+                  <a:schemeClr val="tx1"/>
+                </a:solidFill>
+                <a:latin typeface="Roboto" panose="02000000000000000000" pitchFamily="2" charset="0"/>
+                <a:ea typeface="Roboto" panose="02000000000000000000" pitchFamily="2" charset="0"/>
+                <a:cs typeface="Roboto" panose="02000000000000000000" pitchFamily="2" charset="0"/>
+              </a:rPr>
+              <a:t>The presence of customers with orders but no shipping details, and vice versa, highlights the importance of maintaining proper data relationships between tables. </a:t>
+            </a:r>
+          </a:p>
+          <a:p>
+            <a:pPr marL="171450" lvl="1" indent="-171450">
+              <a:lnSpc>
+                <a:spcPct val="115000"/>
+              </a:lnSpc>
+              <a:spcBef>
+                <a:spcPts val="1000"/>
+              </a:spcBef>
+              <a:buFont typeface="Arial" panose="020B0604020202020204" pitchFamily="34" charset="0"/>
+              <a:buChar char="•"/>
+            </a:pPr>
+            <a:r>
+              <a:rPr lang="en-US" sz="1200" spc="50" dirty="0">
+                <a:solidFill>
+                  <a:schemeClr val="tx1"/>
+                </a:solidFill>
+                <a:latin typeface="Roboto" panose="02000000000000000000" pitchFamily="2" charset="0"/>
+                <a:ea typeface="Roboto" panose="02000000000000000000" pitchFamily="2" charset="0"/>
+                <a:cs typeface="Roboto" panose="02000000000000000000" pitchFamily="2" charset="0"/>
+              </a:rPr>
+              <a:t>Ensuring referential integrity between the Customer, Order, and Shipping tables is crucial for accurate analysis and reporting.</a:t>
+            </a:r>
+          </a:p>
+          <a:p>
+            <a:pPr>
+              <a:lnSpc>
+                <a:spcPct val="115000"/>
+              </a:lnSpc>
+            </a:pPr>
+            <a:r>
+              <a:rPr lang="en-US" sz="1200" b="1" dirty="0">
+                <a:latin typeface="Roboto" panose="02000000000000000000" pitchFamily="2" charset="0"/>
+                <a:ea typeface="Roboto" panose="02000000000000000000" pitchFamily="2" charset="0"/>
+                <a:cs typeface="Roboto" panose="02000000000000000000" pitchFamily="2" charset="0"/>
+              </a:rPr>
+              <a:t>Handling Duplicate Orders:</a:t>
+            </a:r>
+          </a:p>
+          <a:p>
+            <a:pPr marL="171450" lvl="1" indent="-171450">
+              <a:lnSpc>
+                <a:spcPct val="115000"/>
+              </a:lnSpc>
+              <a:spcBef>
+                <a:spcPts val="1000"/>
+              </a:spcBef>
+              <a:buFont typeface="Arial" panose="020B0604020202020204" pitchFamily="34" charset="0"/>
+              <a:buChar char="•"/>
+            </a:pPr>
+            <a:r>
+              <a:rPr lang="en-US" sz="1200" spc="50" dirty="0">
+                <a:solidFill>
+                  <a:schemeClr val="tx1"/>
+                </a:solidFill>
+                <a:latin typeface="Roboto" panose="02000000000000000000" pitchFamily="2" charset="0"/>
+                <a:ea typeface="Roboto" panose="02000000000000000000" pitchFamily="2" charset="0"/>
+                <a:cs typeface="Roboto" panose="02000000000000000000" pitchFamily="2" charset="0"/>
+              </a:rPr>
+              <a:t>Identifying cases where the same item with the same Order ID has different Shipping IDs suggests potential errors in data capture or processing. </a:t>
+            </a:r>
+          </a:p>
+          <a:p>
+            <a:pPr marL="171450" lvl="1" indent="-171450">
+              <a:lnSpc>
+                <a:spcPct val="115000"/>
+              </a:lnSpc>
+              <a:spcBef>
+                <a:spcPts val="1000"/>
+              </a:spcBef>
+              <a:buFont typeface="Arial" panose="020B0604020202020204" pitchFamily="34" charset="0"/>
+              <a:buChar char="•"/>
+            </a:pPr>
+            <a:r>
+              <a:rPr lang="en-US" sz="1200" spc="50" dirty="0">
+                <a:solidFill>
+                  <a:schemeClr val="tx1"/>
+                </a:solidFill>
+                <a:latin typeface="Roboto" panose="02000000000000000000" pitchFamily="2" charset="0"/>
+                <a:ea typeface="Roboto" panose="02000000000000000000" pitchFamily="2" charset="0"/>
+                <a:cs typeface="Roboto" panose="02000000000000000000" pitchFamily="2" charset="0"/>
+              </a:rPr>
+              <a:t>Data Engineers should investigate whether this is due to individual items receiving separate shipping IDs or if there are issues in data recording. </a:t>
+            </a:r>
+          </a:p>
+          <a:p>
+            <a:pPr marL="171450" lvl="1" indent="-171450">
+              <a:lnSpc>
+                <a:spcPct val="115000"/>
+              </a:lnSpc>
+              <a:spcBef>
+                <a:spcPts val="1000"/>
+              </a:spcBef>
+              <a:buFont typeface="Arial" panose="020B0604020202020204" pitchFamily="34" charset="0"/>
+              <a:buChar char="•"/>
+            </a:pPr>
+            <a:r>
+              <a:rPr lang="en-US" sz="1200" spc="50" dirty="0">
+                <a:solidFill>
+                  <a:schemeClr val="tx1"/>
+                </a:solidFill>
+                <a:latin typeface="Roboto" panose="02000000000000000000" pitchFamily="2" charset="0"/>
+                <a:ea typeface="Roboto" panose="02000000000000000000" pitchFamily="2" charset="0"/>
+                <a:cs typeface="Roboto" panose="02000000000000000000" pitchFamily="2" charset="0"/>
+              </a:rPr>
+              <a:t>Clarification on the handling of duplicate orders and shipping IDs is necessary for accurate data interpretation.</a:t>
+            </a:r>
+          </a:p>
+        </p:txBody>
+      </p:sp>
+      <p:sp>
+        <p:nvSpPr>
+          <p:cNvPr id="6" name="Slide Number Placeholder 5">
+            <a:extLst>
+              <a:ext uri="{FF2B5EF4-FFF2-40B4-BE49-F238E27FC236}">
+                <a16:creationId xmlns:a16="http://schemas.microsoft.com/office/drawing/2014/main" id="{7BC1787E-7110-4989-B0B8-DD4E0ACC09DF}"/>
+              </a:ext>
+            </a:extLst>
+          </p:cNvPr>
+          <p:cNvSpPr>
+            <a:spLocks noGrp="1"/>
+          </p:cNvSpPr>
+          <p:nvPr>
+            <p:ph type="sldNum" sz="quarter" idx="12"/>
+          </p:nvPr>
+        </p:nvSpPr>
+        <p:spPr>
+          <a:xfrm>
+            <a:off x="8610600" y="6356350"/>
+            <a:ext cx="2743200" cy="365125"/>
+          </a:xfrm>
+        </p:spPr>
+        <p:txBody>
+          <a:bodyPr/>
+          <a:lstStyle/>
+          <a:p>
+            <a:fld id="{A49DFD55-3C28-40EF-9E31-A92D2E4017FF}" type="slidenum">
+              <a:rPr lang="en-US" smtClean="0"/>
+              <a:pPr/>
+              <a:t>13</a:t>
+            </a:fld>
+            <a:endParaRPr lang="en-US" dirty="0"/>
+          </a:p>
+        </p:txBody>
+      </p:sp>
+    </p:spTree>
+    <p:extLst>
+      <p:ext uri="{BB962C8B-B14F-4D97-AF65-F5344CB8AC3E}">
+        <p14:creationId xmlns:p14="http://schemas.microsoft.com/office/powerpoint/2010/main" val="3365502087"/>
+      </p:ext>
+    </p:extLst>
+  </p:cSld>
+  <p:clrMapOvr>
+    <a:masterClrMapping/>
+  </p:clrMapOvr>
+</p:sld>
+</file>
+
+<file path=ppt/slides/slide14.xml><?xml version="1.0" encoding="utf-8"?>
+<p:sld xmlns:a="http://schemas.openxmlformats.org/drawingml/2006/main" xmlns:r="http://schemas.openxmlformats.org/officeDocument/2006/relationships" xmlns:p="http://schemas.openxmlformats.org/presentationml/2006/main">
+  <p:cSld>
+    <p:spTree>
+      <p:nvGrpSpPr>
+        <p:cNvPr id="1" name=""/>
+        <p:cNvGrpSpPr/>
+        <p:nvPr/>
+      </p:nvGrpSpPr>
+      <p:grpSpPr>
+        <a:xfrm>
+          <a:off x="0" y="0"/>
+          <a:ext cx="0" cy="0"/>
+          <a:chOff x="0" y="0"/>
+          <a:chExt cx="0" cy="0"/>
+        </a:xfrm>
+      </p:grpSpPr>
+      <p:sp>
+        <p:nvSpPr>
+          <p:cNvPr id="2" name="Title 1">
+            <a:extLst>
+              <a:ext uri="{FF2B5EF4-FFF2-40B4-BE49-F238E27FC236}">
+                <a16:creationId xmlns:a16="http://schemas.microsoft.com/office/drawing/2014/main" id="{0A32731C-311B-46F7-A865-6C3AF6B09A47}"/>
+              </a:ext>
+            </a:extLst>
+          </p:cNvPr>
+          <p:cNvSpPr>
+            <a:spLocks noGrp="1"/>
+          </p:cNvSpPr>
+          <p:nvPr>
+            <p:ph type="title"/>
+          </p:nvPr>
+        </p:nvSpPr>
+        <p:spPr>
+          <a:xfrm>
+            <a:off x="571961" y="366673"/>
+            <a:ext cx="11119930" cy="630799"/>
+          </a:xfrm>
+        </p:spPr>
+        <p:txBody>
+          <a:bodyPr>
+            <a:normAutofit/>
+          </a:bodyPr>
+          <a:lstStyle/>
+          <a:p>
+            <a:pPr algn="ctr"/>
+            <a:r>
+              <a:rPr lang="en-US" sz="1400" b="0" i="0" u="none" strike="noStrike" dirty="0">
+                <a:solidFill>
+                  <a:srgbClr val="1D1C1D"/>
+                </a:solidFill>
+                <a:effectLst/>
+                <a:latin typeface="Arial" panose="020B0604020202020204" pitchFamily="34" charset="0"/>
+              </a:rPr>
+              <a:t>5) What will be your insights to other peer teams of Data Engineers, Data Scientists and other technical and non-technical stakeholders?</a:t>
+            </a:r>
+            <a:endParaRPr lang="en-US" sz="1400" dirty="0"/>
+          </a:p>
+        </p:txBody>
+      </p:sp>
+      <p:sp>
+        <p:nvSpPr>
+          <p:cNvPr id="3" name="Text Placeholder 2">
+            <a:extLst>
+              <a:ext uri="{FF2B5EF4-FFF2-40B4-BE49-F238E27FC236}">
+                <a16:creationId xmlns:a16="http://schemas.microsoft.com/office/drawing/2014/main" id="{9D5232F9-FD00-464A-9F17-619C91AEF8F3}"/>
+              </a:ext>
+            </a:extLst>
+          </p:cNvPr>
+          <p:cNvSpPr>
+            <a:spLocks noGrp="1"/>
+          </p:cNvSpPr>
+          <p:nvPr>
+            <p:ph type="body" idx="1"/>
+          </p:nvPr>
+        </p:nvSpPr>
+        <p:spPr>
+          <a:xfrm>
+            <a:off x="749516" y="997473"/>
+            <a:ext cx="10604284" cy="5724002"/>
+          </a:xfrm>
+        </p:spPr>
+        <p:txBody>
+          <a:bodyPr>
+            <a:normAutofit/>
+          </a:bodyPr>
+          <a:lstStyle/>
+          <a:p>
+            <a:endParaRPr lang="en-US" dirty="0"/>
+          </a:p>
+          <a:p>
+            <a:r>
+              <a:rPr lang="en-US" sz="1300" b="1" dirty="0">
+                <a:latin typeface="Roboto" panose="02000000000000000000" pitchFamily="2" charset="0"/>
+                <a:ea typeface="Roboto" panose="02000000000000000000" pitchFamily="2" charset="0"/>
+                <a:cs typeface="Roboto" panose="02000000000000000000" pitchFamily="2" charset="0"/>
+              </a:rPr>
+              <a:t>Payment and Delivery Status:</a:t>
+            </a:r>
+          </a:p>
+          <a:p>
+            <a:pPr marL="171450" lvl="1" indent="-171450">
+              <a:lnSpc>
+                <a:spcPct val="115000"/>
+              </a:lnSpc>
+              <a:spcBef>
+                <a:spcPts val="1000"/>
+              </a:spcBef>
+              <a:buFont typeface="Arial" panose="020B0604020202020204" pitchFamily="34" charset="0"/>
+              <a:buChar char="•"/>
+            </a:pPr>
+            <a:r>
+              <a:rPr lang="en-US" sz="1200" spc="50" dirty="0">
+                <a:solidFill>
+                  <a:schemeClr val="tx1"/>
+                </a:solidFill>
+                <a:latin typeface="Roboto" panose="02000000000000000000" pitchFamily="2" charset="0"/>
+                <a:ea typeface="Roboto" panose="02000000000000000000" pitchFamily="2" charset="0"/>
+                <a:cs typeface="Roboto" panose="02000000000000000000" pitchFamily="2" charset="0"/>
+              </a:rPr>
+              <a:t>The absence of information on pending delivery amounts and returns impacts the accuracy of sales calculations and inventory management.</a:t>
+            </a:r>
+          </a:p>
+          <a:p>
+            <a:pPr marL="171450" lvl="1" indent="-171450">
+              <a:lnSpc>
+                <a:spcPct val="115000"/>
+              </a:lnSpc>
+              <a:spcBef>
+                <a:spcPts val="1000"/>
+              </a:spcBef>
+              <a:buFont typeface="Arial" panose="020B0604020202020204" pitchFamily="34" charset="0"/>
+              <a:buChar char="•"/>
+            </a:pPr>
+            <a:r>
+              <a:rPr lang="en-US" sz="1200" spc="50" dirty="0">
+                <a:solidFill>
+                  <a:schemeClr val="tx1"/>
+                </a:solidFill>
+                <a:latin typeface="Roboto" panose="02000000000000000000" pitchFamily="2" charset="0"/>
+                <a:ea typeface="Roboto" panose="02000000000000000000" pitchFamily="2" charset="0"/>
+                <a:cs typeface="Roboto" panose="02000000000000000000" pitchFamily="2" charset="0"/>
+              </a:rPr>
+              <a:t>Data Scientists should collaborate with stakeholders to devise strategies for tracking pending delivery amounts, handling returns, and updating the relevant datasets accordingly.</a:t>
+            </a:r>
+          </a:p>
+          <a:p>
+            <a:r>
+              <a:rPr lang="en-US" sz="1300" b="1" dirty="0">
+                <a:latin typeface="Roboto" panose="02000000000000000000" pitchFamily="2" charset="0"/>
+                <a:ea typeface="Roboto" panose="02000000000000000000" pitchFamily="2" charset="0"/>
+                <a:cs typeface="Roboto" panose="02000000000000000000" pitchFamily="2" charset="0"/>
+              </a:rPr>
+              <a:t>Product Variations and Discounts:</a:t>
+            </a:r>
+          </a:p>
+          <a:p>
+            <a:pPr marL="171450" lvl="1" indent="-171450">
+              <a:lnSpc>
+                <a:spcPct val="115000"/>
+              </a:lnSpc>
+              <a:spcBef>
+                <a:spcPts val="1000"/>
+              </a:spcBef>
+              <a:buFont typeface="Arial" panose="020B0604020202020204" pitchFamily="34" charset="0"/>
+              <a:buChar char="•"/>
+            </a:pPr>
+            <a:r>
+              <a:rPr lang="en-US" sz="1200" spc="50" dirty="0">
+                <a:solidFill>
+                  <a:schemeClr val="tx1"/>
+                </a:solidFill>
+                <a:latin typeface="Roboto" panose="02000000000000000000" pitchFamily="2" charset="0"/>
+                <a:ea typeface="Roboto" panose="02000000000000000000" pitchFamily="2" charset="0"/>
+                <a:cs typeface="Roboto" panose="02000000000000000000" pitchFamily="2" charset="0"/>
+              </a:rPr>
+              <a:t>The existence of multiple cost values for the same item (e.g., Mousepad) raises questions about potential product variations, discounts, or errors in data entry. </a:t>
+            </a:r>
+          </a:p>
+          <a:p>
+            <a:pPr marL="171450" lvl="1" indent="-171450">
+              <a:lnSpc>
+                <a:spcPct val="115000"/>
+              </a:lnSpc>
+              <a:spcBef>
+                <a:spcPts val="1000"/>
+              </a:spcBef>
+              <a:buFont typeface="Arial" panose="020B0604020202020204" pitchFamily="34" charset="0"/>
+              <a:buChar char="•"/>
+            </a:pPr>
+            <a:r>
+              <a:rPr lang="en-US" sz="1200" spc="50" dirty="0">
+                <a:solidFill>
+                  <a:schemeClr val="tx1"/>
+                </a:solidFill>
+                <a:latin typeface="Roboto" panose="02000000000000000000" pitchFamily="2" charset="0"/>
+                <a:ea typeface="Roboto" panose="02000000000000000000" pitchFamily="2" charset="0"/>
+                <a:cs typeface="Roboto" panose="02000000000000000000" pitchFamily="2" charset="0"/>
+              </a:rPr>
+              <a:t>Data Engineers should investigate and clarify the reasons behind these discrepancies to ensure accurate pricing information for analysis.</a:t>
+            </a:r>
+          </a:p>
+          <a:p>
+            <a:r>
+              <a:rPr lang="en-US" sz="1300" b="1" dirty="0">
+                <a:latin typeface="Roboto" panose="02000000000000000000" pitchFamily="2" charset="0"/>
+                <a:ea typeface="Roboto" panose="02000000000000000000" pitchFamily="2" charset="0"/>
+                <a:cs typeface="Roboto" panose="02000000000000000000" pitchFamily="2" charset="0"/>
+              </a:rPr>
+              <a:t>Missing Date Information:</a:t>
+            </a:r>
+          </a:p>
+          <a:p>
+            <a:pPr marL="171450" lvl="1" indent="-171450">
+              <a:lnSpc>
+                <a:spcPct val="115000"/>
+              </a:lnSpc>
+              <a:spcBef>
+                <a:spcPts val="1000"/>
+              </a:spcBef>
+              <a:buFont typeface="Arial" panose="020B0604020202020204" pitchFamily="34" charset="0"/>
+              <a:buChar char="•"/>
+            </a:pPr>
+            <a:r>
+              <a:rPr lang="en-US" sz="1200" spc="50" dirty="0">
+                <a:solidFill>
+                  <a:schemeClr val="tx1"/>
+                </a:solidFill>
+                <a:latin typeface="Roboto" panose="02000000000000000000" pitchFamily="2" charset="0"/>
+                <a:ea typeface="Roboto" panose="02000000000000000000" pitchFamily="2" charset="0"/>
+                <a:cs typeface="Roboto" panose="02000000000000000000" pitchFamily="2" charset="0"/>
+              </a:rPr>
+              <a:t>The absence of date fields (e.g., Order Date, Ship Date) is a significant concern as it hinders the ability to perform time-based analysis, track delivery timelines, and monitor business performance over time. </a:t>
+            </a:r>
+          </a:p>
+          <a:p>
+            <a:pPr marL="171450" lvl="1" indent="-171450">
+              <a:lnSpc>
+                <a:spcPct val="115000"/>
+              </a:lnSpc>
+              <a:spcBef>
+                <a:spcPts val="1000"/>
+              </a:spcBef>
+              <a:buFont typeface="Arial" panose="020B0604020202020204" pitchFamily="34" charset="0"/>
+              <a:buChar char="•"/>
+            </a:pPr>
+            <a:r>
+              <a:rPr lang="en-US" sz="1200" spc="50" dirty="0">
+                <a:solidFill>
+                  <a:schemeClr val="tx1"/>
+                </a:solidFill>
+                <a:latin typeface="Roboto" panose="02000000000000000000" pitchFamily="2" charset="0"/>
+                <a:ea typeface="Roboto" panose="02000000000000000000" pitchFamily="2" charset="0"/>
+                <a:cs typeface="Roboto" panose="02000000000000000000" pitchFamily="2" charset="0"/>
+              </a:rPr>
+              <a:t>Data Engineers should work on incorporating relevant date fields into the datasets to enable comprehensive analysis and reporting.</a:t>
+            </a:r>
+          </a:p>
+          <a:p>
+            <a:r>
+              <a:rPr lang="en-US" sz="1300" b="1" dirty="0">
+                <a:latin typeface="Roboto" panose="02000000000000000000" pitchFamily="2" charset="0"/>
+                <a:ea typeface="Roboto" panose="02000000000000000000" pitchFamily="2" charset="0"/>
+                <a:cs typeface="Roboto" panose="02000000000000000000" pitchFamily="2" charset="0"/>
+              </a:rPr>
+              <a:t>Collaboration and Data Governance:</a:t>
+            </a:r>
+          </a:p>
+          <a:p>
+            <a:pPr marL="171450" lvl="1" indent="-171450">
+              <a:lnSpc>
+                <a:spcPct val="125000"/>
+              </a:lnSpc>
+              <a:spcBef>
+                <a:spcPts val="1000"/>
+              </a:spcBef>
+              <a:buFont typeface="Arial" panose="020B0604020202020204" pitchFamily="34" charset="0"/>
+              <a:buChar char="•"/>
+            </a:pPr>
+            <a:r>
+              <a:rPr lang="en-US" sz="1200" spc="50" dirty="0">
+                <a:solidFill>
+                  <a:schemeClr val="tx1"/>
+                </a:solidFill>
+                <a:latin typeface="Roboto" panose="02000000000000000000" pitchFamily="2" charset="0"/>
+                <a:ea typeface="Roboto" panose="02000000000000000000" pitchFamily="2" charset="0"/>
+                <a:cs typeface="Roboto" panose="02000000000000000000" pitchFamily="2" charset="0"/>
+              </a:rPr>
+              <a:t>Encourage collaboration between Data Engineers, Data Scientists, and stakeholders to address data quality issues, establish data governance policies, and implement robust data validation processes. </a:t>
+            </a:r>
+          </a:p>
+          <a:p>
+            <a:pPr marL="171450" lvl="1" indent="-171450">
+              <a:lnSpc>
+                <a:spcPct val="125000"/>
+              </a:lnSpc>
+              <a:spcBef>
+                <a:spcPts val="1000"/>
+              </a:spcBef>
+              <a:buFont typeface="Arial" panose="020B0604020202020204" pitchFamily="34" charset="0"/>
+              <a:buChar char="•"/>
+            </a:pPr>
+            <a:r>
+              <a:rPr lang="en-US" sz="1200" spc="50" dirty="0">
+                <a:solidFill>
+                  <a:schemeClr val="tx1"/>
+                </a:solidFill>
+                <a:latin typeface="Roboto" panose="02000000000000000000" pitchFamily="2" charset="0"/>
+                <a:ea typeface="Roboto" panose="02000000000000000000" pitchFamily="2" charset="0"/>
+                <a:cs typeface="Roboto" panose="02000000000000000000" pitchFamily="2" charset="0"/>
+              </a:rPr>
+              <a:t>Regular communication and coordination are essential for maintaining data integrity and driving informed decision-making across the organization.</a:t>
+            </a:r>
+          </a:p>
+        </p:txBody>
+      </p:sp>
+      <p:sp>
+        <p:nvSpPr>
+          <p:cNvPr id="6" name="Slide Number Placeholder 5">
+            <a:extLst>
+              <a:ext uri="{FF2B5EF4-FFF2-40B4-BE49-F238E27FC236}">
+                <a16:creationId xmlns:a16="http://schemas.microsoft.com/office/drawing/2014/main" id="{7BC1787E-7110-4989-B0B8-DD4E0ACC09DF}"/>
+              </a:ext>
+            </a:extLst>
+          </p:cNvPr>
+          <p:cNvSpPr>
+            <a:spLocks noGrp="1"/>
+          </p:cNvSpPr>
+          <p:nvPr>
+            <p:ph type="sldNum" sz="quarter" idx="12"/>
+          </p:nvPr>
+        </p:nvSpPr>
+        <p:spPr>
+          <a:xfrm>
+            <a:off x="8610600" y="6356350"/>
+            <a:ext cx="2743200" cy="365125"/>
+          </a:xfrm>
+        </p:spPr>
+        <p:txBody>
+          <a:bodyPr/>
+          <a:lstStyle/>
+          <a:p>
+            <a:fld id="{A49DFD55-3C28-40EF-9E31-A92D2E4017FF}" type="slidenum">
+              <a:rPr lang="en-US" smtClean="0"/>
+              <a:pPr/>
+              <a:t>14</a:t>
+            </a:fld>
+            <a:endParaRPr lang="en-US" dirty="0"/>
+          </a:p>
+        </p:txBody>
+      </p:sp>
+    </p:spTree>
+    <p:extLst>
+      <p:ext uri="{BB962C8B-B14F-4D97-AF65-F5344CB8AC3E}">
+        <p14:creationId xmlns:p14="http://schemas.microsoft.com/office/powerpoint/2010/main" val="3776636643"/>
+      </p:ext>
+    </p:extLst>
+  </p:cSld>
+  <p:clrMapOvr>
+    <a:masterClrMapping/>
+  </p:clrMapOvr>
+</p:sld>
+</file>
+
+<file path=ppt/slides/slide15.xml><?xml version="1.0" encoding="utf-8"?>
+<p:sld xmlns:a="http://schemas.openxmlformats.org/drawingml/2006/main" xmlns:r="http://schemas.openxmlformats.org/officeDocument/2006/relationships" xmlns:p="http://schemas.openxmlformats.org/presentationml/2006/main">
+  <p:cSld>
+    <p:spTree>
+      <p:nvGrpSpPr>
+        <p:cNvPr id="1" name=""/>
+        <p:cNvGrpSpPr/>
+        <p:nvPr/>
+      </p:nvGrpSpPr>
+      <p:grpSpPr>
+        <a:xfrm>
+          <a:off x="0" y="0"/>
+          <a:ext cx="0" cy="0"/>
+          <a:chOff x="0" y="0"/>
+          <a:chExt cx="0" cy="0"/>
+        </a:xfrm>
+      </p:grpSpPr>
+      <p:sp>
+        <p:nvSpPr>
+          <p:cNvPr id="2" name="Title 1">
+            <a:extLst>
+              <a:ext uri="{FF2B5EF4-FFF2-40B4-BE49-F238E27FC236}">
+                <a16:creationId xmlns:a16="http://schemas.microsoft.com/office/drawing/2014/main" id="{8BDF1EDE-5423-435C-B149-87AB1BC22B83}"/>
+              </a:ext>
+            </a:extLst>
+          </p:cNvPr>
+          <p:cNvSpPr>
+            <a:spLocks noGrp="1"/>
+          </p:cNvSpPr>
+          <p:nvPr>
+            <p:ph type="ctrTitle"/>
+          </p:nvPr>
+        </p:nvSpPr>
+        <p:spPr>
+          <a:xfrm>
+            <a:off x="4267200" y="1615736"/>
+            <a:ext cx="4179570" cy="1524735"/>
+          </a:xfrm>
+        </p:spPr>
+        <p:txBody>
+          <a:bodyPr/>
+          <a:lstStyle/>
+          <a:p>
+            <a:r>
+              <a:rPr lang="en-US" dirty="0"/>
+              <a:t>THANK YOU</a:t>
+            </a:r>
+          </a:p>
+        </p:txBody>
+      </p:sp>
+      <p:sp>
+        <p:nvSpPr>
+          <p:cNvPr id="3" name="Subtitle 2">
+            <a:extLst>
+              <a:ext uri="{FF2B5EF4-FFF2-40B4-BE49-F238E27FC236}">
+                <a16:creationId xmlns:a16="http://schemas.microsoft.com/office/drawing/2014/main" id="{AF64C29E-DF30-4DC6-AB95-2016F9A703B6}"/>
+              </a:ext>
+            </a:extLst>
+          </p:cNvPr>
+          <p:cNvSpPr>
+            <a:spLocks noGrp="1"/>
+          </p:cNvSpPr>
+          <p:nvPr>
+            <p:ph type="subTitle" idx="1"/>
+          </p:nvPr>
+        </p:nvSpPr>
+        <p:spPr>
+          <a:xfrm>
+            <a:off x="4267200" y="3238103"/>
+            <a:ext cx="4179570" cy="570417"/>
+          </a:xfrm>
+        </p:spPr>
+        <p:txBody>
+          <a:bodyPr>
+            <a:normAutofit/>
+          </a:bodyPr>
+          <a:lstStyle/>
+          <a:p>
+            <a:r>
+              <a:rPr lang="en-US" sz="2000" dirty="0"/>
+              <a:t>SHISHIR SHETTY</a:t>
+            </a:r>
+          </a:p>
+        </p:txBody>
+      </p:sp>
+      <p:sp>
+        <p:nvSpPr>
+          <p:cNvPr id="6" name="Slide Number Placeholder 5">
+            <a:extLst>
+              <a:ext uri="{FF2B5EF4-FFF2-40B4-BE49-F238E27FC236}">
+                <a16:creationId xmlns:a16="http://schemas.microsoft.com/office/drawing/2014/main" id="{4C127D99-645F-4FCF-9573-FDFE2A344FA9}"/>
+              </a:ext>
+            </a:extLst>
+          </p:cNvPr>
+          <p:cNvSpPr>
+            <a:spLocks noGrp="1"/>
+          </p:cNvSpPr>
+          <p:nvPr>
+            <p:ph type="sldNum" sz="quarter" idx="12"/>
+          </p:nvPr>
+        </p:nvSpPr>
+        <p:spPr>
+          <a:xfrm>
+            <a:off x="9579428" y="6356350"/>
+            <a:ext cx="1774371" cy="365125"/>
+          </a:xfrm>
+        </p:spPr>
+        <p:txBody>
+          <a:bodyPr/>
+          <a:lstStyle/>
+          <a:p>
+            <a:fld id="{A49DFD55-3C28-40EF-9E31-A92D2E4017FF}" type="slidenum">
+              <a:rPr lang="en-US" smtClean="0"/>
+              <a:pPr/>
+              <a:t>15</a:t>
+            </a:fld>
+            <a:endParaRPr lang="en-US" dirty="0"/>
+          </a:p>
+        </p:txBody>
+      </p:sp>
+    </p:spTree>
+    <p:extLst>
+      <p:ext uri="{BB962C8B-B14F-4D97-AF65-F5344CB8AC3E}">
+        <p14:creationId xmlns:p14="http://schemas.microsoft.com/office/powerpoint/2010/main" val="1244891840"/>
+      </p:ext>
+    </p:extLst>
+  </p:cSld>
+  <p:clrMapOvr>
+    <a:masterClrMapping/>
+  </p:clrMapOvr>
+</p:sld>
+</file>
+
 <file path=ppt/slides/slide2.xml><?xml version="1.0" encoding="utf-8"?>
 <p:sld xmlns:a="http://schemas.openxmlformats.org/drawingml/2006/main" xmlns:r="http://schemas.openxmlformats.org/officeDocument/2006/relationships" xmlns:p="http://schemas.openxmlformats.org/presentationml/2006/main">
   <p:cSld>
@@ -10007,300 +11643,6 @@
       </p:grpSpPr>
       <p:sp>
         <p:nvSpPr>
-          <p:cNvPr id="2" name="Title 1">
-            <a:extLst>
-              <a:ext uri="{FF2B5EF4-FFF2-40B4-BE49-F238E27FC236}">
-                <a16:creationId xmlns:a16="http://schemas.microsoft.com/office/drawing/2014/main" id="{0A32731C-311B-46F7-A865-6C3AF6B09A47}"/>
-              </a:ext>
-            </a:extLst>
-          </p:cNvPr>
-          <p:cNvSpPr>
-            <a:spLocks noGrp="1"/>
-          </p:cNvSpPr>
-          <p:nvPr>
-            <p:ph type="title"/>
-          </p:nvPr>
-        </p:nvSpPr>
-        <p:spPr>
-          <a:xfrm>
-            <a:off x="571961" y="366674"/>
-            <a:ext cx="11261973" cy="441246"/>
-          </a:xfrm>
-        </p:spPr>
-        <p:txBody>
-          <a:bodyPr/>
-          <a:lstStyle/>
-          <a:p>
-            <a:pPr algn="ctr"/>
-            <a:r>
-              <a:rPr lang="en-US" sz="1800" b="0" i="0" u="none" strike="noStrike" baseline="0" dirty="0">
-                <a:latin typeface="ArialMT"/>
-              </a:rPr>
-              <a:t>thoughts on the structure of the data?</a:t>
-            </a:r>
-            <a:endParaRPr lang="en-US" dirty="0"/>
-          </a:p>
-        </p:txBody>
-      </p:sp>
-      <p:sp>
-        <p:nvSpPr>
-          <p:cNvPr id="3" name="Text Placeholder 2">
-            <a:extLst>
-              <a:ext uri="{FF2B5EF4-FFF2-40B4-BE49-F238E27FC236}">
-                <a16:creationId xmlns:a16="http://schemas.microsoft.com/office/drawing/2014/main" id="{9D5232F9-FD00-464A-9F17-619C91AEF8F3}"/>
-              </a:ext>
-            </a:extLst>
-          </p:cNvPr>
-          <p:cNvSpPr>
-            <a:spLocks noGrp="1"/>
-          </p:cNvSpPr>
-          <p:nvPr>
-            <p:ph type="body" idx="1"/>
-          </p:nvPr>
-        </p:nvSpPr>
-        <p:spPr>
-          <a:xfrm>
-            <a:off x="749516" y="997473"/>
-            <a:ext cx="10604284" cy="5645924"/>
-          </a:xfrm>
-        </p:spPr>
-        <p:txBody>
-          <a:bodyPr>
-            <a:normAutofit/>
-          </a:bodyPr>
-          <a:lstStyle/>
-          <a:p>
-            <a:pPr>
-              <a:lnSpc>
-                <a:spcPct val="115000"/>
-              </a:lnSpc>
-            </a:pPr>
-            <a:r>
-              <a:rPr lang="en-US" sz="1200" b="1" dirty="0">
-                <a:latin typeface="Roboto" panose="02000000000000000000" pitchFamily="2" charset="0"/>
-                <a:ea typeface="Roboto" panose="02000000000000000000" pitchFamily="2" charset="0"/>
-                <a:cs typeface="Roboto" panose="02000000000000000000" pitchFamily="2" charset="0"/>
-              </a:rPr>
-              <a:t>Data Integrity Constraints</a:t>
-            </a:r>
-            <a:r>
-              <a:rPr lang="en-US" sz="1200" dirty="0">
-                <a:latin typeface="Roboto" panose="02000000000000000000" pitchFamily="2" charset="0"/>
-                <a:ea typeface="Roboto" panose="02000000000000000000" pitchFamily="2" charset="0"/>
-                <a:cs typeface="Roboto" panose="02000000000000000000" pitchFamily="2" charset="0"/>
-              </a:rPr>
-              <a:t>: Implement constraints to ensure data integrity, such as ensuring that each order and shipping record has a corresponding customer entry in the Customer Dataset.</a:t>
-            </a:r>
-          </a:p>
-          <a:p>
-            <a:pPr>
-              <a:lnSpc>
-                <a:spcPct val="115000"/>
-              </a:lnSpc>
-            </a:pPr>
-            <a:endParaRPr lang="en-US" sz="1200" u="none" strike="noStrike" dirty="0">
-              <a:solidFill>
-                <a:schemeClr val="tx1"/>
-              </a:solidFill>
-              <a:effectLst/>
-              <a:latin typeface="Roboto" panose="02000000000000000000" pitchFamily="2" charset="0"/>
-              <a:ea typeface="Roboto" panose="02000000000000000000" pitchFamily="2" charset="0"/>
-              <a:cs typeface="Roboto" panose="02000000000000000000" pitchFamily="2" charset="0"/>
-            </a:endParaRPr>
-          </a:p>
-          <a:p>
-            <a:pPr>
-              <a:lnSpc>
-                <a:spcPct val="115000"/>
-              </a:lnSpc>
-            </a:pPr>
-            <a:r>
-              <a:rPr lang="en-US" sz="1200" dirty="0">
-                <a:latin typeface="Roboto" panose="02000000000000000000" pitchFamily="2" charset="0"/>
-                <a:ea typeface="Roboto" panose="02000000000000000000" pitchFamily="2" charset="0"/>
-                <a:cs typeface="Roboto" panose="02000000000000000000" pitchFamily="2" charset="0"/>
-              </a:rPr>
-              <a:t>Concern : There are total 250 customer details in Customer Table. </a:t>
-            </a:r>
-          </a:p>
-          <a:p>
-            <a:pPr>
-              <a:lnSpc>
-                <a:spcPct val="115000"/>
-              </a:lnSpc>
-            </a:pPr>
-            <a:r>
-              <a:rPr lang="en-US" sz="1200" dirty="0">
-                <a:latin typeface="Roboto" panose="02000000000000000000" pitchFamily="2" charset="0"/>
-                <a:ea typeface="Roboto" panose="02000000000000000000" pitchFamily="2" charset="0"/>
-                <a:cs typeface="Roboto" panose="02000000000000000000" pitchFamily="2" charset="0"/>
-              </a:rPr>
-              <a:t>1)Few customers have placed order(which can be fetched from</a:t>
-            </a:r>
-          </a:p>
-          <a:p>
-            <a:pPr>
-              <a:lnSpc>
-                <a:spcPct val="115000"/>
-              </a:lnSpc>
-            </a:pPr>
-            <a:r>
-              <a:rPr lang="en-US" sz="1200" dirty="0">
-                <a:latin typeface="Roboto" panose="02000000000000000000" pitchFamily="2" charset="0"/>
-                <a:ea typeface="Roboto" panose="02000000000000000000" pitchFamily="2" charset="0"/>
-                <a:cs typeface="Roboto" panose="02000000000000000000" pitchFamily="2" charset="0"/>
-              </a:rPr>
-              <a:t>order table </a:t>
-            </a:r>
-            <a:r>
-              <a:rPr lang="en-US" sz="1200" dirty="0" err="1">
-                <a:latin typeface="Roboto" panose="02000000000000000000" pitchFamily="2" charset="0"/>
-                <a:ea typeface="Roboto" panose="02000000000000000000" pitchFamily="2" charset="0"/>
-                <a:cs typeface="Roboto" panose="02000000000000000000" pitchFamily="2" charset="0"/>
-              </a:rPr>
-              <a:t>Eg</a:t>
-            </a:r>
-            <a:r>
-              <a:rPr lang="en-US" sz="1200" dirty="0">
-                <a:latin typeface="Roboto" panose="02000000000000000000" pitchFamily="2" charset="0"/>
-                <a:ea typeface="Roboto" panose="02000000000000000000" pitchFamily="2" charset="0"/>
-                <a:cs typeface="Roboto" panose="02000000000000000000" pitchFamily="2" charset="0"/>
-              </a:rPr>
-              <a:t>: Customer ID = 4.) </a:t>
-            </a:r>
-          </a:p>
-          <a:p>
-            <a:pPr>
-              <a:lnSpc>
-                <a:spcPct val="115000"/>
-              </a:lnSpc>
-            </a:pPr>
-            <a:r>
-              <a:rPr lang="en-US" sz="1200" dirty="0">
-                <a:latin typeface="Roboto" panose="02000000000000000000" pitchFamily="2" charset="0"/>
-                <a:ea typeface="Roboto" panose="02000000000000000000" pitchFamily="2" charset="0"/>
-                <a:cs typeface="Roboto" panose="02000000000000000000" pitchFamily="2" charset="0"/>
-              </a:rPr>
-              <a:t>But there is no information on their Shipping details in shipping table</a:t>
-            </a:r>
-            <a:br>
-              <a:rPr lang="en-US" sz="1200" dirty="0">
-                <a:latin typeface="Roboto" panose="02000000000000000000" pitchFamily="2" charset="0"/>
-                <a:ea typeface="Roboto" panose="02000000000000000000" pitchFamily="2" charset="0"/>
-                <a:cs typeface="Roboto" panose="02000000000000000000" pitchFamily="2" charset="0"/>
-              </a:rPr>
-            </a:br>
-            <a:endParaRPr lang="en-US" sz="1200" dirty="0">
-              <a:latin typeface="Roboto" panose="02000000000000000000" pitchFamily="2" charset="0"/>
-              <a:ea typeface="Roboto" panose="02000000000000000000" pitchFamily="2" charset="0"/>
-              <a:cs typeface="Roboto" panose="02000000000000000000" pitchFamily="2" charset="0"/>
-            </a:endParaRPr>
-          </a:p>
-          <a:p>
-            <a:pPr>
-              <a:lnSpc>
-                <a:spcPct val="115000"/>
-              </a:lnSpc>
-            </a:pPr>
-            <a:endParaRPr lang="en-US" sz="1200" dirty="0">
-              <a:latin typeface="Roboto" panose="02000000000000000000" pitchFamily="2" charset="0"/>
-              <a:ea typeface="Roboto" panose="02000000000000000000" pitchFamily="2" charset="0"/>
-              <a:cs typeface="Roboto" panose="02000000000000000000" pitchFamily="2" charset="0"/>
-            </a:endParaRPr>
-          </a:p>
-          <a:p>
-            <a:pPr>
-              <a:lnSpc>
-                <a:spcPct val="115000"/>
-              </a:lnSpc>
-            </a:pPr>
-            <a:endParaRPr lang="en-US" sz="1200" dirty="0">
-              <a:latin typeface="Roboto" panose="02000000000000000000" pitchFamily="2" charset="0"/>
-              <a:ea typeface="Roboto" panose="02000000000000000000" pitchFamily="2" charset="0"/>
-              <a:cs typeface="Roboto" panose="02000000000000000000" pitchFamily="2" charset="0"/>
-            </a:endParaRPr>
-          </a:p>
-          <a:p>
-            <a:pPr>
-              <a:lnSpc>
-                <a:spcPct val="115000"/>
-              </a:lnSpc>
-            </a:pPr>
-            <a:r>
-              <a:rPr lang="en-US" sz="1200" dirty="0">
-                <a:latin typeface="Roboto" panose="02000000000000000000" pitchFamily="2" charset="0"/>
-                <a:ea typeface="Roboto" panose="02000000000000000000" pitchFamily="2" charset="0"/>
-                <a:cs typeface="Roboto" panose="02000000000000000000" pitchFamily="2" charset="0"/>
-              </a:rPr>
-              <a:t>2)Shipping Details of few customer is present in Shipping Table</a:t>
-            </a:r>
-          </a:p>
-          <a:p>
-            <a:pPr>
-              <a:lnSpc>
-                <a:spcPct val="115000"/>
-              </a:lnSpc>
-            </a:pPr>
-            <a:r>
-              <a:rPr lang="en-US" sz="1200" dirty="0">
-                <a:latin typeface="Roboto" panose="02000000000000000000" pitchFamily="2" charset="0"/>
-                <a:ea typeface="Roboto" panose="02000000000000000000" pitchFamily="2" charset="0"/>
-                <a:cs typeface="Roboto" panose="02000000000000000000" pitchFamily="2" charset="0"/>
-              </a:rPr>
-              <a:t>(For </a:t>
-            </a:r>
-            <a:r>
-              <a:rPr lang="en-US" sz="1200" dirty="0" err="1">
-                <a:latin typeface="Roboto" panose="02000000000000000000" pitchFamily="2" charset="0"/>
-                <a:ea typeface="Roboto" panose="02000000000000000000" pitchFamily="2" charset="0"/>
-                <a:cs typeface="Roboto" panose="02000000000000000000" pitchFamily="2" charset="0"/>
-              </a:rPr>
-              <a:t>Eg</a:t>
-            </a:r>
-            <a:r>
-              <a:rPr lang="en-US" sz="1200" dirty="0">
-                <a:latin typeface="Roboto" panose="02000000000000000000" pitchFamily="2" charset="0"/>
-                <a:ea typeface="Roboto" panose="02000000000000000000" pitchFamily="2" charset="0"/>
-                <a:cs typeface="Roboto" panose="02000000000000000000" pitchFamily="2" charset="0"/>
-              </a:rPr>
-              <a:t>: Customer ID =1) but there is no</a:t>
-            </a:r>
-          </a:p>
-          <a:p>
-            <a:pPr>
-              <a:lnSpc>
-                <a:spcPct val="115000"/>
-              </a:lnSpc>
-            </a:pPr>
-            <a:r>
-              <a:rPr lang="en-US" sz="1200" dirty="0">
-                <a:latin typeface="Roboto" panose="02000000000000000000" pitchFamily="2" charset="0"/>
-                <a:ea typeface="Roboto" panose="02000000000000000000" pitchFamily="2" charset="0"/>
-                <a:cs typeface="Roboto" panose="02000000000000000000" pitchFamily="2" charset="0"/>
-              </a:rPr>
-              <a:t>information on what order they placed in Order Table</a:t>
-            </a:r>
-          </a:p>
-          <a:p>
-            <a:pPr>
-              <a:lnSpc>
-                <a:spcPct val="115000"/>
-              </a:lnSpc>
-            </a:pPr>
-            <a:endParaRPr lang="en-US" sz="1200" u="none" strike="noStrike" dirty="0">
-              <a:solidFill>
-                <a:schemeClr val="tx1"/>
-              </a:solidFill>
-              <a:effectLst/>
-              <a:latin typeface="Roboto" panose="02000000000000000000" pitchFamily="2" charset="0"/>
-              <a:ea typeface="Roboto" panose="02000000000000000000" pitchFamily="2" charset="0"/>
-              <a:cs typeface="Roboto" panose="02000000000000000000" pitchFamily="2" charset="0"/>
-            </a:endParaRPr>
-          </a:p>
-        </p:txBody>
-      </p:sp>
-      <p:sp>
-        <p:nvSpPr>
           <p:cNvPr id="6" name="Slide Number Placeholder 5">
             <a:extLst>
               <a:ext uri="{FF2B5EF4-FFF2-40B4-BE49-F238E27FC236}">
@@ -10336,10 +11678,10 @@
       </p:sp>
       <p:pic>
         <p:nvPicPr>
-          <p:cNvPr id="8" name="Picture 7">
-            <a:extLst>
-              <a:ext uri="{FF2B5EF4-FFF2-40B4-BE49-F238E27FC236}">
-                <a16:creationId xmlns:a16="http://schemas.microsoft.com/office/drawing/2014/main" id="{3C47AA19-7999-9EB4-BF27-30F9D2F09BA0}"/>
+          <p:cNvPr id="9" name="Picture 8">
+            <a:extLst>
+              <a:ext uri="{FF2B5EF4-FFF2-40B4-BE49-F238E27FC236}">
+                <a16:creationId xmlns:a16="http://schemas.microsoft.com/office/drawing/2014/main" id="{9B365EF4-B21D-C3DD-8752-7A6E04D8934D}"/>
               </a:ext>
             </a:extLst>
           </p:cNvPr>
@@ -10356,38 +11698,8 @@
         </p:blipFill>
         <p:spPr>
           <a:xfrm>
-            <a:off x="6426281" y="1817418"/>
-            <a:ext cx="4368637" cy="2093778"/>
-          </a:xfrm>
-          <a:prstGeom prst="rect">
-            <a:avLst/>
-          </a:prstGeom>
-        </p:spPr>
-      </p:pic>
-      <p:pic>
-        <p:nvPicPr>
-          <p:cNvPr id="10" name="Picture 9">
-            <a:extLst>
-              <a:ext uri="{FF2B5EF4-FFF2-40B4-BE49-F238E27FC236}">
-                <a16:creationId xmlns:a16="http://schemas.microsoft.com/office/drawing/2014/main" id="{2D1BB4D5-A8C1-C11D-34AA-8E31894A07B9}"/>
-              </a:ext>
-            </a:extLst>
-          </p:cNvPr>
-          <p:cNvPicPr>
-            <a:picLocks noChangeAspect="1"/>
-          </p:cNvPicPr>
-          <p:nvPr/>
-        </p:nvPicPr>
-        <p:blipFill>
-          <a:blip r:embed="rId3"/>
-          <a:stretch>
-            <a:fillRect/>
-          </a:stretch>
-        </p:blipFill>
-        <p:spPr>
-          <a:xfrm>
-            <a:off x="6170958" y="4433608"/>
-            <a:ext cx="4249338" cy="2118152"/>
+            <a:off x="447870" y="438539"/>
+            <a:ext cx="11066420" cy="6027293"/>
           </a:xfrm>
           <a:prstGeom prst="rect">
             <a:avLst/>
@@ -10397,7 +11709,7 @@
     </p:spTree>
     <p:extLst>
       <p:ext uri="{BB962C8B-B14F-4D97-AF65-F5344CB8AC3E}">
-        <p14:creationId xmlns:p14="http://schemas.microsoft.com/office/powerpoint/2010/main" val="3571516367"/>
+        <p14:creationId xmlns:p14="http://schemas.microsoft.com/office/powerpoint/2010/main" val="292389064"/>
       </p:ext>
     </p:extLst>
   </p:cSld>
@@ -10442,20 +11754,33 @@
         </p:nvSpPr>
         <p:spPr>
           <a:xfrm>
-            <a:off x="571961" y="366674"/>
-            <a:ext cx="11261973" cy="441246"/>
-          </a:xfrm>
-        </p:spPr>
-        <p:txBody>
-          <a:bodyPr/>
+            <a:off x="571961" y="214603"/>
+            <a:ext cx="11261973" cy="593317"/>
+          </a:xfrm>
+        </p:spPr>
+        <p:txBody>
+          <a:bodyPr>
+            <a:normAutofit fontScale="90000"/>
+          </a:bodyPr>
           <a:lstStyle/>
           <a:p>
             <a:pPr algn="ctr"/>
-            <a:r>
+            <a:br>
               <a:rPr lang="en-US" sz="1800" b="0" i="0" u="none" strike="noStrike" baseline="0" dirty="0">
                 <a:latin typeface="ArialMT"/>
               </a:rPr>
-              <a:t>thoughts on the structure of the data?</a:t>
+            </a:br>
+            <a:r>
+              <a:rPr lang="en-US" sz="1800" b="0" i="0" u="none" strike="noStrike" baseline="0" dirty="0">
+                <a:latin typeface="ArialMT"/>
+              </a:rPr>
+              <a:t>1) </a:t>
+            </a:r>
+            <a:r>
+              <a:rPr lang="en-US" sz="1800" dirty="0">
+                <a:latin typeface="ArialMT"/>
+              </a:rPr>
+              <a:t>the total amount spent and the count for the Pending delivery status for each country</a:t>
             </a:r>
             <a:endParaRPr lang="en-US" dirty="0"/>
           </a:p>
@@ -10488,29 +11813,6 @@
             <a:normAutofit/>
           </a:bodyPr>
           <a:lstStyle/>
-          <a:p>
-            <a:pPr>
-              <a:lnSpc>
-                <a:spcPct val="115000"/>
-              </a:lnSpc>
-            </a:pPr>
-            <a:r>
-              <a:rPr lang="en-US" sz="1200" b="1" dirty="0">
-                <a:latin typeface="Roboto" panose="02000000000000000000" pitchFamily="2" charset="0"/>
-                <a:ea typeface="Roboto" panose="02000000000000000000" pitchFamily="2" charset="0"/>
-                <a:cs typeface="Roboto" panose="02000000000000000000" pitchFamily="2" charset="0"/>
-              </a:rPr>
-              <a:t>Data Integrity Constraints</a:t>
-            </a:r>
-            <a:r>
-              <a:rPr lang="en-US" sz="1200" dirty="0">
-                <a:latin typeface="Roboto" panose="02000000000000000000" pitchFamily="2" charset="0"/>
-                <a:ea typeface="Roboto" panose="02000000000000000000" pitchFamily="2" charset="0"/>
-                <a:cs typeface="Roboto" panose="02000000000000000000" pitchFamily="2" charset="0"/>
-              </a:rPr>
-              <a:t>: Implement constraints to ensure data integrity, such as ensuring that each order and shipping record has a corresponding customer entry in the Customer Dataset.</a:t>
-            </a:r>
-          </a:p>
           <a:p>
             <a:pPr>
               <a:lnSpc>
@@ -10539,7 +11841,7 @@
                 <a:ea typeface="Roboto" panose="02000000000000000000" pitchFamily="2" charset="0"/>
                 <a:cs typeface="Roboto" panose="02000000000000000000" pitchFamily="2" charset="0"/>
               </a:rPr>
-              <a:t>Concern :</a:t>
+              <a:t>a)Total Amount Spent for each country and Total Amount Spent Overall</a:t>
             </a:r>
           </a:p>
           <a:p>
@@ -10554,7 +11856,7 @@
                 <a:ea typeface="Roboto" panose="02000000000000000000" pitchFamily="2" charset="0"/>
                 <a:cs typeface="Roboto" panose="02000000000000000000" pitchFamily="2" charset="0"/>
               </a:rPr>
-              <a:t>1) Few of the customer has ordered same item with same Order ID. However,  shipping ID differs. Does that mean every individual item gets separate Shipping ID or is that an error in capturing the data?</a:t>
+              <a:t> is displayed in the Country Detail Data with the highlighted value.</a:t>
             </a:r>
           </a:p>
           <a:p>
@@ -10575,6 +11877,51 @@
                 <a:spcPct val="115000"/>
               </a:lnSpc>
             </a:pPr>
+            <a:r>
+              <a:rPr lang="en-US" sz="1200" dirty="0">
+                <a:latin typeface="Roboto" panose="02000000000000000000" pitchFamily="2" charset="0"/>
+                <a:ea typeface="Roboto" panose="02000000000000000000" pitchFamily="2" charset="0"/>
+                <a:cs typeface="Roboto" panose="02000000000000000000" pitchFamily="2" charset="0"/>
+              </a:rPr>
+              <a:t>b) Count for the Pending Delivery Status and Count for Delivered Delivery Status</a:t>
+            </a:r>
+          </a:p>
+          <a:p>
+            <a:pPr>
+              <a:lnSpc>
+                <a:spcPct val="115000"/>
+              </a:lnSpc>
+            </a:pPr>
+            <a:r>
+              <a:rPr lang="en-US" sz="1200" dirty="0">
+                <a:latin typeface="Roboto" panose="02000000000000000000" pitchFamily="2" charset="0"/>
+                <a:ea typeface="Roboto" panose="02000000000000000000" pitchFamily="2" charset="0"/>
+                <a:cs typeface="Roboto" panose="02000000000000000000" pitchFamily="2" charset="0"/>
+              </a:rPr>
+              <a:t>Is displayed in the 100% stacked column chart.</a:t>
+            </a:r>
+          </a:p>
+          <a:p>
+            <a:pPr>
+              <a:lnSpc>
+                <a:spcPct val="115000"/>
+              </a:lnSpc>
+            </a:pPr>
+            <a:r>
+              <a:rPr lang="en-US" sz="1200" dirty="0">
+                <a:latin typeface="Roboto" panose="02000000000000000000" pitchFamily="2" charset="0"/>
+                <a:ea typeface="Roboto" panose="02000000000000000000" pitchFamily="2" charset="0"/>
+                <a:cs typeface="Roboto" panose="02000000000000000000" pitchFamily="2" charset="0"/>
+              </a:rPr>
+              <a:t>It also displayed the Percentage of Total between the two Status</a:t>
+            </a:r>
+            <a:br>
+              <a:rPr lang="en-US" sz="1200" dirty="0">
+                <a:latin typeface="Roboto" panose="02000000000000000000" pitchFamily="2" charset="0"/>
+                <a:ea typeface="Roboto" panose="02000000000000000000" pitchFamily="2" charset="0"/>
+                <a:cs typeface="Roboto" panose="02000000000000000000" pitchFamily="2" charset="0"/>
+              </a:rPr>
+            </a:br>
             <a:endParaRPr lang="en-US" sz="1200" dirty="0">
               <a:latin typeface="Roboto" panose="02000000000000000000" pitchFamily="2" charset="0"/>
               <a:ea typeface="Roboto" panose="02000000000000000000" pitchFamily="2" charset="0"/>
@@ -10611,116 +11958,11 @@
                 <a:spcPct val="115000"/>
               </a:lnSpc>
             </a:pPr>
-            <a:endParaRPr lang="en-US" sz="1200" dirty="0">
-              <a:latin typeface="Roboto" panose="02000000000000000000" pitchFamily="2" charset="0"/>
-              <a:ea typeface="Roboto" panose="02000000000000000000" pitchFamily="2" charset="0"/>
-              <a:cs typeface="Roboto" panose="02000000000000000000" pitchFamily="2" charset="0"/>
-            </a:endParaRPr>
-          </a:p>
-          <a:p>
-            <a:pPr>
-              <a:lnSpc>
-                <a:spcPct val="115000"/>
-              </a:lnSpc>
-            </a:pPr>
-            <a:endParaRPr lang="en-US" sz="1200" dirty="0">
-              <a:latin typeface="Roboto" panose="02000000000000000000" pitchFamily="2" charset="0"/>
-              <a:ea typeface="Roboto" panose="02000000000000000000" pitchFamily="2" charset="0"/>
-              <a:cs typeface="Roboto" panose="02000000000000000000" pitchFamily="2" charset="0"/>
-            </a:endParaRPr>
-          </a:p>
-          <a:p>
-            <a:pPr>
-              <a:lnSpc>
-                <a:spcPct val="115000"/>
-              </a:lnSpc>
-            </a:pPr>
-            <a:r>
-              <a:rPr lang="en-US" sz="1200" dirty="0">
-                <a:latin typeface="Roboto" panose="02000000000000000000" pitchFamily="2" charset="0"/>
-                <a:ea typeface="Roboto" panose="02000000000000000000" pitchFamily="2" charset="0"/>
-                <a:cs typeface="Roboto" panose="02000000000000000000" pitchFamily="2" charset="0"/>
-              </a:rPr>
-              <a:t>2) Is the Pending delivery amount received ? because it can be COD</a:t>
-            </a:r>
-          </a:p>
-          <a:p>
-            <a:pPr>
-              <a:lnSpc>
-                <a:spcPct val="115000"/>
-              </a:lnSpc>
-            </a:pPr>
-            <a:r>
-              <a:rPr lang="en-US" sz="1200" dirty="0">
-                <a:latin typeface="Roboto" panose="02000000000000000000" pitchFamily="2" charset="0"/>
-                <a:ea typeface="Roboto" panose="02000000000000000000" pitchFamily="2" charset="0"/>
-                <a:cs typeface="Roboto" panose="02000000000000000000" pitchFamily="2" charset="0"/>
-              </a:rPr>
-              <a:t>3) No information on returns hence we cannot exactly calculate sales amount because few items could have been returned</a:t>
-            </a:r>
-          </a:p>
-          <a:p>
-            <a:pPr>
-              <a:lnSpc>
-                <a:spcPct val="115000"/>
-              </a:lnSpc>
-            </a:pPr>
-            <a:r>
-              <a:rPr lang="en-US" sz="1200" dirty="0">
-                <a:latin typeface="Roboto" panose="02000000000000000000" pitchFamily="2" charset="0"/>
-                <a:ea typeface="Roboto" panose="02000000000000000000" pitchFamily="2" charset="0"/>
-                <a:cs typeface="Roboto" panose="02000000000000000000" pitchFamily="2" charset="0"/>
-              </a:rPr>
-              <a:t>4) Mousepad is the item with 2 Cost - 200, 250. Why? any coupon discount or different Mouse pad?</a:t>
-            </a:r>
-          </a:p>
-          <a:p>
-            <a:pPr>
-              <a:lnSpc>
-                <a:spcPct val="115000"/>
-              </a:lnSpc>
-            </a:pPr>
-            <a:r>
-              <a:rPr lang="en-US" sz="1200" dirty="0">
-                <a:latin typeface="Roboto" panose="02000000000000000000" pitchFamily="2" charset="0"/>
-                <a:ea typeface="Roboto" panose="02000000000000000000" pitchFamily="2" charset="0"/>
-                <a:cs typeface="Roboto" panose="02000000000000000000" pitchFamily="2" charset="0"/>
-              </a:rPr>
-              <a:t>5) There is no information on any date field which is big concern like Order Date, Ship Date </a:t>
-            </a:r>
-            <a:r>
-              <a:rPr lang="en-US" sz="1200" dirty="0" err="1">
-                <a:latin typeface="Roboto" panose="02000000000000000000" pitchFamily="2" charset="0"/>
-                <a:ea typeface="Roboto" panose="02000000000000000000" pitchFamily="2" charset="0"/>
-                <a:cs typeface="Roboto" panose="02000000000000000000" pitchFamily="2" charset="0"/>
-              </a:rPr>
-              <a:t>etc</a:t>
-            </a:r>
-            <a:endParaRPr lang="en-US" sz="1200" dirty="0">
-              <a:latin typeface="Roboto" panose="02000000000000000000" pitchFamily="2" charset="0"/>
-              <a:ea typeface="Roboto" panose="02000000000000000000" pitchFamily="2" charset="0"/>
-              <a:cs typeface="Roboto" panose="02000000000000000000" pitchFamily="2" charset="0"/>
-            </a:endParaRPr>
-          </a:p>
-          <a:p>
-            <a:pPr>
-              <a:lnSpc>
-                <a:spcPct val="115000"/>
-              </a:lnSpc>
-            </a:pPr>
-            <a:endParaRPr lang="en-US" sz="1200" dirty="0">
-              <a:latin typeface="Roboto" panose="02000000000000000000" pitchFamily="2" charset="0"/>
-              <a:ea typeface="Roboto" panose="02000000000000000000" pitchFamily="2" charset="0"/>
-              <a:cs typeface="Roboto" panose="02000000000000000000" pitchFamily="2" charset="0"/>
-            </a:endParaRPr>
-          </a:p>
-          <a:p>
-            <a:pPr>
-              <a:lnSpc>
-                <a:spcPct val="115000"/>
-              </a:lnSpc>
-            </a:pPr>
-            <a:endParaRPr lang="en-US" sz="1200" dirty="0">
+            <a:endParaRPr lang="en-US" sz="1200" u="none" strike="noStrike" dirty="0">
+              <a:solidFill>
+                <a:schemeClr val="tx1"/>
+              </a:solidFill>
+              <a:effectLst/>
               <a:latin typeface="Roboto" panose="02000000000000000000" pitchFamily="2" charset="0"/>
               <a:ea typeface="Roboto" panose="02000000000000000000" pitchFamily="2" charset="0"/>
               <a:cs typeface="Roboto" panose="02000000000000000000" pitchFamily="2" charset="0"/>
@@ -10768,7 +12010,7 @@
           <p:cNvPr id="9" name="Picture 8">
             <a:extLst>
               <a:ext uri="{FF2B5EF4-FFF2-40B4-BE49-F238E27FC236}">
-                <a16:creationId xmlns:a16="http://schemas.microsoft.com/office/drawing/2014/main" id="{85E9D4E8-C405-06E2-3860-57345D8C1CFB}"/>
+                <a16:creationId xmlns:a16="http://schemas.microsoft.com/office/drawing/2014/main" id="{64426E8A-2DF2-C801-6EF7-3211EEA219B3}"/>
               </a:ext>
             </a:extLst>
           </p:cNvPr>
@@ -10785,8 +12027,8 @@
         </p:blipFill>
         <p:spPr>
           <a:xfrm>
-            <a:off x="931356" y="2820069"/>
-            <a:ext cx="7026249" cy="1524132"/>
+            <a:off x="7107209" y="1173635"/>
+            <a:ext cx="3072489" cy="4894468"/>
           </a:xfrm>
           <a:prstGeom prst="rect">
             <a:avLst/>
@@ -10796,7 +12038,7 @@
     </p:spTree>
     <p:extLst>
       <p:ext uri="{BB962C8B-B14F-4D97-AF65-F5344CB8AC3E}">
-        <p14:creationId xmlns:p14="http://schemas.microsoft.com/office/powerpoint/2010/main" val="364737974"/>
+        <p14:creationId xmlns:p14="http://schemas.microsoft.com/office/powerpoint/2010/main" val="3571516367"/>
       </p:ext>
     </p:extLst>
   </p:cSld>
@@ -10841,26 +12083,37 @@
         </p:nvSpPr>
         <p:spPr>
           <a:xfrm>
-            <a:off x="571961" y="366673"/>
-            <a:ext cx="11119930" cy="630799"/>
+            <a:off x="571961" y="214603"/>
+            <a:ext cx="11261973" cy="593317"/>
           </a:xfrm>
         </p:spPr>
         <p:txBody>
           <a:bodyPr>
-            <a:normAutofit/>
+            <a:normAutofit fontScale="90000"/>
           </a:bodyPr>
           <a:lstStyle/>
           <a:p>
             <a:pPr algn="ctr"/>
-            <a:r>
-              <a:rPr lang="en-US" sz="1800" b="0" i="0" u="none" strike="noStrike" dirty="0">
+            <a:br>
+              <a:rPr lang="en-US" sz="1800" b="0" i="0" u="none" strike="noStrike" baseline="0" dirty="0">
+                <a:latin typeface="ArialMT"/>
+              </a:rPr>
+            </a:br>
+            <a:r>
+              <a:rPr lang="en-US" sz="1800" dirty="0">
+                <a:latin typeface="ArialMT"/>
+              </a:rPr>
+              <a:t>2) the total number of transactions, total quantity sold, and total amount spent for each customer, along with the product </a:t>
+            </a:r>
+            <a:r>
+              <a:rPr lang="en-US" sz="1800" b="0" i="1" u="none" strike="noStrike" dirty="0">
                 <a:solidFill>
                   <a:srgbClr val="1D1C1D"/>
                 </a:solidFill>
                 <a:effectLst/>
                 <a:latin typeface="Arial" panose="020B0604020202020204" pitchFamily="34" charset="0"/>
               </a:rPr>
-              <a:t>What will be your insights to other peer teams of Data Engineers, Data Scientists and other technical and non-technical stakeholders?</a:t>
+              <a:t>details.</a:t>
             </a:r>
             <a:endParaRPr lang="en-US" dirty="0"/>
           </a:p>
@@ -10885,7 +12138,7 @@
         <p:spPr>
           <a:xfrm>
             <a:off x="749516" y="997473"/>
-            <a:ext cx="10604284" cy="5065976"/>
+            <a:ext cx="10604284" cy="5645924"/>
           </a:xfrm>
         </p:spPr>
         <p:txBody>
@@ -10894,68 +12147,44 @@
           </a:bodyPr>
           <a:lstStyle/>
           <a:p>
-            <a:endParaRPr lang="en-US" sz="1200" dirty="0"/>
-          </a:p>
-          <a:p>
             <a:pPr>
               <a:lnSpc>
                 <a:spcPct val="115000"/>
               </a:lnSpc>
             </a:pPr>
-            <a:r>
-              <a:rPr lang="en-US" sz="1200" b="1" dirty="0">
-                <a:latin typeface="Roboto" panose="02000000000000000000" pitchFamily="2" charset="0"/>
-                <a:ea typeface="Roboto" panose="02000000000000000000" pitchFamily="2" charset="0"/>
-                <a:cs typeface="Roboto" panose="02000000000000000000" pitchFamily="2" charset="0"/>
-              </a:rPr>
-              <a:t>Data Integrity and Completeness:</a:t>
-            </a:r>
-          </a:p>
-          <a:p>
-            <a:pPr marL="171450" lvl="1" indent="-171450">
+            <a:endParaRPr lang="en-US" sz="1200" u="none" strike="noStrike" dirty="0">
+              <a:solidFill>
+                <a:schemeClr val="tx1"/>
+              </a:solidFill>
+              <a:effectLst/>
+              <a:latin typeface="Roboto" panose="02000000000000000000" pitchFamily="2" charset="0"/>
+              <a:ea typeface="Roboto" panose="02000000000000000000" pitchFamily="2" charset="0"/>
+              <a:cs typeface="Roboto" panose="02000000000000000000" pitchFamily="2" charset="0"/>
+            </a:endParaRPr>
+          </a:p>
+          <a:p>
+            <a:pPr>
               <a:lnSpc>
                 <a:spcPct val="115000"/>
               </a:lnSpc>
-              <a:spcBef>
-                <a:spcPts val="1000"/>
-              </a:spcBef>
-              <a:buFont typeface="Arial" panose="020B0604020202020204" pitchFamily="34" charset="0"/>
-              <a:buChar char="•"/>
             </a:pPr>
-            <a:r>
-              <a:rPr lang="en-US" sz="1200" spc="50" dirty="0">
-                <a:solidFill>
-                  <a:schemeClr val="tx1"/>
-                </a:solidFill>
-                <a:latin typeface="Roboto" panose="02000000000000000000" pitchFamily="2" charset="0"/>
-                <a:ea typeface="Roboto" panose="02000000000000000000" pitchFamily="2" charset="0"/>
-                <a:cs typeface="Roboto" panose="02000000000000000000" pitchFamily="2" charset="0"/>
-              </a:rPr>
-              <a:t>There are inconsistencies between the Order and Shipping tables, where some customers have placed orders but have no shipping information, and vice versa. </a:t>
-            </a:r>
-          </a:p>
-          <a:p>
-            <a:pPr marL="171450" lvl="1" indent="-171450">
+            <a:endParaRPr lang="en-US" sz="1200" dirty="0">
+              <a:latin typeface="Roboto" panose="02000000000000000000" pitchFamily="2" charset="0"/>
+              <a:ea typeface="Roboto" panose="02000000000000000000" pitchFamily="2" charset="0"/>
+              <a:cs typeface="Roboto" panose="02000000000000000000" pitchFamily="2" charset="0"/>
+            </a:endParaRPr>
+          </a:p>
+          <a:p>
+            <a:pPr>
               <a:lnSpc>
                 <a:spcPct val="115000"/>
               </a:lnSpc>
-              <a:spcBef>
-                <a:spcPts val="1000"/>
-              </a:spcBef>
-              <a:buFont typeface="Arial" panose="020B0604020202020204" pitchFamily="34" charset="0"/>
-              <a:buChar char="•"/>
             </a:pPr>
-            <a:r>
-              <a:rPr lang="en-US" sz="1200" spc="50" dirty="0">
-                <a:solidFill>
-                  <a:schemeClr val="tx1"/>
-                </a:solidFill>
-                <a:latin typeface="Roboto" panose="02000000000000000000" pitchFamily="2" charset="0"/>
-                <a:ea typeface="Roboto" panose="02000000000000000000" pitchFamily="2" charset="0"/>
-                <a:cs typeface="Roboto" panose="02000000000000000000" pitchFamily="2" charset="0"/>
-              </a:rPr>
-              <a:t>This indicates potential data integrity issues or gaps in data capture processes. It's essential to investigate and rectify these inconsistencies to ensure the completeness and accuracy of the data.</a:t>
-            </a:r>
+            <a:endParaRPr lang="en-US" sz="1200" dirty="0">
+              <a:latin typeface="Roboto" panose="02000000000000000000" pitchFamily="2" charset="0"/>
+              <a:ea typeface="Roboto" panose="02000000000000000000" pitchFamily="2" charset="0"/>
+              <a:cs typeface="Roboto" panose="02000000000000000000" pitchFamily="2" charset="0"/>
+            </a:endParaRPr>
           </a:p>
           <a:p>
             <a:pPr>
@@ -10963,144 +12192,15 @@
                 <a:spcPct val="115000"/>
               </a:lnSpc>
             </a:pPr>
-            <a:r>
-              <a:rPr lang="en-US" sz="1200" b="1" dirty="0">
-                <a:latin typeface="Roboto" panose="02000000000000000000" pitchFamily="2" charset="0"/>
-                <a:ea typeface="Roboto" panose="02000000000000000000" pitchFamily="2" charset="0"/>
-                <a:cs typeface="Roboto" panose="02000000000000000000" pitchFamily="2" charset="0"/>
-              </a:rPr>
-              <a:t>Data Relationships:</a:t>
-            </a:r>
-          </a:p>
-          <a:p>
-            <a:pPr marL="171450" lvl="1" indent="-171450">
-              <a:lnSpc>
-                <a:spcPct val="115000"/>
-              </a:lnSpc>
-              <a:spcBef>
-                <a:spcPts val="1000"/>
-              </a:spcBef>
-              <a:buFont typeface="Arial" panose="020B0604020202020204" pitchFamily="34" charset="0"/>
-              <a:buChar char="•"/>
-            </a:pPr>
-            <a:r>
-              <a:rPr lang="en-US" sz="1200" spc="50" dirty="0">
-                <a:solidFill>
-                  <a:schemeClr val="tx1"/>
-                </a:solidFill>
-                <a:latin typeface="Roboto" panose="02000000000000000000" pitchFamily="2" charset="0"/>
-                <a:ea typeface="Roboto" panose="02000000000000000000" pitchFamily="2" charset="0"/>
-                <a:cs typeface="Roboto" panose="02000000000000000000" pitchFamily="2" charset="0"/>
-              </a:rPr>
-              <a:t>The presence of customers with orders but no shipping details, and vice versa, highlights the importance of maintaining proper data relationships between tables. </a:t>
-            </a:r>
-          </a:p>
-          <a:p>
-            <a:pPr marL="171450" lvl="1" indent="-171450">
-              <a:lnSpc>
-                <a:spcPct val="115000"/>
-              </a:lnSpc>
-              <a:spcBef>
-                <a:spcPts val="1000"/>
-              </a:spcBef>
-              <a:buFont typeface="Arial" panose="020B0604020202020204" pitchFamily="34" charset="0"/>
-              <a:buChar char="•"/>
-            </a:pPr>
-            <a:r>
-              <a:rPr lang="en-US" sz="1200" spc="50" dirty="0">
-                <a:solidFill>
-                  <a:schemeClr val="tx1"/>
-                </a:solidFill>
-                <a:latin typeface="Roboto" panose="02000000000000000000" pitchFamily="2" charset="0"/>
-                <a:ea typeface="Roboto" panose="02000000000000000000" pitchFamily="2" charset="0"/>
-                <a:cs typeface="Roboto" panose="02000000000000000000" pitchFamily="2" charset="0"/>
-              </a:rPr>
-              <a:t>Ensuring referential integrity between the Customer, Order, and Shipping tables is crucial for accurate analysis and reporting.</a:t>
-            </a:r>
-          </a:p>
-          <a:p>
-            <a:pPr>
-              <a:lnSpc>
-                <a:spcPct val="115000"/>
-              </a:lnSpc>
-            </a:pPr>
-            <a:r>
-              <a:rPr lang="en-US" sz="1200" b="1" dirty="0">
-                <a:latin typeface="Roboto" panose="02000000000000000000" pitchFamily="2" charset="0"/>
-                <a:ea typeface="Roboto" panose="02000000000000000000" pitchFamily="2" charset="0"/>
-                <a:cs typeface="Roboto" panose="02000000000000000000" pitchFamily="2" charset="0"/>
-              </a:rPr>
-              <a:t>Handling Duplicate Orders:</a:t>
-            </a:r>
-          </a:p>
-          <a:p>
-            <a:pPr marL="171450" lvl="1" indent="-171450">
-              <a:lnSpc>
-                <a:spcPct val="115000"/>
-              </a:lnSpc>
-              <a:spcBef>
-                <a:spcPts val="1000"/>
-              </a:spcBef>
-              <a:buFont typeface="Arial" panose="020B0604020202020204" pitchFamily="34" charset="0"/>
-              <a:buChar char="•"/>
-            </a:pPr>
-            <a:r>
-              <a:rPr lang="en-US" sz="1200" spc="50" dirty="0">
-                <a:solidFill>
-                  <a:schemeClr val="tx1"/>
-                </a:solidFill>
-                <a:latin typeface="Roboto" panose="02000000000000000000" pitchFamily="2" charset="0"/>
-                <a:ea typeface="Roboto" panose="02000000000000000000" pitchFamily="2" charset="0"/>
-                <a:cs typeface="Roboto" panose="02000000000000000000" pitchFamily="2" charset="0"/>
-              </a:rPr>
-              <a:t>Identifying cases where the same item with the same Order ID has different Shipping IDs suggests potential errors in data capture or processing. </a:t>
-            </a:r>
-          </a:p>
-          <a:p>
-            <a:pPr marL="171450" lvl="1" indent="-171450">
-              <a:lnSpc>
-                <a:spcPct val="115000"/>
-              </a:lnSpc>
-              <a:spcBef>
-                <a:spcPts val="1000"/>
-              </a:spcBef>
-              <a:buFont typeface="Arial" panose="020B0604020202020204" pitchFamily="34" charset="0"/>
-              <a:buChar char="•"/>
-            </a:pPr>
-            <a:r>
-              <a:rPr lang="en-US" sz="1200" spc="50" dirty="0">
-                <a:solidFill>
-                  <a:schemeClr val="tx1"/>
-                </a:solidFill>
-                <a:latin typeface="Roboto" panose="02000000000000000000" pitchFamily="2" charset="0"/>
-                <a:ea typeface="Roboto" panose="02000000000000000000" pitchFamily="2" charset="0"/>
-                <a:cs typeface="Roboto" panose="02000000000000000000" pitchFamily="2" charset="0"/>
-              </a:rPr>
-              <a:t>Data Engineers should investigate whether this is due to individual items receiving separate shipping IDs or if there are issues in data recording. </a:t>
-            </a:r>
-          </a:p>
-          <a:p>
-            <a:pPr marL="171450" lvl="1" indent="-171450">
-              <a:lnSpc>
-                <a:spcPct val="115000"/>
-              </a:lnSpc>
-              <a:spcBef>
-                <a:spcPts val="1000"/>
-              </a:spcBef>
-              <a:buFont typeface="Arial" panose="020B0604020202020204" pitchFamily="34" charset="0"/>
-              <a:buChar char="•"/>
-            </a:pPr>
-            <a:r>
-              <a:rPr lang="en-US" sz="1200" spc="50" dirty="0">
-                <a:solidFill>
-                  <a:schemeClr val="tx1"/>
-                </a:solidFill>
-                <a:latin typeface="Roboto" panose="02000000000000000000" pitchFamily="2" charset="0"/>
-                <a:ea typeface="Roboto" panose="02000000000000000000" pitchFamily="2" charset="0"/>
-                <a:cs typeface="Roboto" panose="02000000000000000000" pitchFamily="2" charset="0"/>
-              </a:rPr>
-              <a:t>Clarification on the handling of duplicate orders and shipping IDs is necessary for accurate data interpretation.</a:t>
-            </a:r>
+            <a:endParaRPr lang="en-US" sz="1200" u="none" strike="noStrike" dirty="0">
+              <a:solidFill>
+                <a:schemeClr val="tx1"/>
+              </a:solidFill>
+              <a:effectLst/>
+              <a:latin typeface="Roboto" panose="02000000000000000000" pitchFamily="2" charset="0"/>
+              <a:ea typeface="Roboto" panose="02000000000000000000" pitchFamily="2" charset="0"/>
+              <a:cs typeface="Roboto" panose="02000000000000000000" pitchFamily="2" charset="0"/>
+            </a:endParaRPr>
           </a:p>
         </p:txBody>
       </p:sp>
@@ -11139,10 +12239,343 @@
           </a:p>
         </p:txBody>
       </p:sp>
+      <p:pic>
+        <p:nvPicPr>
+          <p:cNvPr id="5" name="Picture 4">
+            <a:extLst>
+              <a:ext uri="{FF2B5EF4-FFF2-40B4-BE49-F238E27FC236}">
+                <a16:creationId xmlns:a16="http://schemas.microsoft.com/office/drawing/2014/main" id="{1FE8388F-4F67-D665-399F-2F15C5FCE3BF}"/>
+              </a:ext>
+            </a:extLst>
+          </p:cNvPr>
+          <p:cNvPicPr>
+            <a:picLocks noChangeAspect="1"/>
+          </p:cNvPicPr>
+          <p:nvPr/>
+        </p:nvPicPr>
+        <p:blipFill>
+          <a:blip r:embed="rId2"/>
+          <a:stretch>
+            <a:fillRect/>
+          </a:stretch>
+        </p:blipFill>
+        <p:spPr>
+          <a:xfrm>
+            <a:off x="2929811" y="1962960"/>
+            <a:ext cx="8061651" cy="4575952"/>
+          </a:xfrm>
+          <a:prstGeom prst="rect">
+            <a:avLst/>
+          </a:prstGeom>
+        </p:spPr>
+      </p:pic>
+      <p:sp>
+        <p:nvSpPr>
+          <p:cNvPr id="10" name="Text Placeholder 2">
+            <a:extLst>
+              <a:ext uri="{FF2B5EF4-FFF2-40B4-BE49-F238E27FC236}">
+                <a16:creationId xmlns:a16="http://schemas.microsoft.com/office/drawing/2014/main" id="{BC77D881-D197-5C1A-50EA-FFA6B9AC839D}"/>
+              </a:ext>
+            </a:extLst>
+          </p:cNvPr>
+          <p:cNvSpPr txBox="1">
+            <a:spLocks/>
+          </p:cNvSpPr>
+          <p:nvPr/>
+        </p:nvSpPr>
+        <p:spPr>
+          <a:xfrm>
+            <a:off x="901916" y="1149873"/>
+            <a:ext cx="10604284" cy="5645924"/>
+          </a:xfrm>
+          <a:prstGeom prst="rect">
+            <a:avLst/>
+          </a:prstGeom>
+        </p:spPr>
+        <p:txBody>
+          <a:bodyPr vert="horz" lIns="91440" tIns="45720" rIns="91440" bIns="45720" rtlCol="0">
+            <a:normAutofit/>
+          </a:bodyPr>
+          <a:lstStyle>
+            <a:lvl1pPr marL="0" indent="0" algn="l" defTabSz="914400" rtl="0" eaLnBrk="1" latinLnBrk="0" hangingPunct="1">
+              <a:lnSpc>
+                <a:spcPct val="100000"/>
+              </a:lnSpc>
+              <a:spcBef>
+                <a:spcPts val="1000"/>
+              </a:spcBef>
+              <a:buFont typeface="Arial" panose="020B0604020202020204" pitchFamily="34" charset="0"/>
+              <a:buNone/>
+              <a:defRPr sz="1400" kern="1200" spc="50" baseline="0">
+                <a:solidFill>
+                  <a:schemeClr val="tx1"/>
+                </a:solidFill>
+                <a:latin typeface="+mn-lt"/>
+                <a:ea typeface="+mn-ea"/>
+                <a:cs typeface="+mn-cs"/>
+              </a:defRPr>
+            </a:lvl1pPr>
+            <a:lvl2pPr marL="457200" indent="0" algn="l" defTabSz="914400" rtl="0" eaLnBrk="1" latinLnBrk="0" hangingPunct="1">
+              <a:lnSpc>
+                <a:spcPct val="90000"/>
+              </a:lnSpc>
+              <a:spcBef>
+                <a:spcPts val="500"/>
+              </a:spcBef>
+              <a:buFont typeface="Arial" panose="020B0604020202020204" pitchFamily="34" charset="0"/>
+              <a:buNone/>
+              <a:defRPr sz="2000" kern="1200">
+                <a:solidFill>
+                  <a:schemeClr val="tx1">
+                    <a:tint val="75000"/>
+                  </a:schemeClr>
+                </a:solidFill>
+                <a:latin typeface="+mn-lt"/>
+                <a:ea typeface="+mn-ea"/>
+                <a:cs typeface="+mn-cs"/>
+              </a:defRPr>
+            </a:lvl2pPr>
+            <a:lvl3pPr marL="914400" indent="0" algn="l" defTabSz="914400" rtl="0" eaLnBrk="1" latinLnBrk="0" hangingPunct="1">
+              <a:lnSpc>
+                <a:spcPct val="90000"/>
+              </a:lnSpc>
+              <a:spcBef>
+                <a:spcPts val="500"/>
+              </a:spcBef>
+              <a:buFont typeface="Arial" panose="020B0604020202020204" pitchFamily="34" charset="0"/>
+              <a:buNone/>
+              <a:defRPr sz="1800" kern="1200">
+                <a:solidFill>
+                  <a:schemeClr val="tx1">
+                    <a:tint val="75000"/>
+                  </a:schemeClr>
+                </a:solidFill>
+                <a:latin typeface="+mn-lt"/>
+                <a:ea typeface="+mn-ea"/>
+                <a:cs typeface="+mn-cs"/>
+              </a:defRPr>
+            </a:lvl3pPr>
+            <a:lvl4pPr marL="1371600" indent="0" algn="l" defTabSz="914400" rtl="0" eaLnBrk="1" latinLnBrk="0" hangingPunct="1">
+              <a:lnSpc>
+                <a:spcPct val="90000"/>
+              </a:lnSpc>
+              <a:spcBef>
+                <a:spcPts val="500"/>
+              </a:spcBef>
+              <a:buFont typeface="Arial" panose="020B0604020202020204" pitchFamily="34" charset="0"/>
+              <a:buNone/>
+              <a:defRPr sz="1600" kern="1200">
+                <a:solidFill>
+                  <a:schemeClr val="tx1">
+                    <a:tint val="75000"/>
+                  </a:schemeClr>
+                </a:solidFill>
+                <a:latin typeface="+mn-lt"/>
+                <a:ea typeface="+mn-ea"/>
+                <a:cs typeface="+mn-cs"/>
+              </a:defRPr>
+            </a:lvl4pPr>
+            <a:lvl5pPr marL="1828800" indent="0" algn="l" defTabSz="914400" rtl="0" eaLnBrk="1" latinLnBrk="0" hangingPunct="1">
+              <a:lnSpc>
+                <a:spcPct val="90000"/>
+              </a:lnSpc>
+              <a:spcBef>
+                <a:spcPts val="500"/>
+              </a:spcBef>
+              <a:buFont typeface="Arial" panose="020B0604020202020204" pitchFamily="34" charset="0"/>
+              <a:buNone/>
+              <a:defRPr sz="1600" kern="1200">
+                <a:solidFill>
+                  <a:schemeClr val="tx1">
+                    <a:tint val="75000"/>
+                  </a:schemeClr>
+                </a:solidFill>
+                <a:latin typeface="+mn-lt"/>
+                <a:ea typeface="+mn-ea"/>
+                <a:cs typeface="+mn-cs"/>
+              </a:defRPr>
+            </a:lvl5pPr>
+            <a:lvl6pPr marL="2286000" indent="0" algn="l" defTabSz="914400" rtl="0" eaLnBrk="1" latinLnBrk="0" hangingPunct="1">
+              <a:lnSpc>
+                <a:spcPct val="90000"/>
+              </a:lnSpc>
+              <a:spcBef>
+                <a:spcPts val="500"/>
+              </a:spcBef>
+              <a:buFont typeface="Arial" panose="020B0604020202020204" pitchFamily="34" charset="0"/>
+              <a:buNone/>
+              <a:defRPr sz="1600" kern="1200">
+                <a:solidFill>
+                  <a:schemeClr val="tx1">
+                    <a:tint val="75000"/>
+                  </a:schemeClr>
+                </a:solidFill>
+                <a:latin typeface="+mn-lt"/>
+                <a:ea typeface="+mn-ea"/>
+                <a:cs typeface="+mn-cs"/>
+              </a:defRPr>
+            </a:lvl6pPr>
+            <a:lvl7pPr marL="2743200" indent="0" algn="l" defTabSz="914400" rtl="0" eaLnBrk="1" latinLnBrk="0" hangingPunct="1">
+              <a:lnSpc>
+                <a:spcPct val="90000"/>
+              </a:lnSpc>
+              <a:spcBef>
+                <a:spcPts val="500"/>
+              </a:spcBef>
+              <a:buFont typeface="Arial" panose="020B0604020202020204" pitchFamily="34" charset="0"/>
+              <a:buNone/>
+              <a:defRPr sz="1600" kern="1200">
+                <a:solidFill>
+                  <a:schemeClr val="tx1">
+                    <a:tint val="75000"/>
+                  </a:schemeClr>
+                </a:solidFill>
+                <a:latin typeface="+mn-lt"/>
+                <a:ea typeface="+mn-ea"/>
+                <a:cs typeface="+mn-cs"/>
+              </a:defRPr>
+            </a:lvl7pPr>
+            <a:lvl8pPr marL="3200400" indent="0" algn="l" defTabSz="914400" rtl="0" eaLnBrk="1" latinLnBrk="0" hangingPunct="1">
+              <a:lnSpc>
+                <a:spcPct val="90000"/>
+              </a:lnSpc>
+              <a:spcBef>
+                <a:spcPts val="500"/>
+              </a:spcBef>
+              <a:buFont typeface="Arial" panose="020B0604020202020204" pitchFamily="34" charset="0"/>
+              <a:buNone/>
+              <a:defRPr sz="1600" kern="1200">
+                <a:solidFill>
+                  <a:schemeClr val="tx1">
+                    <a:tint val="75000"/>
+                  </a:schemeClr>
+                </a:solidFill>
+                <a:latin typeface="+mn-lt"/>
+                <a:ea typeface="+mn-ea"/>
+                <a:cs typeface="+mn-cs"/>
+              </a:defRPr>
+            </a:lvl8pPr>
+            <a:lvl9pPr marL="3657600" indent="0" algn="l" defTabSz="914400" rtl="0" eaLnBrk="1" latinLnBrk="0" hangingPunct="1">
+              <a:lnSpc>
+                <a:spcPct val="90000"/>
+              </a:lnSpc>
+              <a:spcBef>
+                <a:spcPts val="500"/>
+              </a:spcBef>
+              <a:buFont typeface="Arial" panose="020B0604020202020204" pitchFamily="34" charset="0"/>
+              <a:buNone/>
+              <a:defRPr sz="1600" kern="1200">
+                <a:solidFill>
+                  <a:schemeClr val="tx1">
+                    <a:tint val="75000"/>
+                  </a:schemeClr>
+                </a:solidFill>
+                <a:latin typeface="+mn-lt"/>
+                <a:ea typeface="+mn-ea"/>
+                <a:cs typeface="+mn-cs"/>
+              </a:defRPr>
+            </a:lvl9pPr>
+          </a:lstStyle>
+          <a:p>
+            <a:pPr>
+              <a:lnSpc>
+                <a:spcPct val="115000"/>
+              </a:lnSpc>
+            </a:pPr>
+            <a:endParaRPr lang="en-US" sz="1200" dirty="0">
+              <a:latin typeface="Roboto" panose="02000000000000000000" pitchFamily="2" charset="0"/>
+              <a:ea typeface="Roboto" panose="02000000000000000000" pitchFamily="2" charset="0"/>
+              <a:cs typeface="Roboto" panose="02000000000000000000" pitchFamily="2" charset="0"/>
+            </a:endParaRPr>
+          </a:p>
+          <a:p>
+            <a:pPr>
+              <a:lnSpc>
+                <a:spcPct val="115000"/>
+              </a:lnSpc>
+            </a:pPr>
+            <a:r>
+              <a:rPr lang="en-US" sz="1200" dirty="0">
+                <a:latin typeface="Roboto" panose="02000000000000000000" pitchFamily="2" charset="0"/>
+                <a:ea typeface="Roboto" panose="02000000000000000000" pitchFamily="2" charset="0"/>
+                <a:cs typeface="Roboto" panose="02000000000000000000" pitchFamily="2" charset="0"/>
+              </a:rPr>
+              <a:t>Total Number of Transactions(Order Count) , Total Quantity Sold(Item Count), Total Amount Spent(Amount) is displayed for each customer along with the Product Details in Customer Detail Data Table</a:t>
+            </a:r>
+          </a:p>
+          <a:p>
+            <a:pPr>
+              <a:lnSpc>
+                <a:spcPct val="115000"/>
+              </a:lnSpc>
+            </a:pPr>
+            <a:endParaRPr lang="en-US" sz="1200" dirty="0">
+              <a:latin typeface="Roboto" panose="02000000000000000000" pitchFamily="2" charset="0"/>
+              <a:ea typeface="Roboto" panose="02000000000000000000" pitchFamily="2" charset="0"/>
+              <a:cs typeface="Roboto" panose="02000000000000000000" pitchFamily="2" charset="0"/>
+            </a:endParaRPr>
+          </a:p>
+          <a:p>
+            <a:pPr>
+              <a:lnSpc>
+                <a:spcPct val="115000"/>
+              </a:lnSpc>
+            </a:pPr>
+            <a:br>
+              <a:rPr lang="en-US" sz="1200" dirty="0">
+                <a:latin typeface="Roboto" panose="02000000000000000000" pitchFamily="2" charset="0"/>
+                <a:ea typeface="Roboto" panose="02000000000000000000" pitchFamily="2" charset="0"/>
+                <a:cs typeface="Roboto" panose="02000000000000000000" pitchFamily="2" charset="0"/>
+              </a:rPr>
+            </a:br>
+            <a:endParaRPr lang="en-US" sz="1200" dirty="0">
+              <a:latin typeface="Roboto" panose="02000000000000000000" pitchFamily="2" charset="0"/>
+              <a:ea typeface="Roboto" panose="02000000000000000000" pitchFamily="2" charset="0"/>
+              <a:cs typeface="Roboto" panose="02000000000000000000" pitchFamily="2" charset="0"/>
+            </a:endParaRPr>
+          </a:p>
+          <a:p>
+            <a:pPr>
+              <a:lnSpc>
+                <a:spcPct val="115000"/>
+              </a:lnSpc>
+            </a:pPr>
+            <a:endParaRPr lang="en-US" sz="1200" dirty="0">
+              <a:latin typeface="Roboto" panose="02000000000000000000" pitchFamily="2" charset="0"/>
+              <a:ea typeface="Roboto" panose="02000000000000000000" pitchFamily="2" charset="0"/>
+              <a:cs typeface="Roboto" panose="02000000000000000000" pitchFamily="2" charset="0"/>
+            </a:endParaRPr>
+          </a:p>
+          <a:p>
+            <a:pPr>
+              <a:lnSpc>
+                <a:spcPct val="115000"/>
+              </a:lnSpc>
+            </a:pPr>
+            <a:endParaRPr lang="en-US" sz="1200" dirty="0">
+              <a:latin typeface="Roboto" panose="02000000000000000000" pitchFamily="2" charset="0"/>
+              <a:ea typeface="Roboto" panose="02000000000000000000" pitchFamily="2" charset="0"/>
+              <a:cs typeface="Roboto" panose="02000000000000000000" pitchFamily="2" charset="0"/>
+            </a:endParaRPr>
+          </a:p>
+          <a:p>
+            <a:pPr>
+              <a:lnSpc>
+                <a:spcPct val="115000"/>
+              </a:lnSpc>
+            </a:pPr>
+            <a:endParaRPr lang="en-US" sz="1200" dirty="0">
+              <a:latin typeface="Roboto" panose="02000000000000000000" pitchFamily="2" charset="0"/>
+              <a:ea typeface="Roboto" panose="02000000000000000000" pitchFamily="2" charset="0"/>
+              <a:cs typeface="Roboto" panose="02000000000000000000" pitchFamily="2" charset="0"/>
+            </a:endParaRPr>
+          </a:p>
+        </p:txBody>
+      </p:sp>
     </p:spTree>
     <p:extLst>
       <p:ext uri="{BB962C8B-B14F-4D97-AF65-F5344CB8AC3E}">
-        <p14:creationId xmlns:p14="http://schemas.microsoft.com/office/powerpoint/2010/main" val="3365502087"/>
+        <p14:creationId xmlns:p14="http://schemas.microsoft.com/office/powerpoint/2010/main" val="2312767046"/>
       </p:ext>
     </p:extLst>
   </p:cSld>
@@ -11187,8 +12620,8 @@
         </p:nvSpPr>
         <p:spPr>
           <a:xfrm>
-            <a:off x="571961" y="366673"/>
-            <a:ext cx="11119930" cy="630799"/>
+            <a:off x="571961" y="214603"/>
+            <a:ext cx="11261973" cy="593317"/>
           </a:xfrm>
         </p:spPr>
         <p:txBody>
@@ -11198,17 +12631,23 @@
           <a:lstStyle/>
           <a:p>
             <a:pPr algn="ctr"/>
-            <a:r>
-              <a:rPr lang="en-US" sz="1800" b="0" i="0" u="none" strike="noStrike" dirty="0">
-                <a:solidFill>
-                  <a:srgbClr val="1D1C1D"/>
-                </a:solidFill>
-                <a:effectLst/>
-                <a:latin typeface="Arial" panose="020B0604020202020204" pitchFamily="34" charset="0"/>
+            <a:br>
+              <a:rPr lang="en-US" sz="1800" b="0" i="0" u="none" strike="noStrike" baseline="0" dirty="0">
+                <a:latin typeface="ArialMT"/>
               </a:rPr>
-              <a:t>What will be your insights to other peer teams of Data Engineers, Data Scientists and other technical and non-technical stakeholders?</a:t>
-            </a:r>
-            <a:endParaRPr lang="en-US" dirty="0"/>
+            </a:br>
+            <a:r>
+              <a:rPr lang="en-US" sz="1800" b="0" i="0" u="none" strike="noStrike" baseline="0" dirty="0">
+                <a:latin typeface="ArialMT"/>
+              </a:rPr>
+              <a:t>3</a:t>
+            </a:r>
+            <a:r>
+              <a:rPr lang="en-US" sz="1800" dirty="0">
+                <a:latin typeface="ArialMT"/>
+              </a:rPr>
+              <a:t>) the maximum product purchased for each country.</a:t>
+            </a:r>
           </a:p>
         </p:txBody>
       </p:sp>
@@ -11231,7 +12670,7 @@
         <p:spPr>
           <a:xfrm>
             <a:off x="749516" y="997473"/>
-            <a:ext cx="10604284" cy="5724002"/>
+            <a:ext cx="10604284" cy="5645924"/>
           </a:xfrm>
         </p:spPr>
         <p:txBody>
@@ -11240,231 +12679,109 @@
           </a:bodyPr>
           <a:lstStyle/>
           <a:p>
-            <a:endParaRPr lang="en-US" dirty="0"/>
-          </a:p>
-          <a:p>
-            <a:r>
-              <a:rPr lang="en-US" sz="1300" b="1" dirty="0">
+            <a:pPr>
+              <a:lnSpc>
+                <a:spcPct val="115000"/>
+              </a:lnSpc>
+            </a:pPr>
+            <a:endParaRPr lang="en-US" sz="1200" u="none" strike="noStrike" dirty="0">
+              <a:solidFill>
+                <a:schemeClr val="tx1"/>
+              </a:solidFill>
+              <a:effectLst/>
+              <a:latin typeface="Roboto" panose="02000000000000000000" pitchFamily="2" charset="0"/>
+              <a:ea typeface="Roboto" panose="02000000000000000000" pitchFamily="2" charset="0"/>
+              <a:cs typeface="Roboto" panose="02000000000000000000" pitchFamily="2" charset="0"/>
+            </a:endParaRPr>
+          </a:p>
+          <a:p>
+            <a:pPr>
+              <a:lnSpc>
+                <a:spcPct val="115000"/>
+              </a:lnSpc>
+            </a:pPr>
+            <a:r>
+              <a:rPr lang="en-US" sz="1200" dirty="0">
                 <a:latin typeface="Roboto" panose="02000000000000000000" pitchFamily="2" charset="0"/>
                 <a:ea typeface="Roboto" panose="02000000000000000000" pitchFamily="2" charset="0"/>
                 <a:cs typeface="Roboto" panose="02000000000000000000" pitchFamily="2" charset="0"/>
               </a:rPr>
-              <a:t>Payment and Delivery Status:</a:t>
-            </a:r>
-          </a:p>
-          <a:p>
-            <a:pPr marL="171450" lvl="1" indent="-171450">
+              <a:t>Maximum Product purchased for each Country is displayed in the Decomposition Tree / Hierarchy Chart </a:t>
+            </a:r>
+          </a:p>
+          <a:p>
+            <a:pPr>
               <a:lnSpc>
                 <a:spcPct val="115000"/>
               </a:lnSpc>
-              <a:spcBef>
-                <a:spcPts val="1000"/>
-              </a:spcBef>
-              <a:buFont typeface="Arial" panose="020B0604020202020204" pitchFamily="34" charset="0"/>
-              <a:buChar char="•"/>
             </a:pPr>
             <a:r>
-              <a:rPr lang="en-US" sz="1200" spc="50" dirty="0">
-                <a:solidFill>
-                  <a:schemeClr val="tx1"/>
-                </a:solidFill>
+              <a:rPr lang="en-US" sz="1200" dirty="0">
                 <a:latin typeface="Roboto" panose="02000000000000000000" pitchFamily="2" charset="0"/>
                 <a:ea typeface="Roboto" panose="02000000000000000000" pitchFamily="2" charset="0"/>
                 <a:cs typeface="Roboto" panose="02000000000000000000" pitchFamily="2" charset="0"/>
               </a:rPr>
-              <a:t>The absence of information on pending delivery amounts and returns impacts the accuracy of sales calculations and inventory management.</a:t>
-            </a:r>
-          </a:p>
-          <a:p>
-            <a:pPr marL="171450" lvl="1" indent="-171450">
+              <a:t>with the information tooltip</a:t>
+            </a:r>
+          </a:p>
+          <a:p>
+            <a:pPr>
               <a:lnSpc>
                 <a:spcPct val="115000"/>
               </a:lnSpc>
-              <a:spcBef>
-                <a:spcPts val="1000"/>
-              </a:spcBef>
-              <a:buFont typeface="Arial" panose="020B0604020202020204" pitchFamily="34" charset="0"/>
-              <a:buChar char="•"/>
             </a:pPr>
-            <a:r>
-              <a:rPr lang="en-US" sz="1200" spc="50" dirty="0">
-                <a:solidFill>
-                  <a:schemeClr val="tx1"/>
-                </a:solidFill>
+            <a:br>
+              <a:rPr lang="en-US" sz="1200" dirty="0">
                 <a:latin typeface="Roboto" panose="02000000000000000000" pitchFamily="2" charset="0"/>
                 <a:ea typeface="Roboto" panose="02000000000000000000" pitchFamily="2" charset="0"/>
                 <a:cs typeface="Roboto" panose="02000000000000000000" pitchFamily="2" charset="0"/>
               </a:rPr>
-              <a:t>Data Scientists should collaborate with stakeholders to devise strategies for tracking pending delivery amounts, handling returns, and updating the relevant datasets accordingly.</a:t>
-            </a:r>
-          </a:p>
-          <a:p>
-            <a:r>
-              <a:rPr lang="en-US" sz="1300" b="1" dirty="0">
-                <a:latin typeface="Roboto" panose="02000000000000000000" pitchFamily="2" charset="0"/>
-                <a:ea typeface="Roboto" panose="02000000000000000000" pitchFamily="2" charset="0"/>
-                <a:cs typeface="Roboto" panose="02000000000000000000" pitchFamily="2" charset="0"/>
-              </a:rPr>
-              <a:t>Product Variations and Discounts:</a:t>
-            </a:r>
-          </a:p>
-          <a:p>
-            <a:pPr marL="171450" lvl="1" indent="-171450">
+            </a:br>
+            <a:endParaRPr lang="en-US" sz="1200" dirty="0">
+              <a:latin typeface="Roboto" panose="02000000000000000000" pitchFamily="2" charset="0"/>
+              <a:ea typeface="Roboto" panose="02000000000000000000" pitchFamily="2" charset="0"/>
+              <a:cs typeface="Roboto" panose="02000000000000000000" pitchFamily="2" charset="0"/>
+            </a:endParaRPr>
+          </a:p>
+          <a:p>
+            <a:pPr>
               <a:lnSpc>
                 <a:spcPct val="115000"/>
               </a:lnSpc>
-              <a:spcBef>
-                <a:spcPts val="1000"/>
-              </a:spcBef>
-              <a:buFont typeface="Arial" panose="020B0604020202020204" pitchFamily="34" charset="0"/>
-              <a:buChar char="•"/>
             </a:pPr>
-            <a:r>
-              <a:rPr lang="en-US" sz="1200" spc="50" dirty="0">
-                <a:solidFill>
-                  <a:schemeClr val="tx1"/>
-                </a:solidFill>
-                <a:latin typeface="Roboto" panose="02000000000000000000" pitchFamily="2" charset="0"/>
-                <a:ea typeface="Roboto" panose="02000000000000000000" pitchFamily="2" charset="0"/>
-                <a:cs typeface="Roboto" panose="02000000000000000000" pitchFamily="2" charset="0"/>
-              </a:rPr>
-              <a:t>The existence of multiple cost values for the same item (e.g., Mousepad) raises questions about potential product variations, discounts, or errors in data entry. </a:t>
-            </a:r>
-          </a:p>
-          <a:p>
-            <a:pPr marL="171450" lvl="1" indent="-171450">
+            <a:endParaRPr lang="en-US" sz="1200" dirty="0">
+              <a:latin typeface="Roboto" panose="02000000000000000000" pitchFamily="2" charset="0"/>
+              <a:ea typeface="Roboto" panose="02000000000000000000" pitchFamily="2" charset="0"/>
+              <a:cs typeface="Roboto" panose="02000000000000000000" pitchFamily="2" charset="0"/>
+            </a:endParaRPr>
+          </a:p>
+          <a:p>
+            <a:pPr>
               <a:lnSpc>
                 <a:spcPct val="115000"/>
               </a:lnSpc>
-              <a:spcBef>
-                <a:spcPts val="1000"/>
-              </a:spcBef>
-              <a:buFont typeface="Arial" panose="020B0604020202020204" pitchFamily="34" charset="0"/>
-              <a:buChar char="•"/>
             </a:pPr>
-            <a:r>
-              <a:rPr lang="en-US" sz="1200" spc="50" dirty="0">
-                <a:solidFill>
-                  <a:schemeClr val="tx1"/>
-                </a:solidFill>
-                <a:latin typeface="Roboto" panose="02000000000000000000" pitchFamily="2" charset="0"/>
-                <a:ea typeface="Roboto" panose="02000000000000000000" pitchFamily="2" charset="0"/>
-                <a:cs typeface="Roboto" panose="02000000000000000000" pitchFamily="2" charset="0"/>
-              </a:rPr>
-              <a:t>Data Engineers should investigate and clarify the reasons behind these discrepancies to ensure accurate pricing information for analysis.</a:t>
-            </a:r>
-          </a:p>
-          <a:p>
-            <a:r>
-              <a:rPr lang="en-US" sz="1300" b="1" dirty="0">
-                <a:latin typeface="Roboto" panose="02000000000000000000" pitchFamily="2" charset="0"/>
-                <a:ea typeface="Roboto" panose="02000000000000000000" pitchFamily="2" charset="0"/>
-                <a:cs typeface="Roboto" panose="02000000000000000000" pitchFamily="2" charset="0"/>
-              </a:rPr>
-              <a:t>Missing Date Information:</a:t>
-            </a:r>
-          </a:p>
-          <a:p>
-            <a:pPr marL="171450" lvl="1" indent="-171450">
+            <a:endParaRPr lang="en-US" sz="1200" dirty="0">
+              <a:latin typeface="Roboto" panose="02000000000000000000" pitchFamily="2" charset="0"/>
+              <a:ea typeface="Roboto" panose="02000000000000000000" pitchFamily="2" charset="0"/>
+              <a:cs typeface="Roboto" panose="02000000000000000000" pitchFamily="2" charset="0"/>
+            </a:endParaRPr>
+          </a:p>
+          <a:p>
+            <a:pPr>
               <a:lnSpc>
                 <a:spcPct val="115000"/>
               </a:lnSpc>
-              <a:spcBef>
-                <a:spcPts val="1000"/>
-              </a:spcBef>
-              <a:buFont typeface="Arial" panose="020B0604020202020204" pitchFamily="34" charset="0"/>
-              <a:buChar char="•"/>
             </a:pPr>
-            <a:r>
-              <a:rPr lang="en-US" sz="1200" spc="50" dirty="0">
-                <a:solidFill>
-                  <a:schemeClr val="tx1"/>
-                </a:solidFill>
-                <a:latin typeface="Roboto" panose="02000000000000000000" pitchFamily="2" charset="0"/>
-                <a:ea typeface="Roboto" panose="02000000000000000000" pitchFamily="2" charset="0"/>
-                <a:cs typeface="Roboto" panose="02000000000000000000" pitchFamily="2" charset="0"/>
-              </a:rPr>
-              <a:t>The absence of date fields (e.g., Order Date, Ship Date) is a significant concern as it hinders the ability to perform time-based analysis, track delivery timelines, and monitor business performance over time. </a:t>
-            </a:r>
-          </a:p>
-          <a:p>
-            <a:pPr marL="171450" lvl="1" indent="-171450">
-              <a:lnSpc>
-                <a:spcPct val="115000"/>
-              </a:lnSpc>
-              <a:spcBef>
-                <a:spcPts val="1000"/>
-              </a:spcBef>
-              <a:buFont typeface="Arial" panose="020B0604020202020204" pitchFamily="34" charset="0"/>
-              <a:buChar char="•"/>
-            </a:pPr>
-            <a:r>
-              <a:rPr lang="en-US" sz="1200" spc="50" dirty="0">
-                <a:solidFill>
-                  <a:schemeClr val="tx1"/>
-                </a:solidFill>
-                <a:latin typeface="Roboto" panose="02000000000000000000" pitchFamily="2" charset="0"/>
-                <a:ea typeface="Roboto" panose="02000000000000000000" pitchFamily="2" charset="0"/>
-                <a:cs typeface="Roboto" panose="02000000000000000000" pitchFamily="2" charset="0"/>
-              </a:rPr>
-              <a:t>Data Engineers should work on incorporating relevant date fields into the datasets to enable comprehensive analysis and reporting.</a:t>
-            </a:r>
-          </a:p>
-          <a:p>
-            <a:r>
-              <a:rPr lang="en-US" sz="1300" b="1" dirty="0">
-                <a:latin typeface="Roboto" panose="02000000000000000000" pitchFamily="2" charset="0"/>
-                <a:ea typeface="Roboto" panose="02000000000000000000" pitchFamily="2" charset="0"/>
-                <a:cs typeface="Roboto" panose="02000000000000000000" pitchFamily="2" charset="0"/>
-              </a:rPr>
-              <a:t>Collaboration and Data Governance:</a:t>
-            </a:r>
-          </a:p>
-          <a:p>
-            <a:pPr marL="171450" lvl="1" indent="-171450">
-              <a:lnSpc>
-                <a:spcPct val="125000"/>
-              </a:lnSpc>
-              <a:spcBef>
-                <a:spcPts val="1000"/>
-              </a:spcBef>
-              <a:buFont typeface="Arial" panose="020B0604020202020204" pitchFamily="34" charset="0"/>
-              <a:buChar char="•"/>
-            </a:pPr>
-            <a:r>
-              <a:rPr lang="en-US" sz="1200" spc="50" dirty="0">
-                <a:solidFill>
-                  <a:schemeClr val="tx1"/>
-                </a:solidFill>
-                <a:latin typeface="Roboto" panose="02000000000000000000" pitchFamily="2" charset="0"/>
-                <a:ea typeface="Roboto" panose="02000000000000000000" pitchFamily="2" charset="0"/>
-                <a:cs typeface="Roboto" panose="02000000000000000000" pitchFamily="2" charset="0"/>
-              </a:rPr>
-              <a:t>Encourage collaboration between Data Engineers, Data Scientists, and stakeholders to address data quality issues, establish data governance policies, and implement robust data validation processes. </a:t>
-            </a:r>
-          </a:p>
-          <a:p>
-            <a:pPr marL="171450" lvl="1" indent="-171450">
-              <a:lnSpc>
-                <a:spcPct val="125000"/>
-              </a:lnSpc>
-              <a:spcBef>
-                <a:spcPts val="1000"/>
-              </a:spcBef>
-              <a:buFont typeface="Arial" panose="020B0604020202020204" pitchFamily="34" charset="0"/>
-              <a:buChar char="•"/>
-            </a:pPr>
-            <a:r>
-              <a:rPr lang="en-US" sz="1200" spc="50" dirty="0">
-                <a:solidFill>
-                  <a:schemeClr val="tx1"/>
-                </a:solidFill>
-                <a:latin typeface="Roboto" panose="02000000000000000000" pitchFamily="2" charset="0"/>
-                <a:ea typeface="Roboto" panose="02000000000000000000" pitchFamily="2" charset="0"/>
-                <a:cs typeface="Roboto" panose="02000000000000000000" pitchFamily="2" charset="0"/>
-              </a:rPr>
-              <a:t>Regular communication and coordination are essential for maintaining data integrity and driving informed decision-making across the organization.</a:t>
-            </a:r>
+            <a:endParaRPr lang="en-US" sz="1200" u="none" strike="noStrike" dirty="0">
+              <a:solidFill>
+                <a:schemeClr val="tx1"/>
+              </a:solidFill>
+              <a:effectLst/>
+              <a:latin typeface="Roboto" panose="02000000000000000000" pitchFamily="2" charset="0"/>
+              <a:ea typeface="Roboto" panose="02000000000000000000" pitchFamily="2" charset="0"/>
+              <a:cs typeface="Roboto" panose="02000000000000000000" pitchFamily="2" charset="0"/>
+            </a:endParaRPr>
           </a:p>
         </p:txBody>
       </p:sp>
@@ -11503,10 +12820,40 @@
           </a:p>
         </p:txBody>
       </p:sp>
+      <p:pic>
+        <p:nvPicPr>
+          <p:cNvPr id="5" name="Picture 4">
+            <a:extLst>
+              <a:ext uri="{FF2B5EF4-FFF2-40B4-BE49-F238E27FC236}">
+                <a16:creationId xmlns:a16="http://schemas.microsoft.com/office/drawing/2014/main" id="{318DA810-7816-78D2-C4D3-33E9DCCDC6B9}"/>
+              </a:ext>
+            </a:extLst>
+          </p:cNvPr>
+          <p:cNvPicPr>
+            <a:picLocks noChangeAspect="1"/>
+          </p:cNvPicPr>
+          <p:nvPr/>
+        </p:nvPicPr>
+        <p:blipFill>
+          <a:blip r:embed="rId2"/>
+          <a:stretch>
+            <a:fillRect/>
+          </a:stretch>
+        </p:blipFill>
+        <p:spPr>
+          <a:xfrm>
+            <a:off x="838200" y="2201488"/>
+            <a:ext cx="8296469" cy="4268000"/>
+          </a:xfrm>
+          <a:prstGeom prst="rect">
+            <a:avLst/>
+          </a:prstGeom>
+        </p:spPr>
+      </p:pic>
     </p:spTree>
     <p:extLst>
       <p:ext uri="{BB962C8B-B14F-4D97-AF65-F5344CB8AC3E}">
-        <p14:creationId xmlns:p14="http://schemas.microsoft.com/office/powerpoint/2010/main" val="3776636643"/>
+        <p14:creationId xmlns:p14="http://schemas.microsoft.com/office/powerpoint/2010/main" val="1925232136"/>
       </p:ext>
     </p:extLst>
   </p:cSld>
@@ -11535,6 +12882,189 @@
       </p:grpSpPr>
       <p:sp>
         <p:nvSpPr>
+          <p:cNvPr id="2" name="Title 1">
+            <a:extLst>
+              <a:ext uri="{FF2B5EF4-FFF2-40B4-BE49-F238E27FC236}">
+                <a16:creationId xmlns:a16="http://schemas.microsoft.com/office/drawing/2014/main" id="{0A32731C-311B-46F7-A865-6C3AF6B09A47}"/>
+              </a:ext>
+            </a:extLst>
+          </p:cNvPr>
+          <p:cNvSpPr>
+            <a:spLocks noGrp="1"/>
+          </p:cNvSpPr>
+          <p:nvPr>
+            <p:ph type="title"/>
+          </p:nvPr>
+        </p:nvSpPr>
+        <p:spPr>
+          <a:xfrm>
+            <a:off x="571961" y="214603"/>
+            <a:ext cx="11261973" cy="593317"/>
+          </a:xfrm>
+        </p:spPr>
+        <p:txBody>
+          <a:bodyPr>
+            <a:normAutofit fontScale="90000"/>
+          </a:bodyPr>
+          <a:lstStyle/>
+          <a:p>
+            <a:pPr algn="ctr"/>
+            <a:br>
+              <a:rPr lang="en-US" sz="1800" b="0" i="0" u="none" strike="noStrike" baseline="0" dirty="0">
+                <a:latin typeface="ArialMT"/>
+              </a:rPr>
+            </a:br>
+            <a:r>
+              <a:rPr lang="en-US" sz="1800" b="0" i="0" u="none" strike="noStrike" baseline="0" dirty="0">
+                <a:latin typeface="ArialMT"/>
+              </a:rPr>
+              <a:t>4</a:t>
+            </a:r>
+            <a:r>
+              <a:rPr lang="en-US" sz="1800" dirty="0">
+                <a:latin typeface="ArialMT"/>
+              </a:rPr>
+              <a:t>) the most purchased product based on the age category less than 30 and above 30.</a:t>
+            </a:r>
+          </a:p>
+        </p:txBody>
+      </p:sp>
+      <p:sp>
+        <p:nvSpPr>
+          <p:cNvPr id="3" name="Text Placeholder 2">
+            <a:extLst>
+              <a:ext uri="{FF2B5EF4-FFF2-40B4-BE49-F238E27FC236}">
+                <a16:creationId xmlns:a16="http://schemas.microsoft.com/office/drawing/2014/main" id="{9D5232F9-FD00-464A-9F17-619C91AEF8F3}"/>
+              </a:ext>
+            </a:extLst>
+          </p:cNvPr>
+          <p:cNvSpPr>
+            <a:spLocks noGrp="1"/>
+          </p:cNvSpPr>
+          <p:nvPr>
+            <p:ph type="body" idx="1"/>
+          </p:nvPr>
+        </p:nvSpPr>
+        <p:spPr>
+          <a:xfrm>
+            <a:off x="749516" y="997473"/>
+            <a:ext cx="10604284" cy="5645924"/>
+          </a:xfrm>
+        </p:spPr>
+        <p:txBody>
+          <a:bodyPr>
+            <a:normAutofit/>
+          </a:bodyPr>
+          <a:lstStyle/>
+          <a:p>
+            <a:pPr>
+              <a:lnSpc>
+                <a:spcPct val="115000"/>
+              </a:lnSpc>
+            </a:pPr>
+            <a:endParaRPr lang="en-US" sz="1200" u="none" strike="noStrike" dirty="0">
+              <a:solidFill>
+                <a:schemeClr val="tx1"/>
+              </a:solidFill>
+              <a:effectLst/>
+              <a:latin typeface="Roboto" panose="02000000000000000000" pitchFamily="2" charset="0"/>
+              <a:ea typeface="Roboto" panose="02000000000000000000" pitchFamily="2" charset="0"/>
+              <a:cs typeface="Roboto" panose="02000000000000000000" pitchFamily="2" charset="0"/>
+            </a:endParaRPr>
+          </a:p>
+          <a:p>
+            <a:pPr>
+              <a:lnSpc>
+                <a:spcPct val="115000"/>
+              </a:lnSpc>
+            </a:pPr>
+            <a:r>
+              <a:rPr lang="en-US" sz="1200" dirty="0">
+                <a:latin typeface="Roboto" panose="02000000000000000000" pitchFamily="2" charset="0"/>
+                <a:ea typeface="Roboto" panose="02000000000000000000" pitchFamily="2" charset="0"/>
+                <a:cs typeface="Roboto" panose="02000000000000000000" pitchFamily="2" charset="0"/>
+              </a:rPr>
+              <a:t>Most purchased product based on the age category is displayed in the Decomposition Tree / Hierarchy Chart </a:t>
+            </a:r>
+          </a:p>
+          <a:p>
+            <a:pPr>
+              <a:lnSpc>
+                <a:spcPct val="115000"/>
+              </a:lnSpc>
+            </a:pPr>
+            <a:r>
+              <a:rPr lang="en-US" sz="1200" dirty="0">
+                <a:latin typeface="Roboto" panose="02000000000000000000" pitchFamily="2" charset="0"/>
+                <a:ea typeface="Roboto" panose="02000000000000000000" pitchFamily="2" charset="0"/>
+                <a:cs typeface="Roboto" panose="02000000000000000000" pitchFamily="2" charset="0"/>
+              </a:rPr>
+              <a:t>with the information tooltip</a:t>
+            </a:r>
+          </a:p>
+          <a:p>
+            <a:pPr>
+              <a:lnSpc>
+                <a:spcPct val="115000"/>
+              </a:lnSpc>
+            </a:pPr>
+            <a:br>
+              <a:rPr lang="en-US" sz="1200" dirty="0">
+                <a:latin typeface="Roboto" panose="02000000000000000000" pitchFamily="2" charset="0"/>
+                <a:ea typeface="Roboto" panose="02000000000000000000" pitchFamily="2" charset="0"/>
+                <a:cs typeface="Roboto" panose="02000000000000000000" pitchFamily="2" charset="0"/>
+              </a:rPr>
+            </a:br>
+            <a:endParaRPr lang="en-US" sz="1200" dirty="0">
+              <a:latin typeface="Roboto" panose="02000000000000000000" pitchFamily="2" charset="0"/>
+              <a:ea typeface="Roboto" panose="02000000000000000000" pitchFamily="2" charset="0"/>
+              <a:cs typeface="Roboto" panose="02000000000000000000" pitchFamily="2" charset="0"/>
+            </a:endParaRPr>
+          </a:p>
+          <a:p>
+            <a:pPr>
+              <a:lnSpc>
+                <a:spcPct val="115000"/>
+              </a:lnSpc>
+            </a:pPr>
+            <a:endParaRPr lang="en-US" sz="1200" dirty="0">
+              <a:latin typeface="Roboto" panose="02000000000000000000" pitchFamily="2" charset="0"/>
+              <a:ea typeface="Roboto" panose="02000000000000000000" pitchFamily="2" charset="0"/>
+              <a:cs typeface="Roboto" panose="02000000000000000000" pitchFamily="2" charset="0"/>
+            </a:endParaRPr>
+          </a:p>
+          <a:p>
+            <a:pPr>
+              <a:lnSpc>
+                <a:spcPct val="115000"/>
+              </a:lnSpc>
+            </a:pPr>
+            <a:endParaRPr lang="en-US" sz="1200" dirty="0">
+              <a:latin typeface="Roboto" panose="02000000000000000000" pitchFamily="2" charset="0"/>
+              <a:ea typeface="Roboto" panose="02000000000000000000" pitchFamily="2" charset="0"/>
+              <a:cs typeface="Roboto" panose="02000000000000000000" pitchFamily="2" charset="0"/>
+            </a:endParaRPr>
+          </a:p>
+          <a:p>
+            <a:pPr>
+              <a:lnSpc>
+                <a:spcPct val="115000"/>
+              </a:lnSpc>
+            </a:pPr>
+            <a:endParaRPr lang="en-US" sz="1200" u="none" strike="noStrike" dirty="0">
+              <a:solidFill>
+                <a:schemeClr val="tx1"/>
+              </a:solidFill>
+              <a:effectLst/>
+              <a:latin typeface="Roboto" panose="02000000000000000000" pitchFamily="2" charset="0"/>
+              <a:ea typeface="Roboto" panose="02000000000000000000" pitchFamily="2" charset="0"/>
+              <a:cs typeface="Roboto" panose="02000000000000000000" pitchFamily="2" charset="0"/>
+            </a:endParaRPr>
+          </a:p>
+        </p:txBody>
+      </p:sp>
+      <p:sp>
+        <p:nvSpPr>
           <p:cNvPr id="6" name="Slide Number Placeholder 5">
             <a:extLst>
               <a:ext uri="{FF2B5EF4-FFF2-40B4-BE49-F238E27FC236}">
@@ -11570,10 +13100,10 @@
       </p:sp>
       <p:pic>
         <p:nvPicPr>
-          <p:cNvPr id="9" name="Picture 8">
-            <a:extLst>
-              <a:ext uri="{FF2B5EF4-FFF2-40B4-BE49-F238E27FC236}">
-                <a16:creationId xmlns:a16="http://schemas.microsoft.com/office/drawing/2014/main" id="{9B365EF4-B21D-C3DD-8752-7A6E04D8934D}"/>
+          <p:cNvPr id="7" name="Picture 6">
+            <a:extLst>
+              <a:ext uri="{FF2B5EF4-FFF2-40B4-BE49-F238E27FC236}">
+                <a16:creationId xmlns:a16="http://schemas.microsoft.com/office/drawing/2014/main" id="{C44277C7-9D93-032C-2C9D-08797D9B1FB2}"/>
               </a:ext>
             </a:extLst>
           </p:cNvPr>
@@ -11590,8 +13120,8 @@
         </p:blipFill>
         <p:spPr>
           <a:xfrm>
-            <a:off x="447870" y="438539"/>
-            <a:ext cx="11066420" cy="6027293"/>
+            <a:off x="962363" y="2235491"/>
+            <a:ext cx="8218959" cy="4131693"/>
           </a:xfrm>
           <a:prstGeom prst="rect">
             <a:avLst/>
@@ -11601,7 +13131,7 @@
     </p:spTree>
     <p:extLst>
       <p:ext uri="{BB962C8B-B14F-4D97-AF65-F5344CB8AC3E}">
-        <p14:creationId xmlns:p14="http://schemas.microsoft.com/office/powerpoint/2010/main" val="292389064"/>
+        <p14:creationId xmlns:p14="http://schemas.microsoft.com/office/powerpoint/2010/main" val="3234798837"/>
       </p:ext>
     </p:extLst>
   </p:cSld>
@@ -11633,54 +13163,21 @@
           <p:cNvPr id="2" name="Title 1">
             <a:extLst>
               <a:ext uri="{FF2B5EF4-FFF2-40B4-BE49-F238E27FC236}">
-                <a16:creationId xmlns:a16="http://schemas.microsoft.com/office/drawing/2014/main" id="{8BDF1EDE-5423-435C-B149-87AB1BC22B83}"/>
-              </a:ext>
-            </a:extLst>
-          </p:cNvPr>
-          <p:cNvSpPr>
-            <a:spLocks noGrp="1"/>
-          </p:cNvSpPr>
-          <p:nvPr>
-            <p:ph type="ctrTitle"/>
-          </p:nvPr>
-        </p:nvSpPr>
-        <p:spPr>
-          <a:xfrm>
-            <a:off x="4267200" y="1615736"/>
-            <a:ext cx="4179570" cy="1524735"/>
-          </a:xfrm>
-        </p:spPr>
-        <p:txBody>
-          <a:bodyPr/>
-          <a:lstStyle/>
-          <a:p>
-            <a:r>
-              <a:rPr lang="en-US" dirty="0"/>
-              <a:t>THANK YOU</a:t>
-            </a:r>
-          </a:p>
-        </p:txBody>
-      </p:sp>
-      <p:sp>
-        <p:nvSpPr>
-          <p:cNvPr id="3" name="Subtitle 2">
-            <a:extLst>
-              <a:ext uri="{FF2B5EF4-FFF2-40B4-BE49-F238E27FC236}">
-                <a16:creationId xmlns:a16="http://schemas.microsoft.com/office/drawing/2014/main" id="{AF64C29E-DF30-4DC6-AB95-2016F9A703B6}"/>
-              </a:ext>
-            </a:extLst>
-          </p:cNvPr>
-          <p:cNvSpPr>
-            <a:spLocks noGrp="1"/>
-          </p:cNvSpPr>
-          <p:nvPr>
-            <p:ph type="subTitle" idx="1"/>
-          </p:nvPr>
-        </p:nvSpPr>
-        <p:spPr>
-          <a:xfrm>
-            <a:off x="4267200" y="3238103"/>
-            <a:ext cx="4179570" cy="570417"/>
+                <a16:creationId xmlns:a16="http://schemas.microsoft.com/office/drawing/2014/main" id="{0A32731C-311B-46F7-A865-6C3AF6B09A47}"/>
+              </a:ext>
+            </a:extLst>
+          </p:cNvPr>
+          <p:cNvSpPr>
+            <a:spLocks noGrp="1"/>
+          </p:cNvSpPr>
+          <p:nvPr>
+            <p:ph type="title"/>
+          </p:nvPr>
+        </p:nvSpPr>
+        <p:spPr>
+          <a:xfrm>
+            <a:off x="571961" y="214603"/>
+            <a:ext cx="11261973" cy="593317"/>
           </a:xfrm>
         </p:spPr>
         <p:txBody>
@@ -11689,10 +13186,109 @@
           </a:bodyPr>
           <a:lstStyle/>
           <a:p>
-            <a:r>
-              <a:rPr lang="en-US" sz="2000" dirty="0"/>
-              <a:t>SHISHIR SHETTY</a:t>
-            </a:r>
+            <a:pPr algn="ctr"/>
+            <a:br>
+              <a:rPr lang="en-US" sz="1800" b="0" i="0" u="none" strike="noStrike" baseline="0" dirty="0">
+                <a:latin typeface="ArialMT"/>
+              </a:rPr>
+            </a:br>
+            <a:r>
+              <a:rPr lang="en-US" sz="1800" b="0" i="0" u="none" strike="noStrike" baseline="0" dirty="0">
+                <a:latin typeface="ArialMT"/>
+              </a:rPr>
+              <a:t>5</a:t>
+            </a:r>
+            <a:r>
+              <a:rPr lang="en-US" sz="1800" dirty="0">
+                <a:latin typeface="ArialMT"/>
+              </a:rPr>
+              <a:t>) the country that had minimum transactions and sales amount.</a:t>
+            </a:r>
+          </a:p>
+        </p:txBody>
+      </p:sp>
+      <p:sp>
+        <p:nvSpPr>
+          <p:cNvPr id="3" name="Text Placeholder 2">
+            <a:extLst>
+              <a:ext uri="{FF2B5EF4-FFF2-40B4-BE49-F238E27FC236}">
+                <a16:creationId xmlns:a16="http://schemas.microsoft.com/office/drawing/2014/main" id="{9D5232F9-FD00-464A-9F17-619C91AEF8F3}"/>
+              </a:ext>
+            </a:extLst>
+          </p:cNvPr>
+          <p:cNvSpPr>
+            <a:spLocks noGrp="1"/>
+          </p:cNvSpPr>
+          <p:nvPr>
+            <p:ph type="body" idx="1"/>
+          </p:nvPr>
+        </p:nvSpPr>
+        <p:spPr>
+          <a:xfrm>
+            <a:off x="749516" y="997473"/>
+            <a:ext cx="10604284" cy="5645924"/>
+          </a:xfrm>
+        </p:spPr>
+        <p:txBody>
+          <a:bodyPr>
+            <a:normAutofit/>
+          </a:bodyPr>
+          <a:lstStyle/>
+          <a:p>
+            <a:pPr>
+              <a:lnSpc>
+                <a:spcPct val="115000"/>
+              </a:lnSpc>
+            </a:pPr>
+            <a:endParaRPr lang="en-US" sz="1200" u="none" strike="noStrike" dirty="0">
+              <a:solidFill>
+                <a:schemeClr val="tx1"/>
+              </a:solidFill>
+              <a:effectLst/>
+              <a:latin typeface="Roboto" panose="02000000000000000000" pitchFamily="2" charset="0"/>
+              <a:ea typeface="Roboto" panose="02000000000000000000" pitchFamily="2" charset="0"/>
+              <a:cs typeface="Roboto" panose="02000000000000000000" pitchFamily="2" charset="0"/>
+            </a:endParaRPr>
+          </a:p>
+          <a:p>
+            <a:pPr>
+              <a:lnSpc>
+                <a:spcPct val="115000"/>
+              </a:lnSpc>
+            </a:pPr>
+            <a:endParaRPr lang="en-US" sz="1200" dirty="0">
+              <a:latin typeface="Roboto" panose="02000000000000000000" pitchFamily="2" charset="0"/>
+              <a:ea typeface="Roboto" panose="02000000000000000000" pitchFamily="2" charset="0"/>
+              <a:cs typeface="Roboto" panose="02000000000000000000" pitchFamily="2" charset="0"/>
+            </a:endParaRPr>
+          </a:p>
+          <a:p>
+            <a:pPr>
+              <a:lnSpc>
+                <a:spcPct val="115000"/>
+              </a:lnSpc>
+            </a:pPr>
+            <a:endParaRPr lang="en-US" sz="1200" dirty="0">
+              <a:latin typeface="Roboto" panose="02000000000000000000" pitchFamily="2" charset="0"/>
+              <a:ea typeface="Roboto" panose="02000000000000000000" pitchFamily="2" charset="0"/>
+              <a:cs typeface="Roboto" panose="02000000000000000000" pitchFamily="2" charset="0"/>
+            </a:endParaRPr>
+          </a:p>
+          <a:p>
+            <a:pPr>
+              <a:lnSpc>
+                <a:spcPct val="115000"/>
+              </a:lnSpc>
+            </a:pPr>
+            <a:endParaRPr lang="en-US" sz="1200" u="none" strike="noStrike" dirty="0">
+              <a:solidFill>
+                <a:schemeClr val="tx1"/>
+              </a:solidFill>
+              <a:effectLst/>
+              <a:latin typeface="Roboto" panose="02000000000000000000" pitchFamily="2" charset="0"/>
+              <a:ea typeface="Roboto" panose="02000000000000000000" pitchFamily="2" charset="0"/>
+              <a:cs typeface="Roboto" panose="02000000000000000000" pitchFamily="2" charset="0"/>
+            </a:endParaRPr>
           </a:p>
         </p:txBody>
       </p:sp>
@@ -11701,7 +13297,7 @@
           <p:cNvPr id="6" name="Slide Number Placeholder 5">
             <a:extLst>
               <a:ext uri="{FF2B5EF4-FFF2-40B4-BE49-F238E27FC236}">
-                <a16:creationId xmlns:a16="http://schemas.microsoft.com/office/drawing/2014/main" id="{4C127D99-645F-4FCF-9573-FDFE2A344FA9}"/>
+                <a16:creationId xmlns:a16="http://schemas.microsoft.com/office/drawing/2014/main" id="{7BC1787E-7110-4989-B0B8-DD4E0ACC09DF}"/>
               </a:ext>
             </a:extLst>
           </p:cNvPr>
@@ -11714,8 +13310,8 @@
         </p:nvSpPr>
         <p:spPr>
           <a:xfrm>
-            <a:off x="9579428" y="6356350"/>
-            <a:ext cx="1774371" cy="365125"/>
+            <a:off x="8610600" y="6356350"/>
+            <a:ext cx="2743200" cy="365125"/>
           </a:xfrm>
         </p:spPr>
         <p:txBody>
@@ -11731,10 +13327,892 @@
           </a:p>
         </p:txBody>
       </p:sp>
+      <p:sp>
+        <p:nvSpPr>
+          <p:cNvPr id="10" name="Text Placeholder 2">
+            <a:extLst>
+              <a:ext uri="{FF2B5EF4-FFF2-40B4-BE49-F238E27FC236}">
+                <a16:creationId xmlns:a16="http://schemas.microsoft.com/office/drawing/2014/main" id="{BC77D881-D197-5C1A-50EA-FFA6B9AC839D}"/>
+              </a:ext>
+            </a:extLst>
+          </p:cNvPr>
+          <p:cNvSpPr txBox="1">
+            <a:spLocks/>
+          </p:cNvSpPr>
+          <p:nvPr/>
+        </p:nvSpPr>
+        <p:spPr>
+          <a:xfrm>
+            <a:off x="901916" y="1149873"/>
+            <a:ext cx="10604284" cy="5645924"/>
+          </a:xfrm>
+          <a:prstGeom prst="rect">
+            <a:avLst/>
+          </a:prstGeom>
+        </p:spPr>
+        <p:txBody>
+          <a:bodyPr vert="horz" lIns="91440" tIns="45720" rIns="91440" bIns="45720" rtlCol="0">
+            <a:normAutofit/>
+          </a:bodyPr>
+          <a:lstStyle>
+            <a:lvl1pPr marL="0" indent="0" algn="l" defTabSz="914400" rtl="0" eaLnBrk="1" latinLnBrk="0" hangingPunct="1">
+              <a:lnSpc>
+                <a:spcPct val="100000"/>
+              </a:lnSpc>
+              <a:spcBef>
+                <a:spcPts val="1000"/>
+              </a:spcBef>
+              <a:buFont typeface="Arial" panose="020B0604020202020204" pitchFamily="34" charset="0"/>
+              <a:buNone/>
+              <a:defRPr sz="1400" kern="1200" spc="50" baseline="0">
+                <a:solidFill>
+                  <a:schemeClr val="tx1"/>
+                </a:solidFill>
+                <a:latin typeface="+mn-lt"/>
+                <a:ea typeface="+mn-ea"/>
+                <a:cs typeface="+mn-cs"/>
+              </a:defRPr>
+            </a:lvl1pPr>
+            <a:lvl2pPr marL="457200" indent="0" algn="l" defTabSz="914400" rtl="0" eaLnBrk="1" latinLnBrk="0" hangingPunct="1">
+              <a:lnSpc>
+                <a:spcPct val="90000"/>
+              </a:lnSpc>
+              <a:spcBef>
+                <a:spcPts val="500"/>
+              </a:spcBef>
+              <a:buFont typeface="Arial" panose="020B0604020202020204" pitchFamily="34" charset="0"/>
+              <a:buNone/>
+              <a:defRPr sz="2000" kern="1200">
+                <a:solidFill>
+                  <a:schemeClr val="tx1">
+                    <a:tint val="75000"/>
+                  </a:schemeClr>
+                </a:solidFill>
+                <a:latin typeface="+mn-lt"/>
+                <a:ea typeface="+mn-ea"/>
+                <a:cs typeface="+mn-cs"/>
+              </a:defRPr>
+            </a:lvl2pPr>
+            <a:lvl3pPr marL="914400" indent="0" algn="l" defTabSz="914400" rtl="0" eaLnBrk="1" latinLnBrk="0" hangingPunct="1">
+              <a:lnSpc>
+                <a:spcPct val="90000"/>
+              </a:lnSpc>
+              <a:spcBef>
+                <a:spcPts val="500"/>
+              </a:spcBef>
+              <a:buFont typeface="Arial" panose="020B0604020202020204" pitchFamily="34" charset="0"/>
+              <a:buNone/>
+              <a:defRPr sz="1800" kern="1200">
+                <a:solidFill>
+                  <a:schemeClr val="tx1">
+                    <a:tint val="75000"/>
+                  </a:schemeClr>
+                </a:solidFill>
+                <a:latin typeface="+mn-lt"/>
+                <a:ea typeface="+mn-ea"/>
+                <a:cs typeface="+mn-cs"/>
+              </a:defRPr>
+            </a:lvl3pPr>
+            <a:lvl4pPr marL="1371600" indent="0" algn="l" defTabSz="914400" rtl="0" eaLnBrk="1" latinLnBrk="0" hangingPunct="1">
+              <a:lnSpc>
+                <a:spcPct val="90000"/>
+              </a:lnSpc>
+              <a:spcBef>
+                <a:spcPts val="500"/>
+              </a:spcBef>
+              <a:buFont typeface="Arial" panose="020B0604020202020204" pitchFamily="34" charset="0"/>
+              <a:buNone/>
+              <a:defRPr sz="1600" kern="1200">
+                <a:solidFill>
+                  <a:schemeClr val="tx1">
+                    <a:tint val="75000"/>
+                  </a:schemeClr>
+                </a:solidFill>
+                <a:latin typeface="+mn-lt"/>
+                <a:ea typeface="+mn-ea"/>
+                <a:cs typeface="+mn-cs"/>
+              </a:defRPr>
+            </a:lvl4pPr>
+            <a:lvl5pPr marL="1828800" indent="0" algn="l" defTabSz="914400" rtl="0" eaLnBrk="1" latinLnBrk="0" hangingPunct="1">
+              <a:lnSpc>
+                <a:spcPct val="90000"/>
+              </a:lnSpc>
+              <a:spcBef>
+                <a:spcPts val="500"/>
+              </a:spcBef>
+              <a:buFont typeface="Arial" panose="020B0604020202020204" pitchFamily="34" charset="0"/>
+              <a:buNone/>
+              <a:defRPr sz="1600" kern="1200">
+                <a:solidFill>
+                  <a:schemeClr val="tx1">
+                    <a:tint val="75000"/>
+                  </a:schemeClr>
+                </a:solidFill>
+                <a:latin typeface="+mn-lt"/>
+                <a:ea typeface="+mn-ea"/>
+                <a:cs typeface="+mn-cs"/>
+              </a:defRPr>
+            </a:lvl5pPr>
+            <a:lvl6pPr marL="2286000" indent="0" algn="l" defTabSz="914400" rtl="0" eaLnBrk="1" latinLnBrk="0" hangingPunct="1">
+              <a:lnSpc>
+                <a:spcPct val="90000"/>
+              </a:lnSpc>
+              <a:spcBef>
+                <a:spcPts val="500"/>
+              </a:spcBef>
+              <a:buFont typeface="Arial" panose="020B0604020202020204" pitchFamily="34" charset="0"/>
+              <a:buNone/>
+              <a:defRPr sz="1600" kern="1200">
+                <a:solidFill>
+                  <a:schemeClr val="tx1">
+                    <a:tint val="75000"/>
+                  </a:schemeClr>
+                </a:solidFill>
+                <a:latin typeface="+mn-lt"/>
+                <a:ea typeface="+mn-ea"/>
+                <a:cs typeface="+mn-cs"/>
+              </a:defRPr>
+            </a:lvl6pPr>
+            <a:lvl7pPr marL="2743200" indent="0" algn="l" defTabSz="914400" rtl="0" eaLnBrk="1" latinLnBrk="0" hangingPunct="1">
+              <a:lnSpc>
+                <a:spcPct val="90000"/>
+              </a:lnSpc>
+              <a:spcBef>
+                <a:spcPts val="500"/>
+              </a:spcBef>
+              <a:buFont typeface="Arial" panose="020B0604020202020204" pitchFamily="34" charset="0"/>
+              <a:buNone/>
+              <a:defRPr sz="1600" kern="1200">
+                <a:solidFill>
+                  <a:schemeClr val="tx1">
+                    <a:tint val="75000"/>
+                  </a:schemeClr>
+                </a:solidFill>
+                <a:latin typeface="+mn-lt"/>
+                <a:ea typeface="+mn-ea"/>
+                <a:cs typeface="+mn-cs"/>
+              </a:defRPr>
+            </a:lvl7pPr>
+            <a:lvl8pPr marL="3200400" indent="0" algn="l" defTabSz="914400" rtl="0" eaLnBrk="1" latinLnBrk="0" hangingPunct="1">
+              <a:lnSpc>
+                <a:spcPct val="90000"/>
+              </a:lnSpc>
+              <a:spcBef>
+                <a:spcPts val="500"/>
+              </a:spcBef>
+              <a:buFont typeface="Arial" panose="020B0604020202020204" pitchFamily="34" charset="0"/>
+              <a:buNone/>
+              <a:defRPr sz="1600" kern="1200">
+                <a:solidFill>
+                  <a:schemeClr val="tx1">
+                    <a:tint val="75000"/>
+                  </a:schemeClr>
+                </a:solidFill>
+                <a:latin typeface="+mn-lt"/>
+                <a:ea typeface="+mn-ea"/>
+                <a:cs typeface="+mn-cs"/>
+              </a:defRPr>
+            </a:lvl8pPr>
+            <a:lvl9pPr marL="3657600" indent="0" algn="l" defTabSz="914400" rtl="0" eaLnBrk="1" latinLnBrk="0" hangingPunct="1">
+              <a:lnSpc>
+                <a:spcPct val="90000"/>
+              </a:lnSpc>
+              <a:spcBef>
+                <a:spcPts val="500"/>
+              </a:spcBef>
+              <a:buFont typeface="Arial" panose="020B0604020202020204" pitchFamily="34" charset="0"/>
+              <a:buNone/>
+              <a:defRPr sz="1600" kern="1200">
+                <a:solidFill>
+                  <a:schemeClr val="tx1">
+                    <a:tint val="75000"/>
+                  </a:schemeClr>
+                </a:solidFill>
+                <a:latin typeface="+mn-lt"/>
+                <a:ea typeface="+mn-ea"/>
+                <a:cs typeface="+mn-cs"/>
+              </a:defRPr>
+            </a:lvl9pPr>
+          </a:lstStyle>
+          <a:p>
+            <a:pPr>
+              <a:lnSpc>
+                <a:spcPct val="115000"/>
+              </a:lnSpc>
+            </a:pPr>
+            <a:endParaRPr lang="en-US" sz="1200" dirty="0">
+              <a:latin typeface="Roboto" panose="02000000000000000000" pitchFamily="2" charset="0"/>
+              <a:ea typeface="Roboto" panose="02000000000000000000" pitchFamily="2" charset="0"/>
+              <a:cs typeface="Roboto" panose="02000000000000000000" pitchFamily="2" charset="0"/>
+            </a:endParaRPr>
+          </a:p>
+          <a:p>
+            <a:pPr>
+              <a:lnSpc>
+                <a:spcPct val="115000"/>
+              </a:lnSpc>
+            </a:pPr>
+            <a:r>
+              <a:rPr lang="en-US" sz="1200" dirty="0">
+                <a:latin typeface="Roboto" panose="02000000000000000000" pitchFamily="2" charset="0"/>
+                <a:ea typeface="Roboto" panose="02000000000000000000" pitchFamily="2" charset="0"/>
+                <a:cs typeface="Roboto" panose="02000000000000000000" pitchFamily="2" charset="0"/>
+              </a:rPr>
+              <a:t>The Country that had minimum transactions(Order Count) and sales amount(Amount) is displayed in Country Detail Data Table</a:t>
+            </a:r>
+          </a:p>
+          <a:p>
+            <a:pPr>
+              <a:lnSpc>
+                <a:spcPct val="115000"/>
+              </a:lnSpc>
+            </a:pPr>
+            <a:endParaRPr lang="en-US" sz="1200" dirty="0">
+              <a:latin typeface="Roboto" panose="02000000000000000000" pitchFamily="2" charset="0"/>
+              <a:ea typeface="Roboto" panose="02000000000000000000" pitchFamily="2" charset="0"/>
+              <a:cs typeface="Roboto" panose="02000000000000000000" pitchFamily="2" charset="0"/>
+            </a:endParaRPr>
+          </a:p>
+          <a:p>
+            <a:pPr>
+              <a:lnSpc>
+                <a:spcPct val="115000"/>
+              </a:lnSpc>
+            </a:pPr>
+            <a:br>
+              <a:rPr lang="en-US" sz="1200" dirty="0">
+                <a:latin typeface="Roboto" panose="02000000000000000000" pitchFamily="2" charset="0"/>
+                <a:ea typeface="Roboto" panose="02000000000000000000" pitchFamily="2" charset="0"/>
+                <a:cs typeface="Roboto" panose="02000000000000000000" pitchFamily="2" charset="0"/>
+              </a:rPr>
+            </a:br>
+            <a:endParaRPr lang="en-US" sz="1200" dirty="0">
+              <a:latin typeface="Roboto" panose="02000000000000000000" pitchFamily="2" charset="0"/>
+              <a:ea typeface="Roboto" panose="02000000000000000000" pitchFamily="2" charset="0"/>
+              <a:cs typeface="Roboto" panose="02000000000000000000" pitchFamily="2" charset="0"/>
+            </a:endParaRPr>
+          </a:p>
+          <a:p>
+            <a:pPr>
+              <a:lnSpc>
+                <a:spcPct val="115000"/>
+              </a:lnSpc>
+            </a:pPr>
+            <a:endParaRPr lang="en-US" sz="1200" dirty="0">
+              <a:latin typeface="Roboto" panose="02000000000000000000" pitchFamily="2" charset="0"/>
+              <a:ea typeface="Roboto" panose="02000000000000000000" pitchFamily="2" charset="0"/>
+              <a:cs typeface="Roboto" panose="02000000000000000000" pitchFamily="2" charset="0"/>
+            </a:endParaRPr>
+          </a:p>
+          <a:p>
+            <a:pPr>
+              <a:lnSpc>
+                <a:spcPct val="115000"/>
+              </a:lnSpc>
+            </a:pPr>
+            <a:endParaRPr lang="en-US" sz="1200" dirty="0">
+              <a:latin typeface="Roboto" panose="02000000000000000000" pitchFamily="2" charset="0"/>
+              <a:ea typeface="Roboto" panose="02000000000000000000" pitchFamily="2" charset="0"/>
+              <a:cs typeface="Roboto" panose="02000000000000000000" pitchFamily="2" charset="0"/>
+            </a:endParaRPr>
+          </a:p>
+          <a:p>
+            <a:pPr>
+              <a:lnSpc>
+                <a:spcPct val="115000"/>
+              </a:lnSpc>
+            </a:pPr>
+            <a:endParaRPr lang="en-US" sz="1200" dirty="0">
+              <a:latin typeface="Roboto" panose="02000000000000000000" pitchFamily="2" charset="0"/>
+              <a:ea typeface="Roboto" panose="02000000000000000000" pitchFamily="2" charset="0"/>
+              <a:cs typeface="Roboto" panose="02000000000000000000" pitchFamily="2" charset="0"/>
+            </a:endParaRPr>
+          </a:p>
+        </p:txBody>
+      </p:sp>
+      <p:pic>
+        <p:nvPicPr>
+          <p:cNvPr id="7" name="Picture 6">
+            <a:extLst>
+              <a:ext uri="{FF2B5EF4-FFF2-40B4-BE49-F238E27FC236}">
+                <a16:creationId xmlns:a16="http://schemas.microsoft.com/office/drawing/2014/main" id="{B0A88BEE-9456-6EC3-78F5-0434DA75C1B8}"/>
+              </a:ext>
+            </a:extLst>
+          </p:cNvPr>
+          <p:cNvPicPr>
+            <a:picLocks noChangeAspect="1"/>
+          </p:cNvPicPr>
+          <p:nvPr/>
+        </p:nvPicPr>
+        <p:blipFill>
+          <a:blip r:embed="rId2"/>
+          <a:stretch>
+            <a:fillRect/>
+          </a:stretch>
+        </p:blipFill>
+        <p:spPr>
+          <a:xfrm>
+            <a:off x="2388909" y="2397403"/>
+            <a:ext cx="6643123" cy="3854372"/>
+          </a:xfrm>
+          <a:prstGeom prst="rect">
+            <a:avLst/>
+          </a:prstGeom>
+        </p:spPr>
+      </p:pic>
+    </p:spTree>
+    <p:extLst>
+      <p:ext uri="{BB962C8B-B14F-4D97-AF65-F5344CB8AC3E}">
+        <p14:creationId xmlns:p14="http://schemas.microsoft.com/office/powerpoint/2010/main" val="4109624971"/>
+      </p:ext>
+    </p:extLst>
+  </p:cSld>
+  <p:clrMapOvr>
+    <a:masterClrMapping/>
+  </p:clrMapOvr>
+</p:sld>
+</file>
+
+<file path=ppt/slides/slide8.xml><?xml version="1.0" encoding="utf-8"?>
+<p:sld xmlns:a="http://schemas.openxmlformats.org/drawingml/2006/main" xmlns:r="http://schemas.openxmlformats.org/officeDocument/2006/relationships" xmlns:p="http://schemas.openxmlformats.org/presentationml/2006/main">
+  <p:cSld>
+    <p:spTree>
+      <p:nvGrpSpPr>
+        <p:cNvPr id="1" name=""/>
+        <p:cNvGrpSpPr/>
+        <p:nvPr/>
+      </p:nvGrpSpPr>
+      <p:grpSpPr>
+        <a:xfrm>
+          <a:off x="0" y="0"/>
+          <a:ext cx="0" cy="0"/>
+          <a:chOff x="0" y="0"/>
+          <a:chExt cx="0" cy="0"/>
+        </a:xfrm>
+      </p:grpSpPr>
+      <p:sp>
+        <p:nvSpPr>
+          <p:cNvPr id="2" name="Title 1">
+            <a:extLst>
+              <a:ext uri="{FF2B5EF4-FFF2-40B4-BE49-F238E27FC236}">
+                <a16:creationId xmlns:a16="http://schemas.microsoft.com/office/drawing/2014/main" id="{8BDF1EDE-5423-435C-B149-87AB1BC22B83}"/>
+              </a:ext>
+            </a:extLst>
+          </p:cNvPr>
+          <p:cNvSpPr>
+            <a:spLocks noGrp="1"/>
+          </p:cNvSpPr>
+          <p:nvPr>
+            <p:ph type="ctrTitle"/>
+          </p:nvPr>
+        </p:nvSpPr>
+        <p:spPr>
+          <a:xfrm>
+            <a:off x="3470987" y="1615736"/>
+            <a:ext cx="7791061" cy="2499064"/>
+          </a:xfrm>
+        </p:spPr>
+        <p:txBody>
+          <a:bodyPr/>
+          <a:lstStyle/>
+          <a:p>
+            <a:br>
+              <a:rPr lang="en-US" dirty="0"/>
+            </a:br>
+            <a:r>
+              <a:rPr lang="en-US" dirty="0"/>
+              <a:t>As a Data Analyst, you are required to?</a:t>
+            </a:r>
+          </a:p>
+        </p:txBody>
+      </p:sp>
+      <p:sp>
+        <p:nvSpPr>
+          <p:cNvPr id="6" name="Slide Number Placeholder 5">
+            <a:extLst>
+              <a:ext uri="{FF2B5EF4-FFF2-40B4-BE49-F238E27FC236}">
+                <a16:creationId xmlns:a16="http://schemas.microsoft.com/office/drawing/2014/main" id="{4C127D99-645F-4FCF-9573-FDFE2A344FA9}"/>
+              </a:ext>
+            </a:extLst>
+          </p:cNvPr>
+          <p:cNvSpPr>
+            <a:spLocks noGrp="1"/>
+          </p:cNvSpPr>
+          <p:nvPr>
+            <p:ph type="sldNum" sz="quarter" idx="12"/>
+          </p:nvPr>
+        </p:nvSpPr>
+        <p:spPr>
+          <a:xfrm>
+            <a:off x="9579428" y="6356350"/>
+            <a:ext cx="1774371" cy="365125"/>
+          </a:xfrm>
+        </p:spPr>
+        <p:txBody>
+          <a:bodyPr/>
+          <a:lstStyle/>
+          <a:p>
+            <a:fld id="{A49DFD55-3C28-40EF-9E31-A92D2E4017FF}" type="slidenum">
+              <a:rPr lang="en-US" smtClean="0"/>
+              <a:pPr/>
+              <a:t>8</a:t>
+            </a:fld>
+            <a:endParaRPr lang="en-US" dirty="0"/>
+          </a:p>
+        </p:txBody>
+      </p:sp>
     </p:spTree>
     <p:extLst>
       <p:ext uri="{BB962C8B-B14F-4D97-AF65-F5344CB8AC3E}">
         <p14:creationId xmlns:p14="http://schemas.microsoft.com/office/powerpoint/2010/main" val="1969787568"/>
+      </p:ext>
+    </p:extLst>
+  </p:cSld>
+  <p:clrMapOvr>
+    <a:masterClrMapping/>
+  </p:clrMapOvr>
+</p:sld>
+</file>
+
+<file path=ppt/slides/slide9.xml><?xml version="1.0" encoding="utf-8"?>
+<p:sld xmlns:a="http://schemas.openxmlformats.org/drawingml/2006/main" xmlns:r="http://schemas.openxmlformats.org/officeDocument/2006/relationships" xmlns:p="http://schemas.openxmlformats.org/presentationml/2006/main">
+  <p:cSld>
+    <p:spTree>
+      <p:nvGrpSpPr>
+        <p:cNvPr id="1" name=""/>
+        <p:cNvGrpSpPr/>
+        <p:nvPr/>
+      </p:nvGrpSpPr>
+      <p:grpSpPr>
+        <a:xfrm>
+          <a:off x="0" y="0"/>
+          <a:ext cx="0" cy="0"/>
+          <a:chOff x="0" y="0"/>
+          <a:chExt cx="0" cy="0"/>
+        </a:xfrm>
+      </p:grpSpPr>
+      <p:sp>
+        <p:nvSpPr>
+          <p:cNvPr id="2" name="Title 1">
+            <a:extLst>
+              <a:ext uri="{FF2B5EF4-FFF2-40B4-BE49-F238E27FC236}">
+                <a16:creationId xmlns:a16="http://schemas.microsoft.com/office/drawing/2014/main" id="{0A32731C-311B-46F7-A865-6C3AF6B09A47}"/>
+              </a:ext>
+            </a:extLst>
+          </p:cNvPr>
+          <p:cNvSpPr>
+            <a:spLocks noGrp="1"/>
+          </p:cNvSpPr>
+          <p:nvPr>
+            <p:ph type="title"/>
+          </p:nvPr>
+        </p:nvSpPr>
+        <p:spPr>
+          <a:xfrm>
+            <a:off x="571961" y="214605"/>
+            <a:ext cx="11261973" cy="1080402"/>
+          </a:xfrm>
+        </p:spPr>
+        <p:txBody>
+          <a:bodyPr>
+            <a:normAutofit fontScale="90000"/>
+          </a:bodyPr>
+          <a:lstStyle/>
+          <a:p>
+            <a:pPr algn="ctr" rtl="0" fontAlgn="base">
+              <a:spcBef>
+                <a:spcPts val="0"/>
+              </a:spcBef>
+              <a:spcAft>
+                <a:spcPts val="0"/>
+              </a:spcAft>
+            </a:pPr>
+            <a:br>
+              <a:rPr lang="en-US" sz="1600" dirty="0">
+                <a:latin typeface="ArialMT"/>
+              </a:rPr>
+            </a:br>
+            <a:r>
+              <a:rPr lang="en-US" sz="1600" dirty="0">
+                <a:latin typeface="ArialMT"/>
+              </a:rPr>
+              <a:t>1) Verify the accuracy, completeness, and reliability of source data. </a:t>
+            </a:r>
+            <a:br>
+              <a:rPr lang="en-US" sz="1600" dirty="0">
+                <a:latin typeface="ArialMT"/>
+              </a:rPr>
+            </a:br>
+            <a:br>
+              <a:rPr lang="en-US" sz="1600" dirty="0">
+                <a:latin typeface="ArialMT"/>
+              </a:rPr>
+            </a:br>
+            <a:r>
+              <a:rPr lang="en-US" sz="1600" dirty="0">
+                <a:latin typeface="ArialMT"/>
+              </a:rPr>
+              <a:t>2) Based on your findings, define and outline the requirements for anticipated datasets, detailing the necessary data components.</a:t>
+            </a:r>
+          </a:p>
+        </p:txBody>
+      </p:sp>
+      <p:sp>
+        <p:nvSpPr>
+          <p:cNvPr id="3" name="Text Placeholder 2">
+            <a:extLst>
+              <a:ext uri="{FF2B5EF4-FFF2-40B4-BE49-F238E27FC236}">
+                <a16:creationId xmlns:a16="http://schemas.microsoft.com/office/drawing/2014/main" id="{9D5232F9-FD00-464A-9F17-619C91AEF8F3}"/>
+              </a:ext>
+            </a:extLst>
+          </p:cNvPr>
+          <p:cNvSpPr>
+            <a:spLocks noGrp="1"/>
+          </p:cNvSpPr>
+          <p:nvPr>
+            <p:ph type="body" idx="1"/>
+          </p:nvPr>
+        </p:nvSpPr>
+        <p:spPr>
+          <a:xfrm>
+            <a:off x="749516" y="1455575"/>
+            <a:ext cx="10604284" cy="5187821"/>
+          </a:xfrm>
+        </p:spPr>
+        <p:txBody>
+          <a:bodyPr>
+            <a:normAutofit/>
+          </a:bodyPr>
+          <a:lstStyle/>
+          <a:p>
+            <a:pPr>
+              <a:lnSpc>
+                <a:spcPct val="115000"/>
+              </a:lnSpc>
+            </a:pPr>
+            <a:r>
+              <a:rPr lang="en-US" sz="1200" b="1" dirty="0">
+                <a:latin typeface="Roboto" panose="02000000000000000000" pitchFamily="2" charset="0"/>
+                <a:ea typeface="Roboto" panose="02000000000000000000" pitchFamily="2" charset="0"/>
+                <a:cs typeface="Roboto" panose="02000000000000000000" pitchFamily="2" charset="0"/>
+              </a:rPr>
+              <a:t>Data Integrity Constraints</a:t>
+            </a:r>
+            <a:r>
+              <a:rPr lang="en-US" sz="1200" dirty="0">
+                <a:latin typeface="Roboto" panose="02000000000000000000" pitchFamily="2" charset="0"/>
+                <a:ea typeface="Roboto" panose="02000000000000000000" pitchFamily="2" charset="0"/>
+                <a:cs typeface="Roboto" panose="02000000000000000000" pitchFamily="2" charset="0"/>
+              </a:rPr>
+              <a:t>: Implement constraints to ensure data integrity, such as ensuring that each order and shipping record has a corresponding customer entry in the Customer Dataset.</a:t>
+            </a:r>
+          </a:p>
+          <a:p>
+            <a:pPr>
+              <a:lnSpc>
+                <a:spcPct val="115000"/>
+              </a:lnSpc>
+            </a:pPr>
+            <a:endParaRPr lang="en-US" sz="1200" u="none" strike="noStrike" dirty="0">
+              <a:solidFill>
+                <a:schemeClr val="tx1"/>
+              </a:solidFill>
+              <a:effectLst/>
+              <a:latin typeface="Roboto" panose="02000000000000000000" pitchFamily="2" charset="0"/>
+              <a:ea typeface="Roboto" panose="02000000000000000000" pitchFamily="2" charset="0"/>
+              <a:cs typeface="Roboto" panose="02000000000000000000" pitchFamily="2" charset="0"/>
+            </a:endParaRPr>
+          </a:p>
+          <a:p>
+            <a:pPr>
+              <a:lnSpc>
+                <a:spcPct val="115000"/>
+              </a:lnSpc>
+            </a:pPr>
+            <a:r>
+              <a:rPr lang="en-US" sz="1200" dirty="0">
+                <a:latin typeface="Roboto" panose="02000000000000000000" pitchFamily="2" charset="0"/>
+                <a:ea typeface="Roboto" panose="02000000000000000000" pitchFamily="2" charset="0"/>
+                <a:cs typeface="Roboto" panose="02000000000000000000" pitchFamily="2" charset="0"/>
+              </a:rPr>
+              <a:t>Concern : There are total 250 customer details in Customer Table. </a:t>
+            </a:r>
+          </a:p>
+          <a:p>
+            <a:pPr>
+              <a:lnSpc>
+                <a:spcPct val="115000"/>
+              </a:lnSpc>
+            </a:pPr>
+            <a:r>
+              <a:rPr lang="en-US" sz="1200" dirty="0">
+                <a:latin typeface="Roboto" panose="02000000000000000000" pitchFamily="2" charset="0"/>
+                <a:ea typeface="Roboto" panose="02000000000000000000" pitchFamily="2" charset="0"/>
+                <a:cs typeface="Roboto" panose="02000000000000000000" pitchFamily="2" charset="0"/>
+              </a:rPr>
+              <a:t>1)Few customers have placed order(which can be fetched from</a:t>
+            </a:r>
+          </a:p>
+          <a:p>
+            <a:pPr>
+              <a:lnSpc>
+                <a:spcPct val="115000"/>
+              </a:lnSpc>
+            </a:pPr>
+            <a:r>
+              <a:rPr lang="en-US" sz="1200" dirty="0">
+                <a:latin typeface="Roboto" panose="02000000000000000000" pitchFamily="2" charset="0"/>
+                <a:ea typeface="Roboto" panose="02000000000000000000" pitchFamily="2" charset="0"/>
+                <a:cs typeface="Roboto" panose="02000000000000000000" pitchFamily="2" charset="0"/>
+              </a:rPr>
+              <a:t>order table </a:t>
+            </a:r>
+            <a:r>
+              <a:rPr lang="en-US" sz="1200" dirty="0" err="1">
+                <a:latin typeface="Roboto" panose="02000000000000000000" pitchFamily="2" charset="0"/>
+                <a:ea typeface="Roboto" panose="02000000000000000000" pitchFamily="2" charset="0"/>
+                <a:cs typeface="Roboto" panose="02000000000000000000" pitchFamily="2" charset="0"/>
+              </a:rPr>
+              <a:t>Eg</a:t>
+            </a:r>
+            <a:r>
+              <a:rPr lang="en-US" sz="1200" dirty="0">
+                <a:latin typeface="Roboto" panose="02000000000000000000" pitchFamily="2" charset="0"/>
+                <a:ea typeface="Roboto" panose="02000000000000000000" pitchFamily="2" charset="0"/>
+                <a:cs typeface="Roboto" panose="02000000000000000000" pitchFamily="2" charset="0"/>
+              </a:rPr>
+              <a:t>: Customer ID = 4.) </a:t>
+            </a:r>
+          </a:p>
+          <a:p>
+            <a:pPr>
+              <a:lnSpc>
+                <a:spcPct val="115000"/>
+              </a:lnSpc>
+            </a:pPr>
+            <a:r>
+              <a:rPr lang="en-US" sz="1200" dirty="0">
+                <a:latin typeface="Roboto" panose="02000000000000000000" pitchFamily="2" charset="0"/>
+                <a:ea typeface="Roboto" panose="02000000000000000000" pitchFamily="2" charset="0"/>
+                <a:cs typeface="Roboto" panose="02000000000000000000" pitchFamily="2" charset="0"/>
+              </a:rPr>
+              <a:t>But there is no information on their Shipping details in shipping table</a:t>
+            </a:r>
+            <a:br>
+              <a:rPr lang="en-US" sz="1200" dirty="0">
+                <a:latin typeface="Roboto" panose="02000000000000000000" pitchFamily="2" charset="0"/>
+                <a:ea typeface="Roboto" panose="02000000000000000000" pitchFamily="2" charset="0"/>
+                <a:cs typeface="Roboto" panose="02000000000000000000" pitchFamily="2" charset="0"/>
+              </a:rPr>
+            </a:br>
+            <a:endParaRPr lang="en-US" sz="1200" dirty="0">
+              <a:latin typeface="Roboto" panose="02000000000000000000" pitchFamily="2" charset="0"/>
+              <a:ea typeface="Roboto" panose="02000000000000000000" pitchFamily="2" charset="0"/>
+              <a:cs typeface="Roboto" panose="02000000000000000000" pitchFamily="2" charset="0"/>
+            </a:endParaRPr>
+          </a:p>
+          <a:p>
+            <a:pPr>
+              <a:lnSpc>
+                <a:spcPct val="115000"/>
+              </a:lnSpc>
+            </a:pPr>
+            <a:endParaRPr lang="en-US" sz="1200" dirty="0">
+              <a:latin typeface="Roboto" panose="02000000000000000000" pitchFamily="2" charset="0"/>
+              <a:ea typeface="Roboto" panose="02000000000000000000" pitchFamily="2" charset="0"/>
+              <a:cs typeface="Roboto" panose="02000000000000000000" pitchFamily="2" charset="0"/>
+            </a:endParaRPr>
+          </a:p>
+          <a:p>
+            <a:pPr>
+              <a:lnSpc>
+                <a:spcPct val="115000"/>
+              </a:lnSpc>
+            </a:pPr>
+            <a:endParaRPr lang="en-US" sz="1200" dirty="0">
+              <a:latin typeface="Roboto" panose="02000000000000000000" pitchFamily="2" charset="0"/>
+              <a:ea typeface="Roboto" panose="02000000000000000000" pitchFamily="2" charset="0"/>
+              <a:cs typeface="Roboto" panose="02000000000000000000" pitchFamily="2" charset="0"/>
+            </a:endParaRPr>
+          </a:p>
+          <a:p>
+            <a:pPr>
+              <a:lnSpc>
+                <a:spcPct val="115000"/>
+              </a:lnSpc>
+            </a:pPr>
+            <a:r>
+              <a:rPr lang="en-US" sz="1200" dirty="0">
+                <a:latin typeface="Roboto" panose="02000000000000000000" pitchFamily="2" charset="0"/>
+                <a:ea typeface="Roboto" panose="02000000000000000000" pitchFamily="2" charset="0"/>
+                <a:cs typeface="Roboto" panose="02000000000000000000" pitchFamily="2" charset="0"/>
+              </a:rPr>
+              <a:t>2)Shipping Details of few customer is present in Shipping Table</a:t>
+            </a:r>
+          </a:p>
+          <a:p>
+            <a:pPr>
+              <a:lnSpc>
+                <a:spcPct val="115000"/>
+              </a:lnSpc>
+            </a:pPr>
+            <a:r>
+              <a:rPr lang="en-US" sz="1200" dirty="0">
+                <a:latin typeface="Roboto" panose="02000000000000000000" pitchFamily="2" charset="0"/>
+                <a:ea typeface="Roboto" panose="02000000000000000000" pitchFamily="2" charset="0"/>
+                <a:cs typeface="Roboto" panose="02000000000000000000" pitchFamily="2" charset="0"/>
+              </a:rPr>
+              <a:t>(For </a:t>
+            </a:r>
+            <a:r>
+              <a:rPr lang="en-US" sz="1200" dirty="0" err="1">
+                <a:latin typeface="Roboto" panose="02000000000000000000" pitchFamily="2" charset="0"/>
+                <a:ea typeface="Roboto" panose="02000000000000000000" pitchFamily="2" charset="0"/>
+                <a:cs typeface="Roboto" panose="02000000000000000000" pitchFamily="2" charset="0"/>
+              </a:rPr>
+              <a:t>Eg</a:t>
+            </a:r>
+            <a:r>
+              <a:rPr lang="en-US" sz="1200" dirty="0">
+                <a:latin typeface="Roboto" panose="02000000000000000000" pitchFamily="2" charset="0"/>
+                <a:ea typeface="Roboto" panose="02000000000000000000" pitchFamily="2" charset="0"/>
+                <a:cs typeface="Roboto" panose="02000000000000000000" pitchFamily="2" charset="0"/>
+              </a:rPr>
+              <a:t>: Customer ID =1) but there is no</a:t>
+            </a:r>
+          </a:p>
+          <a:p>
+            <a:pPr>
+              <a:lnSpc>
+                <a:spcPct val="115000"/>
+              </a:lnSpc>
+            </a:pPr>
+            <a:r>
+              <a:rPr lang="en-US" sz="1200" dirty="0">
+                <a:latin typeface="Roboto" panose="02000000000000000000" pitchFamily="2" charset="0"/>
+                <a:ea typeface="Roboto" panose="02000000000000000000" pitchFamily="2" charset="0"/>
+                <a:cs typeface="Roboto" panose="02000000000000000000" pitchFamily="2" charset="0"/>
+              </a:rPr>
+              <a:t>information on what order they placed in Order Table</a:t>
+            </a:r>
+          </a:p>
+          <a:p>
+            <a:pPr>
+              <a:lnSpc>
+                <a:spcPct val="115000"/>
+              </a:lnSpc>
+            </a:pPr>
+            <a:endParaRPr lang="en-US" sz="1200" u="none" strike="noStrike" dirty="0">
+              <a:solidFill>
+                <a:schemeClr val="tx1"/>
+              </a:solidFill>
+              <a:effectLst/>
+              <a:latin typeface="Roboto" panose="02000000000000000000" pitchFamily="2" charset="0"/>
+              <a:ea typeface="Roboto" panose="02000000000000000000" pitchFamily="2" charset="0"/>
+              <a:cs typeface="Roboto" panose="02000000000000000000" pitchFamily="2" charset="0"/>
+            </a:endParaRPr>
+          </a:p>
+        </p:txBody>
+      </p:sp>
+      <p:sp>
+        <p:nvSpPr>
+          <p:cNvPr id="6" name="Slide Number Placeholder 5">
+            <a:extLst>
+              <a:ext uri="{FF2B5EF4-FFF2-40B4-BE49-F238E27FC236}">
+                <a16:creationId xmlns:a16="http://schemas.microsoft.com/office/drawing/2014/main" id="{7BC1787E-7110-4989-B0B8-DD4E0ACC09DF}"/>
+              </a:ext>
+            </a:extLst>
+          </p:cNvPr>
+          <p:cNvSpPr>
+            <a:spLocks noGrp="1"/>
+          </p:cNvSpPr>
+          <p:nvPr>
+            <p:ph type="sldNum" sz="quarter" idx="12"/>
+          </p:nvPr>
+        </p:nvSpPr>
+        <p:spPr>
+          <a:xfrm>
+            <a:off x="8610600" y="6356350"/>
+            <a:ext cx="2743200" cy="365125"/>
+          </a:xfrm>
+        </p:spPr>
+        <p:txBody>
+          <a:bodyPr/>
+          <a:lstStyle/>
+          <a:p>
+            <a:fld id="{A49DFD55-3C28-40EF-9E31-A92D2E4017FF}" type="slidenum">
+              <a:rPr lang="en-US" smtClean="0"/>
+              <a:pPr/>
+              <a:t>9</a:t>
+            </a:fld>
+            <a:endParaRPr lang="en-US" dirty="0"/>
+          </a:p>
+        </p:txBody>
+      </p:sp>
+      <p:pic>
+        <p:nvPicPr>
+          <p:cNvPr id="8" name="Picture 7">
+            <a:extLst>
+              <a:ext uri="{FF2B5EF4-FFF2-40B4-BE49-F238E27FC236}">
+                <a16:creationId xmlns:a16="http://schemas.microsoft.com/office/drawing/2014/main" id="{3C47AA19-7999-9EB4-BF27-30F9D2F09BA0}"/>
+              </a:ext>
+            </a:extLst>
+          </p:cNvPr>
+          <p:cNvPicPr>
+            <a:picLocks noChangeAspect="1"/>
+          </p:cNvPicPr>
+          <p:nvPr/>
+        </p:nvPicPr>
+        <p:blipFill>
+          <a:blip r:embed="rId2"/>
+          <a:stretch>
+            <a:fillRect/>
+          </a:stretch>
+        </p:blipFill>
+        <p:spPr>
+          <a:xfrm>
+            <a:off x="6426281" y="1817418"/>
+            <a:ext cx="4368637" cy="2093778"/>
+          </a:xfrm>
+          <a:prstGeom prst="rect">
+            <a:avLst/>
+          </a:prstGeom>
+        </p:spPr>
+      </p:pic>
+      <p:pic>
+        <p:nvPicPr>
+          <p:cNvPr id="10" name="Picture 9">
+            <a:extLst>
+              <a:ext uri="{FF2B5EF4-FFF2-40B4-BE49-F238E27FC236}">
+                <a16:creationId xmlns:a16="http://schemas.microsoft.com/office/drawing/2014/main" id="{2D1BB4D5-A8C1-C11D-34AA-8E31894A07B9}"/>
+              </a:ext>
+            </a:extLst>
+          </p:cNvPr>
+          <p:cNvPicPr>
+            <a:picLocks noChangeAspect="1"/>
+          </p:cNvPicPr>
+          <p:nvPr/>
+        </p:nvPicPr>
+        <p:blipFill>
+          <a:blip r:embed="rId3"/>
+          <a:stretch>
+            <a:fillRect/>
+          </a:stretch>
+        </p:blipFill>
+        <p:spPr>
+          <a:xfrm>
+            <a:off x="6170958" y="4433608"/>
+            <a:ext cx="4249338" cy="2118152"/>
+          </a:xfrm>
+          <a:prstGeom prst="rect">
+            <a:avLst/>
+          </a:prstGeom>
+        </p:spPr>
+      </p:pic>
+    </p:spTree>
+    <p:extLst>
+      <p:ext uri="{BB962C8B-B14F-4D97-AF65-F5344CB8AC3E}">
+        <p14:creationId xmlns:p14="http://schemas.microsoft.com/office/powerpoint/2010/main" val="1459150035"/>
       </p:ext>
     </p:extLst>
   </p:cSld>
@@ -12536,23 +15014,12 @@
 </file>
 
 <file path=customXml/item1.xml><?xml version="1.0" encoding="utf-8"?>
-<p:properties xmlns:p="http://schemas.microsoft.com/office/2006/metadata/properties" xmlns:xsi="http://www.w3.org/2001/XMLSchema-instance" xmlns:pc="http://schemas.microsoft.com/office/infopath/2007/PartnerControls">
-  <documentManagement>
-    <_ip_UnifiedCompliancePolicyUIAction xmlns="http://schemas.microsoft.com/sharepoint/v3" xsi:nil="true"/>
-    <Image xmlns="71af3243-3dd4-4a8d-8c0d-dd76da1f02a5">
-      <Url xsi:nil="true"/>
-      <Description xsi:nil="true"/>
-    </Image>
-    <Status xmlns="71af3243-3dd4-4a8d-8c0d-dd76da1f02a5">Not started</Status>
-    <_ip_UnifiedCompliancePolicyProperties xmlns="http://schemas.microsoft.com/sharepoint/v3" xsi:nil="true"/>
-    <ImageTagsTaxHTField xmlns="71af3243-3dd4-4a8d-8c0d-dd76da1f02a5">
-      <Terms xmlns="http://schemas.microsoft.com/office/infopath/2007/PartnerControls"/>
-    </ImageTagsTaxHTField>
-    <TaxCatchAll xmlns="230e9df3-be65-4c73-a93b-d1236ebd677e" xsi:nil="true"/>
-    <MediaServiceKeyPoints xmlns="71af3243-3dd4-4a8d-8c0d-dd76da1f02a5" xsi:nil="true"/>
-    <Background xmlns="71af3243-3dd4-4a8d-8c0d-dd76da1f02a5">false</Background>
-  </documentManagement>
-</p:properties>
+<?mso-contentType ?>
+<FormTemplates xmlns="http://schemas.microsoft.com/sharepoint/v3/contenttype/forms">
+  <Display>DocumentLibraryForm</Display>
+  <Edit>DocumentLibraryForm</Edit>
+  <New>DocumentLibraryForm</New>
+</FormTemplates>
 </file>
 
 <file path=customXml/item2.xml><?xml version="1.0" encoding="utf-8"?>
@@ -12868,22 +15335,29 @@
 </file>
 
 <file path=customXml/item3.xml><?xml version="1.0" encoding="utf-8"?>
-<?mso-contentType ?>
-<FormTemplates xmlns="http://schemas.microsoft.com/sharepoint/v3/contenttype/forms">
-  <Display>DocumentLibraryForm</Display>
-  <Edit>DocumentLibraryForm</Edit>
-  <New>DocumentLibraryForm</New>
-</FormTemplates>
+<p:properties xmlns:p="http://schemas.microsoft.com/office/2006/metadata/properties" xmlns:xsi="http://www.w3.org/2001/XMLSchema-instance" xmlns:pc="http://schemas.microsoft.com/office/infopath/2007/PartnerControls">
+  <documentManagement>
+    <_ip_UnifiedCompliancePolicyUIAction xmlns="http://schemas.microsoft.com/sharepoint/v3" xsi:nil="true"/>
+    <Image xmlns="71af3243-3dd4-4a8d-8c0d-dd76da1f02a5">
+      <Url xsi:nil="true"/>
+      <Description xsi:nil="true"/>
+    </Image>
+    <Status xmlns="71af3243-3dd4-4a8d-8c0d-dd76da1f02a5">Not started</Status>
+    <_ip_UnifiedCompliancePolicyProperties xmlns="http://schemas.microsoft.com/sharepoint/v3" xsi:nil="true"/>
+    <ImageTagsTaxHTField xmlns="71af3243-3dd4-4a8d-8c0d-dd76da1f02a5">
+      <Terms xmlns="http://schemas.microsoft.com/office/infopath/2007/PartnerControls"/>
+    </ImageTagsTaxHTField>
+    <TaxCatchAll xmlns="230e9df3-be65-4c73-a93b-d1236ebd677e" xsi:nil="true"/>
+    <MediaServiceKeyPoints xmlns="71af3243-3dd4-4a8d-8c0d-dd76da1f02a5" xsi:nil="true"/>
+    <Background xmlns="71af3243-3dd4-4a8d-8c0d-dd76da1f02a5">false</Background>
+  </documentManagement>
+</p:properties>
 </file>
 
 <file path=customXml/itemProps1.xml><?xml version="1.0" encoding="utf-8"?>
-<ds:datastoreItem xmlns:ds="http://schemas.openxmlformats.org/officeDocument/2006/customXml" ds:itemID="{4CC7F809-A434-4A8D-A127-1C50C2DB3890}">
+<ds:datastoreItem xmlns:ds="http://schemas.openxmlformats.org/officeDocument/2006/customXml" ds:itemID="{BD5826B4-4DD2-4A9B-8D6D-E91CF9C2316C}">
   <ds:schemaRefs>
-    <ds:schemaRef ds:uri="http://schemas.microsoft.com/office/2006/metadata/properties"/>
-    <ds:schemaRef ds:uri="http://schemas.microsoft.com/office/infopath/2007/PartnerControls"/>
-    <ds:schemaRef ds:uri="http://schemas.microsoft.com/sharepoint/v3"/>
-    <ds:schemaRef ds:uri="71af3243-3dd4-4a8d-8c0d-dd76da1f02a5"/>
-    <ds:schemaRef ds:uri="230e9df3-be65-4c73-a93b-d1236ebd677e"/>
+    <ds:schemaRef ds:uri="http://schemas.microsoft.com/sharepoint/v3/contenttype/forms"/>
   </ds:schemaRefs>
 </ds:datastoreItem>
 </file>
@@ -12910,9 +15384,13 @@
 </file>
 
 <file path=customXml/itemProps3.xml><?xml version="1.0" encoding="utf-8"?>
-<ds:datastoreItem xmlns:ds="http://schemas.openxmlformats.org/officeDocument/2006/customXml" ds:itemID="{BD5826B4-4DD2-4A9B-8D6D-E91CF9C2316C}">
+<ds:datastoreItem xmlns:ds="http://schemas.openxmlformats.org/officeDocument/2006/customXml" ds:itemID="{4CC7F809-A434-4A8D-A127-1C50C2DB3890}">
   <ds:schemaRefs>
-    <ds:schemaRef ds:uri="http://schemas.microsoft.com/sharepoint/v3/contenttype/forms"/>
+    <ds:schemaRef ds:uri="http://schemas.microsoft.com/office/2006/metadata/properties"/>
+    <ds:schemaRef ds:uri="http://schemas.microsoft.com/office/infopath/2007/PartnerControls"/>
+    <ds:schemaRef ds:uri="http://schemas.microsoft.com/sharepoint/v3"/>
+    <ds:schemaRef ds:uri="71af3243-3dd4-4a8d-8c0d-dd76da1f02a5"/>
+    <ds:schemaRef ds:uri="230e9df3-be65-4c73-a93b-d1236ebd677e"/>
   </ds:schemaRefs>
 </ds:datastoreItem>
 </file>
